--- a/day_02_kubernetes/Kubernetes.pptx
+++ b/day_02_kubernetes/Kubernetes.pptx
@@ -5,10 +5,10 @@
     <p:sldMasterId id="2147483648" r:id="rId1"/>
   </p:sldMasterIdLst>
   <p:notesMasterIdLst>
-    <p:notesMasterId r:id="rId44"/>
+    <p:notesMasterId r:id="rId65"/>
   </p:notesMasterIdLst>
   <p:handoutMasterIdLst>
-    <p:handoutMasterId r:id="rId45"/>
+    <p:handoutMasterId r:id="rId66"/>
   </p:handoutMasterIdLst>
   <p:sldIdLst>
     <p:sldId id="256" r:id="rId2"/>
@@ -50,9 +50,30 @@
     <p:sldId id="375" r:id="rId38"/>
     <p:sldId id="360" r:id="rId39"/>
     <p:sldId id="376" r:id="rId40"/>
-    <p:sldId id="377" r:id="rId41"/>
-    <p:sldId id="378" r:id="rId42"/>
-    <p:sldId id="379" r:id="rId43"/>
+    <p:sldId id="389" r:id="rId41"/>
+    <p:sldId id="377" r:id="rId42"/>
+    <p:sldId id="378" r:id="rId43"/>
+    <p:sldId id="379" r:id="rId44"/>
+    <p:sldId id="384" r:id="rId45"/>
+    <p:sldId id="380" r:id="rId46"/>
+    <p:sldId id="382" r:id="rId47"/>
+    <p:sldId id="391" r:id="rId48"/>
+    <p:sldId id="392" r:id="rId49"/>
+    <p:sldId id="394" r:id="rId50"/>
+    <p:sldId id="393" r:id="rId51"/>
+    <p:sldId id="395" r:id="rId52"/>
+    <p:sldId id="396" r:id="rId53"/>
+    <p:sldId id="397" r:id="rId54"/>
+    <p:sldId id="398" r:id="rId55"/>
+    <p:sldId id="400" r:id="rId56"/>
+    <p:sldId id="399" r:id="rId57"/>
+    <p:sldId id="401" r:id="rId58"/>
+    <p:sldId id="402" r:id="rId59"/>
+    <p:sldId id="403" r:id="rId60"/>
+    <p:sldId id="404" r:id="rId61"/>
+    <p:sldId id="405" r:id="rId62"/>
+    <p:sldId id="407" r:id="rId63"/>
+    <p:sldId id="406" r:id="rId64"/>
   </p:sldIdLst>
   <p:sldSz cx="12192000" cy="6858000"/>
   <p:notesSz cx="6858000" cy="9144000"/>
@@ -329,7 +350,7 @@
                   <a:uFillTx/>
                 </a:defRPr>
               </a:pPr>
-              <a:t>4/8/2020</a:t>
+              <a:t>4/12/2020</a:t>
             </a:fld>
             <a:endParaRPr lang="en-US" sz="1200" b="0" i="0" u="none" strike="noStrike" kern="1200" cap="none" spc="0" baseline="0">
               <a:solidFill>
@@ -629,7 +650,7 @@
             <a:fld id="{6CDE46A4-0C80-4870-A165-62C39F8F202B}" type="datetime1">
               <a:rPr lang="en-US"/>
               <a:pPr lvl="0"/>
-              <a:t>4/8/2020</a:t>
+              <a:t>4/12/2020</a:t>
             </a:fld>
             <a:endParaRPr lang="en-US"/>
           </a:p>
@@ -6257,7 +6278,7 @@
     </p:spTree>
     <p:extLst>
       <p:ext uri="{BB962C8B-B14F-4D97-AF65-F5344CB8AC3E}">
-        <p14:creationId xmlns:p14="http://schemas.microsoft.com/office/powerpoint/2010/main" val="198417191"/>
+        <p14:creationId xmlns:p14="http://schemas.microsoft.com/office/powerpoint/2010/main" val="853431069"/>
       </p:ext>
     </p:extLst>
   </p:cSld>
@@ -6398,7 +6419,7 @@
     </p:spTree>
     <p:extLst>
       <p:ext uri="{BB962C8B-B14F-4D97-AF65-F5344CB8AC3E}">
-        <p14:creationId xmlns:p14="http://schemas.microsoft.com/office/powerpoint/2010/main" val="1787119027"/>
+        <p14:creationId xmlns:p14="http://schemas.microsoft.com/office/powerpoint/2010/main" val="198417191"/>
       </p:ext>
     </p:extLst>
   </p:cSld>
@@ -6539,7 +6560,994 @@
     </p:spTree>
     <p:extLst>
       <p:ext uri="{BB962C8B-B14F-4D97-AF65-F5344CB8AC3E}">
+        <p14:creationId xmlns:p14="http://schemas.microsoft.com/office/powerpoint/2010/main" val="1787119027"/>
+      </p:ext>
+    </p:extLst>
+  </p:cSld>
+  <p:clrMapOvr>
+    <a:masterClrMapping/>
+  </p:clrMapOvr>
+</p:notes>
+</file>
+
+<file path=ppt/notesSlides/notesSlide43.xml><?xml version="1.0" encoding="utf-8"?>
+<p:notes xmlns:a="http://schemas.openxmlformats.org/drawingml/2006/main" xmlns:r="http://schemas.openxmlformats.org/officeDocument/2006/relationships" xmlns:p="http://schemas.openxmlformats.org/presentationml/2006/main">
+  <p:cSld>
+    <p:spTree>
+      <p:nvGrpSpPr>
+        <p:cNvPr id="1" name=""/>
+        <p:cNvGrpSpPr/>
+        <p:nvPr/>
+      </p:nvGrpSpPr>
+      <p:grpSpPr>
+        <a:xfrm>
+          <a:off x="0" y="0"/>
+          <a:ext cx="0" cy="0"/>
+          <a:chOff x="0" y="0"/>
+          <a:chExt cx="0" cy="0"/>
+        </a:xfrm>
+      </p:grpSpPr>
+      <p:sp>
+        <p:nvSpPr>
+          <p:cNvPr id="2" name="Slide Image Placeholder 1">
+            <a:extLst>
+              <a:ext uri="{FF2B5EF4-FFF2-40B4-BE49-F238E27FC236}">
+                <a16:creationId xmlns:a16="http://schemas.microsoft.com/office/drawing/2014/main" id="{2497DA53-D683-4E74-BC1F-26543BD149E1}"/>
+              </a:ext>
+            </a:extLst>
+          </p:cNvPr>
+          <p:cNvSpPr>
+            <a:spLocks noGrp="1" noRot="1" noChangeAspect="1"/>
+          </p:cNvSpPr>
+          <p:nvPr>
+            <p:ph type="sldImg"/>
+          </p:nvPr>
+        </p:nvSpPr>
+        <p:spPr>
+          <a:xfrm>
+            <a:off x="685800" y="1143000"/>
+            <a:ext cx="5486400" cy="3086100"/>
+          </a:xfrm>
+        </p:spPr>
+      </p:sp>
+      <p:sp>
+        <p:nvSpPr>
+          <p:cNvPr id="3" name="Notes Placeholder 2">
+            <a:extLst>
+              <a:ext uri="{FF2B5EF4-FFF2-40B4-BE49-F238E27FC236}">
+                <a16:creationId xmlns:a16="http://schemas.microsoft.com/office/drawing/2014/main" id="{9E1E7195-217E-4A6D-A7C0-AE7172C3E803}"/>
+              </a:ext>
+            </a:extLst>
+          </p:cNvPr>
+          <p:cNvSpPr txBox="1">
+            <a:spLocks noGrp="1"/>
+          </p:cNvSpPr>
+          <p:nvPr>
+            <p:ph type="body" sz="quarter" idx="1"/>
+          </p:nvPr>
+        </p:nvSpPr>
+        <p:spPr/>
+        <p:txBody>
+          <a:bodyPr/>
+          <a:lstStyle/>
+          <a:p>
+            <a:endParaRPr lang="en-IN" dirty="0"/>
+          </a:p>
+        </p:txBody>
+      </p:sp>
+      <p:sp>
+        <p:nvSpPr>
+          <p:cNvPr id="4" name="Slide Number Placeholder 3">
+            <a:extLst>
+              <a:ext uri="{FF2B5EF4-FFF2-40B4-BE49-F238E27FC236}">
+                <a16:creationId xmlns:a16="http://schemas.microsoft.com/office/drawing/2014/main" id="{5E256F2D-E4A2-41F0-B5B7-59A184EAA1C0}"/>
+              </a:ext>
+            </a:extLst>
+          </p:cNvPr>
+          <p:cNvSpPr txBox="1"/>
+          <p:nvPr/>
+        </p:nvSpPr>
+        <p:spPr>
+          <a:xfrm>
+            <a:off x="3884608" y="8685208"/>
+            <a:ext cx="2971800" cy="458791"/>
+          </a:xfrm>
+          <a:prstGeom prst="rect">
+            <a:avLst/>
+          </a:prstGeom>
+          <a:noFill/>
+          <a:ln cap="flat">
+            <a:noFill/>
+          </a:ln>
+        </p:spPr>
+        <p:txBody>
+          <a:bodyPr vert="horz" wrap="square" lIns="91440" tIns="45720" rIns="91440" bIns="45720" anchor="b" anchorCtr="0" compatLnSpc="1">
+            <a:noAutofit/>
+          </a:bodyPr>
+          <a:lstStyle/>
+          <a:p>
+            <a:pPr marL="0" marR="0" lvl="0" indent="0" algn="r" defTabSz="914400" rtl="0" fontAlgn="auto" hangingPunct="1">
+              <a:lnSpc>
+                <a:spcPct val="100000"/>
+              </a:lnSpc>
+              <a:spcBef>
+                <a:spcPts val="0"/>
+              </a:spcBef>
+              <a:spcAft>
+                <a:spcPts val="0"/>
+              </a:spcAft>
+              <a:buNone/>
+              <a:tabLst/>
+              <a:defRPr sz="1800" b="0" i="0" u="none" strike="noStrike" kern="0" cap="none" spc="0" baseline="0">
+                <a:solidFill>
+                  <a:srgbClr val="000000"/>
+                </a:solidFill>
+                <a:uFillTx/>
+              </a:defRPr>
+            </a:pPr>
+            <a:fld id="{BC8B4F21-F227-4C46-A9C2-BEE122BBF1D3}" type="slidenum">
+              <a:t>43</a:t>
+            </a:fld>
+            <a:endParaRPr lang="en-US" sz="1200" b="0" i="0" u="none" strike="noStrike" kern="1200" cap="none" spc="0" baseline="0">
+              <a:solidFill>
+                <a:srgbClr val="000000"/>
+              </a:solidFill>
+              <a:uFillTx/>
+              <a:latin typeface="Calibri"/>
+            </a:endParaRPr>
+          </a:p>
+        </p:txBody>
+      </p:sp>
+    </p:spTree>
+    <p:extLst>
+      <p:ext uri="{BB962C8B-B14F-4D97-AF65-F5344CB8AC3E}">
         <p14:creationId xmlns:p14="http://schemas.microsoft.com/office/powerpoint/2010/main" val="1146749616"/>
+      </p:ext>
+    </p:extLst>
+  </p:cSld>
+  <p:clrMapOvr>
+    <a:masterClrMapping/>
+  </p:clrMapOvr>
+</p:notes>
+</file>
+
+<file path=ppt/notesSlides/notesSlide44.xml><?xml version="1.0" encoding="utf-8"?>
+<p:notes xmlns:a="http://schemas.openxmlformats.org/drawingml/2006/main" xmlns:r="http://schemas.openxmlformats.org/officeDocument/2006/relationships" xmlns:p="http://schemas.openxmlformats.org/presentationml/2006/main">
+  <p:cSld>
+    <p:spTree>
+      <p:nvGrpSpPr>
+        <p:cNvPr id="1" name=""/>
+        <p:cNvGrpSpPr/>
+        <p:nvPr/>
+      </p:nvGrpSpPr>
+      <p:grpSpPr>
+        <a:xfrm>
+          <a:off x="0" y="0"/>
+          <a:ext cx="0" cy="0"/>
+          <a:chOff x="0" y="0"/>
+          <a:chExt cx="0" cy="0"/>
+        </a:xfrm>
+      </p:grpSpPr>
+      <p:sp>
+        <p:nvSpPr>
+          <p:cNvPr id="2" name="Slide Image Placeholder 1">
+            <a:extLst>
+              <a:ext uri="{FF2B5EF4-FFF2-40B4-BE49-F238E27FC236}">
+                <a16:creationId xmlns:a16="http://schemas.microsoft.com/office/drawing/2014/main" id="{2497DA53-D683-4E74-BC1F-26543BD149E1}"/>
+              </a:ext>
+            </a:extLst>
+          </p:cNvPr>
+          <p:cNvSpPr>
+            <a:spLocks noGrp="1" noRot="1" noChangeAspect="1"/>
+          </p:cNvSpPr>
+          <p:nvPr>
+            <p:ph type="sldImg"/>
+          </p:nvPr>
+        </p:nvSpPr>
+        <p:spPr>
+          <a:xfrm>
+            <a:off x="685800" y="1143000"/>
+            <a:ext cx="5486400" cy="3086100"/>
+          </a:xfrm>
+        </p:spPr>
+      </p:sp>
+      <p:sp>
+        <p:nvSpPr>
+          <p:cNvPr id="3" name="Notes Placeholder 2">
+            <a:extLst>
+              <a:ext uri="{FF2B5EF4-FFF2-40B4-BE49-F238E27FC236}">
+                <a16:creationId xmlns:a16="http://schemas.microsoft.com/office/drawing/2014/main" id="{9E1E7195-217E-4A6D-A7C0-AE7172C3E803}"/>
+              </a:ext>
+            </a:extLst>
+          </p:cNvPr>
+          <p:cNvSpPr txBox="1">
+            <a:spLocks noGrp="1"/>
+          </p:cNvSpPr>
+          <p:nvPr>
+            <p:ph type="body" sz="quarter" idx="1"/>
+          </p:nvPr>
+        </p:nvSpPr>
+        <p:spPr/>
+        <p:txBody>
+          <a:bodyPr/>
+          <a:lstStyle/>
+          <a:p>
+            <a:endParaRPr lang="en-IN" dirty="0"/>
+          </a:p>
+        </p:txBody>
+      </p:sp>
+      <p:sp>
+        <p:nvSpPr>
+          <p:cNvPr id="4" name="Slide Number Placeholder 3">
+            <a:extLst>
+              <a:ext uri="{FF2B5EF4-FFF2-40B4-BE49-F238E27FC236}">
+                <a16:creationId xmlns:a16="http://schemas.microsoft.com/office/drawing/2014/main" id="{5E256F2D-E4A2-41F0-B5B7-59A184EAA1C0}"/>
+              </a:ext>
+            </a:extLst>
+          </p:cNvPr>
+          <p:cNvSpPr txBox="1"/>
+          <p:nvPr/>
+        </p:nvSpPr>
+        <p:spPr>
+          <a:xfrm>
+            <a:off x="3884608" y="8685208"/>
+            <a:ext cx="2971800" cy="458791"/>
+          </a:xfrm>
+          <a:prstGeom prst="rect">
+            <a:avLst/>
+          </a:prstGeom>
+          <a:noFill/>
+          <a:ln cap="flat">
+            <a:noFill/>
+          </a:ln>
+        </p:spPr>
+        <p:txBody>
+          <a:bodyPr vert="horz" wrap="square" lIns="91440" tIns="45720" rIns="91440" bIns="45720" anchor="b" anchorCtr="0" compatLnSpc="1">
+            <a:noAutofit/>
+          </a:bodyPr>
+          <a:lstStyle/>
+          <a:p>
+            <a:pPr marL="0" marR="0" lvl="0" indent="0" algn="r" defTabSz="914400" rtl="0" fontAlgn="auto" hangingPunct="1">
+              <a:lnSpc>
+                <a:spcPct val="100000"/>
+              </a:lnSpc>
+              <a:spcBef>
+                <a:spcPts val="0"/>
+              </a:spcBef>
+              <a:spcAft>
+                <a:spcPts val="0"/>
+              </a:spcAft>
+              <a:buNone/>
+              <a:tabLst/>
+              <a:defRPr sz="1800" b="0" i="0" u="none" strike="noStrike" kern="0" cap="none" spc="0" baseline="0">
+                <a:solidFill>
+                  <a:srgbClr val="000000"/>
+                </a:solidFill>
+                <a:uFillTx/>
+              </a:defRPr>
+            </a:pPr>
+            <a:fld id="{BC8B4F21-F227-4C46-A9C2-BEE122BBF1D3}" type="slidenum">
+              <a:t>44</a:t>
+            </a:fld>
+            <a:endParaRPr lang="en-US" sz="1200" b="0" i="0" u="none" strike="noStrike" kern="1200" cap="none" spc="0" baseline="0">
+              <a:solidFill>
+                <a:srgbClr val="000000"/>
+              </a:solidFill>
+              <a:uFillTx/>
+              <a:latin typeface="Calibri"/>
+            </a:endParaRPr>
+          </a:p>
+        </p:txBody>
+      </p:sp>
+    </p:spTree>
+    <p:extLst>
+      <p:ext uri="{BB962C8B-B14F-4D97-AF65-F5344CB8AC3E}">
+        <p14:creationId xmlns:p14="http://schemas.microsoft.com/office/powerpoint/2010/main" val="4185378720"/>
+      </p:ext>
+    </p:extLst>
+  </p:cSld>
+  <p:clrMapOvr>
+    <a:masterClrMapping/>
+  </p:clrMapOvr>
+</p:notes>
+</file>
+
+<file path=ppt/notesSlides/notesSlide45.xml><?xml version="1.0" encoding="utf-8"?>
+<p:notes xmlns:a="http://schemas.openxmlformats.org/drawingml/2006/main" xmlns:r="http://schemas.openxmlformats.org/officeDocument/2006/relationships" xmlns:p="http://schemas.openxmlformats.org/presentationml/2006/main">
+  <p:cSld>
+    <p:spTree>
+      <p:nvGrpSpPr>
+        <p:cNvPr id="1" name=""/>
+        <p:cNvGrpSpPr/>
+        <p:nvPr/>
+      </p:nvGrpSpPr>
+      <p:grpSpPr>
+        <a:xfrm>
+          <a:off x="0" y="0"/>
+          <a:ext cx="0" cy="0"/>
+          <a:chOff x="0" y="0"/>
+          <a:chExt cx="0" cy="0"/>
+        </a:xfrm>
+      </p:grpSpPr>
+      <p:sp>
+        <p:nvSpPr>
+          <p:cNvPr id="2" name="Slide Image Placeholder 1">
+            <a:extLst>
+              <a:ext uri="{FF2B5EF4-FFF2-40B4-BE49-F238E27FC236}">
+                <a16:creationId xmlns:a16="http://schemas.microsoft.com/office/drawing/2014/main" id="{2497DA53-D683-4E74-BC1F-26543BD149E1}"/>
+              </a:ext>
+            </a:extLst>
+          </p:cNvPr>
+          <p:cNvSpPr>
+            <a:spLocks noGrp="1" noRot="1" noChangeAspect="1"/>
+          </p:cNvSpPr>
+          <p:nvPr>
+            <p:ph type="sldImg"/>
+          </p:nvPr>
+        </p:nvSpPr>
+        <p:spPr>
+          <a:xfrm>
+            <a:off x="685800" y="1143000"/>
+            <a:ext cx="5486400" cy="3086100"/>
+          </a:xfrm>
+        </p:spPr>
+      </p:sp>
+      <p:sp>
+        <p:nvSpPr>
+          <p:cNvPr id="3" name="Notes Placeholder 2">
+            <a:extLst>
+              <a:ext uri="{FF2B5EF4-FFF2-40B4-BE49-F238E27FC236}">
+                <a16:creationId xmlns:a16="http://schemas.microsoft.com/office/drawing/2014/main" id="{9E1E7195-217E-4A6D-A7C0-AE7172C3E803}"/>
+              </a:ext>
+            </a:extLst>
+          </p:cNvPr>
+          <p:cNvSpPr txBox="1">
+            <a:spLocks noGrp="1"/>
+          </p:cNvSpPr>
+          <p:nvPr>
+            <p:ph type="body" sz="quarter" idx="1"/>
+          </p:nvPr>
+        </p:nvSpPr>
+        <p:spPr/>
+        <p:txBody>
+          <a:bodyPr/>
+          <a:lstStyle/>
+          <a:p>
+            <a:endParaRPr lang="en-IN" dirty="0"/>
+          </a:p>
+        </p:txBody>
+      </p:sp>
+      <p:sp>
+        <p:nvSpPr>
+          <p:cNvPr id="4" name="Slide Number Placeholder 3">
+            <a:extLst>
+              <a:ext uri="{FF2B5EF4-FFF2-40B4-BE49-F238E27FC236}">
+                <a16:creationId xmlns:a16="http://schemas.microsoft.com/office/drawing/2014/main" id="{5E256F2D-E4A2-41F0-B5B7-59A184EAA1C0}"/>
+              </a:ext>
+            </a:extLst>
+          </p:cNvPr>
+          <p:cNvSpPr txBox="1"/>
+          <p:nvPr/>
+        </p:nvSpPr>
+        <p:spPr>
+          <a:xfrm>
+            <a:off x="3884608" y="8685208"/>
+            <a:ext cx="2971800" cy="458791"/>
+          </a:xfrm>
+          <a:prstGeom prst="rect">
+            <a:avLst/>
+          </a:prstGeom>
+          <a:noFill/>
+          <a:ln cap="flat">
+            <a:noFill/>
+          </a:ln>
+        </p:spPr>
+        <p:txBody>
+          <a:bodyPr vert="horz" wrap="square" lIns="91440" tIns="45720" rIns="91440" bIns="45720" anchor="b" anchorCtr="0" compatLnSpc="1">
+            <a:noAutofit/>
+          </a:bodyPr>
+          <a:lstStyle/>
+          <a:p>
+            <a:pPr marL="0" marR="0" lvl="0" indent="0" algn="r" defTabSz="914400" rtl="0" fontAlgn="auto" hangingPunct="1">
+              <a:lnSpc>
+                <a:spcPct val="100000"/>
+              </a:lnSpc>
+              <a:spcBef>
+                <a:spcPts val="0"/>
+              </a:spcBef>
+              <a:spcAft>
+                <a:spcPts val="0"/>
+              </a:spcAft>
+              <a:buNone/>
+              <a:tabLst/>
+              <a:defRPr sz="1800" b="0" i="0" u="none" strike="noStrike" kern="0" cap="none" spc="0" baseline="0">
+                <a:solidFill>
+                  <a:srgbClr val="000000"/>
+                </a:solidFill>
+                <a:uFillTx/>
+              </a:defRPr>
+            </a:pPr>
+            <a:fld id="{BC8B4F21-F227-4C46-A9C2-BEE122BBF1D3}" type="slidenum">
+              <a:t>45</a:t>
+            </a:fld>
+            <a:endParaRPr lang="en-US" sz="1200" b="0" i="0" u="none" strike="noStrike" kern="1200" cap="none" spc="0" baseline="0">
+              <a:solidFill>
+                <a:srgbClr val="000000"/>
+              </a:solidFill>
+              <a:uFillTx/>
+              <a:latin typeface="Calibri"/>
+            </a:endParaRPr>
+          </a:p>
+        </p:txBody>
+      </p:sp>
+    </p:spTree>
+    <p:extLst>
+      <p:ext uri="{BB962C8B-B14F-4D97-AF65-F5344CB8AC3E}">
+        <p14:creationId xmlns:p14="http://schemas.microsoft.com/office/powerpoint/2010/main" val="3994451350"/>
+      </p:ext>
+    </p:extLst>
+  </p:cSld>
+  <p:clrMapOvr>
+    <a:masterClrMapping/>
+  </p:clrMapOvr>
+</p:notes>
+</file>
+
+<file path=ppt/notesSlides/notesSlide46.xml><?xml version="1.0" encoding="utf-8"?>
+<p:notes xmlns:a="http://schemas.openxmlformats.org/drawingml/2006/main" xmlns:r="http://schemas.openxmlformats.org/officeDocument/2006/relationships" xmlns:p="http://schemas.openxmlformats.org/presentationml/2006/main">
+  <p:cSld>
+    <p:spTree>
+      <p:nvGrpSpPr>
+        <p:cNvPr id="1" name=""/>
+        <p:cNvGrpSpPr/>
+        <p:nvPr/>
+      </p:nvGrpSpPr>
+      <p:grpSpPr>
+        <a:xfrm>
+          <a:off x="0" y="0"/>
+          <a:ext cx="0" cy="0"/>
+          <a:chOff x="0" y="0"/>
+          <a:chExt cx="0" cy="0"/>
+        </a:xfrm>
+      </p:grpSpPr>
+      <p:sp>
+        <p:nvSpPr>
+          <p:cNvPr id="2" name="Slide Image Placeholder 1">
+            <a:extLst>
+              <a:ext uri="{FF2B5EF4-FFF2-40B4-BE49-F238E27FC236}">
+                <a16:creationId xmlns:a16="http://schemas.microsoft.com/office/drawing/2014/main" id="{2497DA53-D683-4E74-BC1F-26543BD149E1}"/>
+              </a:ext>
+            </a:extLst>
+          </p:cNvPr>
+          <p:cNvSpPr>
+            <a:spLocks noGrp="1" noRot="1" noChangeAspect="1"/>
+          </p:cNvSpPr>
+          <p:nvPr>
+            <p:ph type="sldImg"/>
+          </p:nvPr>
+        </p:nvSpPr>
+        <p:spPr>
+          <a:xfrm>
+            <a:off x="685800" y="1143000"/>
+            <a:ext cx="5486400" cy="3086100"/>
+          </a:xfrm>
+        </p:spPr>
+      </p:sp>
+      <p:sp>
+        <p:nvSpPr>
+          <p:cNvPr id="3" name="Notes Placeholder 2">
+            <a:extLst>
+              <a:ext uri="{FF2B5EF4-FFF2-40B4-BE49-F238E27FC236}">
+                <a16:creationId xmlns:a16="http://schemas.microsoft.com/office/drawing/2014/main" id="{9E1E7195-217E-4A6D-A7C0-AE7172C3E803}"/>
+              </a:ext>
+            </a:extLst>
+          </p:cNvPr>
+          <p:cNvSpPr txBox="1">
+            <a:spLocks noGrp="1"/>
+          </p:cNvSpPr>
+          <p:nvPr>
+            <p:ph type="body" sz="quarter" idx="1"/>
+          </p:nvPr>
+        </p:nvSpPr>
+        <p:spPr/>
+        <p:txBody>
+          <a:bodyPr/>
+          <a:lstStyle/>
+          <a:p>
+            <a:endParaRPr lang="en-IN" dirty="0"/>
+          </a:p>
+        </p:txBody>
+      </p:sp>
+      <p:sp>
+        <p:nvSpPr>
+          <p:cNvPr id="4" name="Slide Number Placeholder 3">
+            <a:extLst>
+              <a:ext uri="{FF2B5EF4-FFF2-40B4-BE49-F238E27FC236}">
+                <a16:creationId xmlns:a16="http://schemas.microsoft.com/office/drawing/2014/main" id="{5E256F2D-E4A2-41F0-B5B7-59A184EAA1C0}"/>
+              </a:ext>
+            </a:extLst>
+          </p:cNvPr>
+          <p:cNvSpPr txBox="1"/>
+          <p:nvPr/>
+        </p:nvSpPr>
+        <p:spPr>
+          <a:xfrm>
+            <a:off x="3884608" y="8685208"/>
+            <a:ext cx="2971800" cy="458791"/>
+          </a:xfrm>
+          <a:prstGeom prst="rect">
+            <a:avLst/>
+          </a:prstGeom>
+          <a:noFill/>
+          <a:ln cap="flat">
+            <a:noFill/>
+          </a:ln>
+        </p:spPr>
+        <p:txBody>
+          <a:bodyPr vert="horz" wrap="square" lIns="91440" tIns="45720" rIns="91440" bIns="45720" anchor="b" anchorCtr="0" compatLnSpc="1">
+            <a:noAutofit/>
+          </a:bodyPr>
+          <a:lstStyle/>
+          <a:p>
+            <a:pPr marL="0" marR="0" lvl="0" indent="0" algn="r" defTabSz="914400" rtl="0" fontAlgn="auto" hangingPunct="1">
+              <a:lnSpc>
+                <a:spcPct val="100000"/>
+              </a:lnSpc>
+              <a:spcBef>
+                <a:spcPts val="0"/>
+              </a:spcBef>
+              <a:spcAft>
+                <a:spcPts val="0"/>
+              </a:spcAft>
+              <a:buNone/>
+              <a:tabLst/>
+              <a:defRPr sz="1800" b="0" i="0" u="none" strike="noStrike" kern="0" cap="none" spc="0" baseline="0">
+                <a:solidFill>
+                  <a:srgbClr val="000000"/>
+                </a:solidFill>
+                <a:uFillTx/>
+              </a:defRPr>
+            </a:pPr>
+            <a:fld id="{BC8B4F21-F227-4C46-A9C2-BEE122BBF1D3}" type="slidenum">
+              <a:t>46</a:t>
+            </a:fld>
+            <a:endParaRPr lang="en-US" sz="1200" b="0" i="0" u="none" strike="noStrike" kern="1200" cap="none" spc="0" baseline="0">
+              <a:solidFill>
+                <a:srgbClr val="000000"/>
+              </a:solidFill>
+              <a:uFillTx/>
+              <a:latin typeface="Calibri"/>
+            </a:endParaRPr>
+          </a:p>
+        </p:txBody>
+      </p:sp>
+    </p:spTree>
+    <p:extLst>
+      <p:ext uri="{BB962C8B-B14F-4D97-AF65-F5344CB8AC3E}">
+        <p14:creationId xmlns:p14="http://schemas.microsoft.com/office/powerpoint/2010/main" val="1700322689"/>
+      </p:ext>
+    </p:extLst>
+  </p:cSld>
+  <p:clrMapOvr>
+    <a:masterClrMapping/>
+  </p:clrMapOvr>
+</p:notes>
+</file>
+
+<file path=ppt/notesSlides/notesSlide47.xml><?xml version="1.0" encoding="utf-8"?>
+<p:notes xmlns:a="http://schemas.openxmlformats.org/drawingml/2006/main" xmlns:r="http://schemas.openxmlformats.org/officeDocument/2006/relationships" xmlns:p="http://schemas.openxmlformats.org/presentationml/2006/main">
+  <p:cSld>
+    <p:spTree>
+      <p:nvGrpSpPr>
+        <p:cNvPr id="1" name=""/>
+        <p:cNvGrpSpPr/>
+        <p:nvPr/>
+      </p:nvGrpSpPr>
+      <p:grpSpPr>
+        <a:xfrm>
+          <a:off x="0" y="0"/>
+          <a:ext cx="0" cy="0"/>
+          <a:chOff x="0" y="0"/>
+          <a:chExt cx="0" cy="0"/>
+        </a:xfrm>
+      </p:grpSpPr>
+      <p:sp>
+        <p:nvSpPr>
+          <p:cNvPr id="2" name="Slide Image Placeholder 1">
+            <a:extLst>
+              <a:ext uri="{FF2B5EF4-FFF2-40B4-BE49-F238E27FC236}">
+                <a16:creationId xmlns:a16="http://schemas.microsoft.com/office/drawing/2014/main" id="{2497DA53-D683-4E74-BC1F-26543BD149E1}"/>
+              </a:ext>
+            </a:extLst>
+          </p:cNvPr>
+          <p:cNvSpPr>
+            <a:spLocks noGrp="1" noRot="1" noChangeAspect="1"/>
+          </p:cNvSpPr>
+          <p:nvPr>
+            <p:ph type="sldImg"/>
+          </p:nvPr>
+        </p:nvSpPr>
+        <p:spPr>
+          <a:xfrm>
+            <a:off x="685800" y="1143000"/>
+            <a:ext cx="5486400" cy="3086100"/>
+          </a:xfrm>
+        </p:spPr>
+      </p:sp>
+      <p:sp>
+        <p:nvSpPr>
+          <p:cNvPr id="3" name="Notes Placeholder 2">
+            <a:extLst>
+              <a:ext uri="{FF2B5EF4-FFF2-40B4-BE49-F238E27FC236}">
+                <a16:creationId xmlns:a16="http://schemas.microsoft.com/office/drawing/2014/main" id="{9E1E7195-217E-4A6D-A7C0-AE7172C3E803}"/>
+              </a:ext>
+            </a:extLst>
+          </p:cNvPr>
+          <p:cNvSpPr txBox="1">
+            <a:spLocks noGrp="1"/>
+          </p:cNvSpPr>
+          <p:nvPr>
+            <p:ph type="body" sz="quarter" idx="1"/>
+          </p:nvPr>
+        </p:nvSpPr>
+        <p:spPr/>
+        <p:txBody>
+          <a:bodyPr/>
+          <a:lstStyle/>
+          <a:p>
+            <a:endParaRPr lang="en-IN" dirty="0"/>
+          </a:p>
+        </p:txBody>
+      </p:sp>
+      <p:sp>
+        <p:nvSpPr>
+          <p:cNvPr id="4" name="Slide Number Placeholder 3">
+            <a:extLst>
+              <a:ext uri="{FF2B5EF4-FFF2-40B4-BE49-F238E27FC236}">
+                <a16:creationId xmlns:a16="http://schemas.microsoft.com/office/drawing/2014/main" id="{5E256F2D-E4A2-41F0-B5B7-59A184EAA1C0}"/>
+              </a:ext>
+            </a:extLst>
+          </p:cNvPr>
+          <p:cNvSpPr txBox="1"/>
+          <p:nvPr/>
+        </p:nvSpPr>
+        <p:spPr>
+          <a:xfrm>
+            <a:off x="3884608" y="8685208"/>
+            <a:ext cx="2971800" cy="458791"/>
+          </a:xfrm>
+          <a:prstGeom prst="rect">
+            <a:avLst/>
+          </a:prstGeom>
+          <a:noFill/>
+          <a:ln cap="flat">
+            <a:noFill/>
+          </a:ln>
+        </p:spPr>
+        <p:txBody>
+          <a:bodyPr vert="horz" wrap="square" lIns="91440" tIns="45720" rIns="91440" bIns="45720" anchor="b" anchorCtr="0" compatLnSpc="1">
+            <a:noAutofit/>
+          </a:bodyPr>
+          <a:lstStyle/>
+          <a:p>
+            <a:pPr marL="0" marR="0" lvl="0" indent="0" algn="r" defTabSz="914400" rtl="0" fontAlgn="auto" hangingPunct="1">
+              <a:lnSpc>
+                <a:spcPct val="100000"/>
+              </a:lnSpc>
+              <a:spcBef>
+                <a:spcPts val="0"/>
+              </a:spcBef>
+              <a:spcAft>
+                <a:spcPts val="0"/>
+              </a:spcAft>
+              <a:buNone/>
+              <a:tabLst/>
+              <a:defRPr sz="1800" b="0" i="0" u="none" strike="noStrike" kern="0" cap="none" spc="0" baseline="0">
+                <a:solidFill>
+                  <a:srgbClr val="000000"/>
+                </a:solidFill>
+                <a:uFillTx/>
+              </a:defRPr>
+            </a:pPr>
+            <a:fld id="{BC8B4F21-F227-4C46-A9C2-BEE122BBF1D3}" type="slidenum">
+              <a:t>47</a:t>
+            </a:fld>
+            <a:endParaRPr lang="en-US" sz="1200" b="0" i="0" u="none" strike="noStrike" kern="1200" cap="none" spc="0" baseline="0">
+              <a:solidFill>
+                <a:srgbClr val="000000"/>
+              </a:solidFill>
+              <a:uFillTx/>
+              <a:latin typeface="Calibri"/>
+            </a:endParaRPr>
+          </a:p>
+        </p:txBody>
+      </p:sp>
+    </p:spTree>
+    <p:extLst>
+      <p:ext uri="{BB962C8B-B14F-4D97-AF65-F5344CB8AC3E}">
+        <p14:creationId xmlns:p14="http://schemas.microsoft.com/office/powerpoint/2010/main" val="1502765208"/>
+      </p:ext>
+    </p:extLst>
+  </p:cSld>
+  <p:clrMapOvr>
+    <a:masterClrMapping/>
+  </p:clrMapOvr>
+</p:notes>
+</file>
+
+<file path=ppt/notesSlides/notesSlide48.xml><?xml version="1.0" encoding="utf-8"?>
+<p:notes xmlns:a="http://schemas.openxmlformats.org/drawingml/2006/main" xmlns:r="http://schemas.openxmlformats.org/officeDocument/2006/relationships" xmlns:p="http://schemas.openxmlformats.org/presentationml/2006/main">
+  <p:cSld>
+    <p:spTree>
+      <p:nvGrpSpPr>
+        <p:cNvPr id="1" name=""/>
+        <p:cNvGrpSpPr/>
+        <p:nvPr/>
+      </p:nvGrpSpPr>
+      <p:grpSpPr>
+        <a:xfrm>
+          <a:off x="0" y="0"/>
+          <a:ext cx="0" cy="0"/>
+          <a:chOff x="0" y="0"/>
+          <a:chExt cx="0" cy="0"/>
+        </a:xfrm>
+      </p:grpSpPr>
+      <p:sp>
+        <p:nvSpPr>
+          <p:cNvPr id="2" name="Slide Image Placeholder 1">
+            <a:extLst>
+              <a:ext uri="{FF2B5EF4-FFF2-40B4-BE49-F238E27FC236}">
+                <a16:creationId xmlns:a16="http://schemas.microsoft.com/office/drawing/2014/main" id="{2497DA53-D683-4E74-BC1F-26543BD149E1}"/>
+              </a:ext>
+            </a:extLst>
+          </p:cNvPr>
+          <p:cNvSpPr>
+            <a:spLocks noGrp="1" noRot="1" noChangeAspect="1"/>
+          </p:cNvSpPr>
+          <p:nvPr>
+            <p:ph type="sldImg"/>
+          </p:nvPr>
+        </p:nvSpPr>
+        <p:spPr>
+          <a:xfrm>
+            <a:off x="685800" y="1143000"/>
+            <a:ext cx="5486400" cy="3086100"/>
+          </a:xfrm>
+        </p:spPr>
+      </p:sp>
+      <p:sp>
+        <p:nvSpPr>
+          <p:cNvPr id="3" name="Notes Placeholder 2">
+            <a:extLst>
+              <a:ext uri="{FF2B5EF4-FFF2-40B4-BE49-F238E27FC236}">
+                <a16:creationId xmlns:a16="http://schemas.microsoft.com/office/drawing/2014/main" id="{9E1E7195-217E-4A6D-A7C0-AE7172C3E803}"/>
+              </a:ext>
+            </a:extLst>
+          </p:cNvPr>
+          <p:cNvSpPr txBox="1">
+            <a:spLocks noGrp="1"/>
+          </p:cNvSpPr>
+          <p:nvPr>
+            <p:ph type="body" sz="quarter" idx="1"/>
+          </p:nvPr>
+        </p:nvSpPr>
+        <p:spPr/>
+        <p:txBody>
+          <a:bodyPr/>
+          <a:lstStyle/>
+          <a:p>
+            <a:endParaRPr lang="en-IN" dirty="0"/>
+          </a:p>
+        </p:txBody>
+      </p:sp>
+      <p:sp>
+        <p:nvSpPr>
+          <p:cNvPr id="4" name="Slide Number Placeholder 3">
+            <a:extLst>
+              <a:ext uri="{FF2B5EF4-FFF2-40B4-BE49-F238E27FC236}">
+                <a16:creationId xmlns:a16="http://schemas.microsoft.com/office/drawing/2014/main" id="{5E256F2D-E4A2-41F0-B5B7-59A184EAA1C0}"/>
+              </a:ext>
+            </a:extLst>
+          </p:cNvPr>
+          <p:cNvSpPr txBox="1"/>
+          <p:nvPr/>
+        </p:nvSpPr>
+        <p:spPr>
+          <a:xfrm>
+            <a:off x="3884608" y="8685208"/>
+            <a:ext cx="2971800" cy="458791"/>
+          </a:xfrm>
+          <a:prstGeom prst="rect">
+            <a:avLst/>
+          </a:prstGeom>
+          <a:noFill/>
+          <a:ln cap="flat">
+            <a:noFill/>
+          </a:ln>
+        </p:spPr>
+        <p:txBody>
+          <a:bodyPr vert="horz" wrap="square" lIns="91440" tIns="45720" rIns="91440" bIns="45720" anchor="b" anchorCtr="0" compatLnSpc="1">
+            <a:noAutofit/>
+          </a:bodyPr>
+          <a:lstStyle/>
+          <a:p>
+            <a:pPr marL="0" marR="0" lvl="0" indent="0" algn="r" defTabSz="914400" rtl="0" fontAlgn="auto" hangingPunct="1">
+              <a:lnSpc>
+                <a:spcPct val="100000"/>
+              </a:lnSpc>
+              <a:spcBef>
+                <a:spcPts val="0"/>
+              </a:spcBef>
+              <a:spcAft>
+                <a:spcPts val="0"/>
+              </a:spcAft>
+              <a:buNone/>
+              <a:tabLst/>
+              <a:defRPr sz="1800" b="0" i="0" u="none" strike="noStrike" kern="0" cap="none" spc="0" baseline="0">
+                <a:solidFill>
+                  <a:srgbClr val="000000"/>
+                </a:solidFill>
+                <a:uFillTx/>
+              </a:defRPr>
+            </a:pPr>
+            <a:fld id="{BC8B4F21-F227-4C46-A9C2-BEE122BBF1D3}" type="slidenum">
+              <a:t>48</a:t>
+            </a:fld>
+            <a:endParaRPr lang="en-US" sz="1200" b="0" i="0" u="none" strike="noStrike" kern="1200" cap="none" spc="0" baseline="0">
+              <a:solidFill>
+                <a:srgbClr val="000000"/>
+              </a:solidFill>
+              <a:uFillTx/>
+              <a:latin typeface="Calibri"/>
+            </a:endParaRPr>
+          </a:p>
+        </p:txBody>
+      </p:sp>
+    </p:spTree>
+    <p:extLst>
+      <p:ext uri="{BB962C8B-B14F-4D97-AF65-F5344CB8AC3E}">
+        <p14:creationId xmlns:p14="http://schemas.microsoft.com/office/powerpoint/2010/main" val="291082272"/>
+      </p:ext>
+    </p:extLst>
+  </p:cSld>
+  <p:clrMapOvr>
+    <a:masterClrMapping/>
+  </p:clrMapOvr>
+</p:notes>
+</file>
+
+<file path=ppt/notesSlides/notesSlide49.xml><?xml version="1.0" encoding="utf-8"?>
+<p:notes xmlns:a="http://schemas.openxmlformats.org/drawingml/2006/main" xmlns:r="http://schemas.openxmlformats.org/officeDocument/2006/relationships" xmlns:p="http://schemas.openxmlformats.org/presentationml/2006/main">
+  <p:cSld>
+    <p:spTree>
+      <p:nvGrpSpPr>
+        <p:cNvPr id="1" name=""/>
+        <p:cNvGrpSpPr/>
+        <p:nvPr/>
+      </p:nvGrpSpPr>
+      <p:grpSpPr>
+        <a:xfrm>
+          <a:off x="0" y="0"/>
+          <a:ext cx="0" cy="0"/>
+          <a:chOff x="0" y="0"/>
+          <a:chExt cx="0" cy="0"/>
+        </a:xfrm>
+      </p:grpSpPr>
+      <p:sp>
+        <p:nvSpPr>
+          <p:cNvPr id="2" name="Slide Image Placeholder 1">
+            <a:extLst>
+              <a:ext uri="{FF2B5EF4-FFF2-40B4-BE49-F238E27FC236}">
+                <a16:creationId xmlns:a16="http://schemas.microsoft.com/office/drawing/2014/main" id="{660CB08B-A120-4253-8C43-3D97CFF20F81}"/>
+              </a:ext>
+            </a:extLst>
+          </p:cNvPr>
+          <p:cNvSpPr>
+            <a:spLocks noGrp="1" noRot="1" noChangeAspect="1"/>
+          </p:cNvSpPr>
+          <p:nvPr>
+            <p:ph type="sldImg"/>
+          </p:nvPr>
+        </p:nvSpPr>
+        <p:spPr>
+          <a:xfrm>
+            <a:off x="685800" y="1143000"/>
+            <a:ext cx="5486400" cy="3086100"/>
+          </a:xfrm>
+        </p:spPr>
+      </p:sp>
+      <p:sp>
+        <p:nvSpPr>
+          <p:cNvPr id="3" name="Notes Placeholder 2">
+            <a:extLst>
+              <a:ext uri="{FF2B5EF4-FFF2-40B4-BE49-F238E27FC236}">
+                <a16:creationId xmlns:a16="http://schemas.microsoft.com/office/drawing/2014/main" id="{2B4E066F-5C9C-41CE-8BA2-9529D28387E5}"/>
+              </a:ext>
+            </a:extLst>
+          </p:cNvPr>
+          <p:cNvSpPr txBox="1">
+            <a:spLocks noGrp="1"/>
+          </p:cNvSpPr>
+          <p:nvPr>
+            <p:ph type="body" sz="quarter" idx="1"/>
+          </p:nvPr>
+        </p:nvSpPr>
+        <p:spPr/>
+        <p:txBody>
+          <a:bodyPr/>
+          <a:lstStyle/>
+          <a:p>
+            <a:endParaRPr lang="en-IN"/>
+          </a:p>
+        </p:txBody>
+      </p:sp>
+      <p:sp>
+        <p:nvSpPr>
+          <p:cNvPr id="4" name="Slide Number Placeholder 3">
+            <a:extLst>
+              <a:ext uri="{FF2B5EF4-FFF2-40B4-BE49-F238E27FC236}">
+                <a16:creationId xmlns:a16="http://schemas.microsoft.com/office/drawing/2014/main" id="{5F0B7658-004D-4EA6-95F9-E55B8C8616E8}"/>
+              </a:ext>
+            </a:extLst>
+          </p:cNvPr>
+          <p:cNvSpPr txBox="1"/>
+          <p:nvPr/>
+        </p:nvSpPr>
+        <p:spPr>
+          <a:xfrm>
+            <a:off x="3884608" y="8685208"/>
+            <a:ext cx="2971800" cy="458791"/>
+          </a:xfrm>
+          <a:prstGeom prst="rect">
+            <a:avLst/>
+          </a:prstGeom>
+          <a:noFill/>
+          <a:ln cap="flat">
+            <a:noFill/>
+          </a:ln>
+        </p:spPr>
+        <p:txBody>
+          <a:bodyPr vert="horz" wrap="square" lIns="91440" tIns="45720" rIns="91440" bIns="45720" anchor="b" anchorCtr="0" compatLnSpc="1">
+            <a:noAutofit/>
+          </a:bodyPr>
+          <a:lstStyle/>
+          <a:p>
+            <a:pPr marL="0" marR="0" lvl="0" indent="0" algn="r" defTabSz="914400" rtl="0" fontAlgn="auto" hangingPunct="1">
+              <a:lnSpc>
+                <a:spcPct val="100000"/>
+              </a:lnSpc>
+              <a:spcBef>
+                <a:spcPts val="0"/>
+              </a:spcBef>
+              <a:spcAft>
+                <a:spcPts val="0"/>
+              </a:spcAft>
+              <a:buNone/>
+              <a:tabLst/>
+              <a:defRPr sz="1800" b="0" i="0" u="none" strike="noStrike" kern="0" cap="none" spc="0" baseline="0">
+                <a:solidFill>
+                  <a:srgbClr val="000000"/>
+                </a:solidFill>
+                <a:uFillTx/>
+              </a:defRPr>
+            </a:pPr>
+            <a:fld id="{E9043A28-CF12-49D2-B67F-3CD963883236}" type="slidenum">
+              <a:t>49</a:t>
+            </a:fld>
+            <a:endParaRPr lang="en-US" sz="1200" b="0" i="0" u="none" strike="noStrike" kern="1200" cap="none" spc="0" baseline="0">
+              <a:solidFill>
+                <a:srgbClr val="000000"/>
+              </a:solidFill>
+              <a:uFillTx/>
+              <a:latin typeface="Calibri"/>
+            </a:endParaRPr>
+          </a:p>
+        </p:txBody>
+      </p:sp>
+    </p:spTree>
+    <p:extLst>
+      <p:ext uri="{BB962C8B-B14F-4D97-AF65-F5344CB8AC3E}">
+        <p14:creationId xmlns:p14="http://schemas.microsoft.com/office/powerpoint/2010/main" val="386021345"/>
       </p:ext>
     </p:extLst>
   </p:cSld>
@@ -6690,6 +7698,1416 @@
 </p:notes>
 </file>
 
+<file path=ppt/notesSlides/notesSlide50.xml><?xml version="1.0" encoding="utf-8"?>
+<p:notes xmlns:a="http://schemas.openxmlformats.org/drawingml/2006/main" xmlns:r="http://schemas.openxmlformats.org/officeDocument/2006/relationships" xmlns:p="http://schemas.openxmlformats.org/presentationml/2006/main">
+  <p:cSld>
+    <p:spTree>
+      <p:nvGrpSpPr>
+        <p:cNvPr id="1" name=""/>
+        <p:cNvGrpSpPr/>
+        <p:nvPr/>
+      </p:nvGrpSpPr>
+      <p:grpSpPr>
+        <a:xfrm>
+          <a:off x="0" y="0"/>
+          <a:ext cx="0" cy="0"/>
+          <a:chOff x="0" y="0"/>
+          <a:chExt cx="0" cy="0"/>
+        </a:xfrm>
+      </p:grpSpPr>
+      <p:sp>
+        <p:nvSpPr>
+          <p:cNvPr id="2" name="Slide Image Placeholder 1">
+            <a:extLst>
+              <a:ext uri="{FF2B5EF4-FFF2-40B4-BE49-F238E27FC236}">
+                <a16:creationId xmlns:a16="http://schemas.microsoft.com/office/drawing/2014/main" id="{2497DA53-D683-4E74-BC1F-26543BD149E1}"/>
+              </a:ext>
+            </a:extLst>
+          </p:cNvPr>
+          <p:cNvSpPr>
+            <a:spLocks noGrp="1" noRot="1" noChangeAspect="1"/>
+          </p:cNvSpPr>
+          <p:nvPr>
+            <p:ph type="sldImg"/>
+          </p:nvPr>
+        </p:nvSpPr>
+        <p:spPr>
+          <a:xfrm>
+            <a:off x="685800" y="1143000"/>
+            <a:ext cx="5486400" cy="3086100"/>
+          </a:xfrm>
+        </p:spPr>
+      </p:sp>
+      <p:sp>
+        <p:nvSpPr>
+          <p:cNvPr id="3" name="Notes Placeholder 2">
+            <a:extLst>
+              <a:ext uri="{FF2B5EF4-FFF2-40B4-BE49-F238E27FC236}">
+                <a16:creationId xmlns:a16="http://schemas.microsoft.com/office/drawing/2014/main" id="{9E1E7195-217E-4A6D-A7C0-AE7172C3E803}"/>
+              </a:ext>
+            </a:extLst>
+          </p:cNvPr>
+          <p:cNvSpPr txBox="1">
+            <a:spLocks noGrp="1"/>
+          </p:cNvSpPr>
+          <p:nvPr>
+            <p:ph type="body" sz="quarter" idx="1"/>
+          </p:nvPr>
+        </p:nvSpPr>
+        <p:spPr/>
+        <p:txBody>
+          <a:bodyPr/>
+          <a:lstStyle/>
+          <a:p>
+            <a:endParaRPr lang="en-IN" dirty="0"/>
+          </a:p>
+        </p:txBody>
+      </p:sp>
+      <p:sp>
+        <p:nvSpPr>
+          <p:cNvPr id="4" name="Slide Number Placeholder 3">
+            <a:extLst>
+              <a:ext uri="{FF2B5EF4-FFF2-40B4-BE49-F238E27FC236}">
+                <a16:creationId xmlns:a16="http://schemas.microsoft.com/office/drawing/2014/main" id="{5E256F2D-E4A2-41F0-B5B7-59A184EAA1C0}"/>
+              </a:ext>
+            </a:extLst>
+          </p:cNvPr>
+          <p:cNvSpPr txBox="1"/>
+          <p:nvPr/>
+        </p:nvSpPr>
+        <p:spPr>
+          <a:xfrm>
+            <a:off x="3884608" y="8685208"/>
+            <a:ext cx="2971800" cy="458791"/>
+          </a:xfrm>
+          <a:prstGeom prst="rect">
+            <a:avLst/>
+          </a:prstGeom>
+          <a:noFill/>
+          <a:ln cap="flat">
+            <a:noFill/>
+          </a:ln>
+        </p:spPr>
+        <p:txBody>
+          <a:bodyPr vert="horz" wrap="square" lIns="91440" tIns="45720" rIns="91440" bIns="45720" anchor="b" anchorCtr="0" compatLnSpc="1">
+            <a:noAutofit/>
+          </a:bodyPr>
+          <a:lstStyle/>
+          <a:p>
+            <a:pPr marL="0" marR="0" lvl="0" indent="0" algn="r" defTabSz="914400" rtl="0" fontAlgn="auto" hangingPunct="1">
+              <a:lnSpc>
+                <a:spcPct val="100000"/>
+              </a:lnSpc>
+              <a:spcBef>
+                <a:spcPts val="0"/>
+              </a:spcBef>
+              <a:spcAft>
+                <a:spcPts val="0"/>
+              </a:spcAft>
+              <a:buNone/>
+              <a:tabLst/>
+              <a:defRPr sz="1800" b="0" i="0" u="none" strike="noStrike" kern="0" cap="none" spc="0" baseline="0">
+                <a:solidFill>
+                  <a:srgbClr val="000000"/>
+                </a:solidFill>
+                <a:uFillTx/>
+              </a:defRPr>
+            </a:pPr>
+            <a:fld id="{BC8B4F21-F227-4C46-A9C2-BEE122BBF1D3}" type="slidenum">
+              <a:t>50</a:t>
+            </a:fld>
+            <a:endParaRPr lang="en-US" sz="1200" b="0" i="0" u="none" strike="noStrike" kern="1200" cap="none" spc="0" baseline="0">
+              <a:solidFill>
+                <a:srgbClr val="000000"/>
+              </a:solidFill>
+              <a:uFillTx/>
+              <a:latin typeface="Calibri"/>
+            </a:endParaRPr>
+          </a:p>
+        </p:txBody>
+      </p:sp>
+    </p:spTree>
+    <p:extLst>
+      <p:ext uri="{BB962C8B-B14F-4D97-AF65-F5344CB8AC3E}">
+        <p14:creationId xmlns:p14="http://schemas.microsoft.com/office/powerpoint/2010/main" val="2918235485"/>
+      </p:ext>
+    </p:extLst>
+  </p:cSld>
+  <p:clrMapOvr>
+    <a:masterClrMapping/>
+  </p:clrMapOvr>
+</p:notes>
+</file>
+
+<file path=ppt/notesSlides/notesSlide51.xml><?xml version="1.0" encoding="utf-8"?>
+<p:notes xmlns:a="http://schemas.openxmlformats.org/drawingml/2006/main" xmlns:r="http://schemas.openxmlformats.org/officeDocument/2006/relationships" xmlns:p="http://schemas.openxmlformats.org/presentationml/2006/main">
+  <p:cSld>
+    <p:spTree>
+      <p:nvGrpSpPr>
+        <p:cNvPr id="1" name=""/>
+        <p:cNvGrpSpPr/>
+        <p:nvPr/>
+      </p:nvGrpSpPr>
+      <p:grpSpPr>
+        <a:xfrm>
+          <a:off x="0" y="0"/>
+          <a:ext cx="0" cy="0"/>
+          <a:chOff x="0" y="0"/>
+          <a:chExt cx="0" cy="0"/>
+        </a:xfrm>
+      </p:grpSpPr>
+      <p:sp>
+        <p:nvSpPr>
+          <p:cNvPr id="2" name="Slide Image Placeholder 1">
+            <a:extLst>
+              <a:ext uri="{FF2B5EF4-FFF2-40B4-BE49-F238E27FC236}">
+                <a16:creationId xmlns:a16="http://schemas.microsoft.com/office/drawing/2014/main" id="{660CB08B-A120-4253-8C43-3D97CFF20F81}"/>
+              </a:ext>
+            </a:extLst>
+          </p:cNvPr>
+          <p:cNvSpPr>
+            <a:spLocks noGrp="1" noRot="1" noChangeAspect="1"/>
+          </p:cNvSpPr>
+          <p:nvPr>
+            <p:ph type="sldImg"/>
+          </p:nvPr>
+        </p:nvSpPr>
+        <p:spPr>
+          <a:xfrm>
+            <a:off x="685800" y="1143000"/>
+            <a:ext cx="5486400" cy="3086100"/>
+          </a:xfrm>
+        </p:spPr>
+      </p:sp>
+      <p:sp>
+        <p:nvSpPr>
+          <p:cNvPr id="3" name="Notes Placeholder 2">
+            <a:extLst>
+              <a:ext uri="{FF2B5EF4-FFF2-40B4-BE49-F238E27FC236}">
+                <a16:creationId xmlns:a16="http://schemas.microsoft.com/office/drawing/2014/main" id="{2B4E066F-5C9C-41CE-8BA2-9529D28387E5}"/>
+              </a:ext>
+            </a:extLst>
+          </p:cNvPr>
+          <p:cNvSpPr txBox="1">
+            <a:spLocks noGrp="1"/>
+          </p:cNvSpPr>
+          <p:nvPr>
+            <p:ph type="body" sz="quarter" idx="1"/>
+          </p:nvPr>
+        </p:nvSpPr>
+        <p:spPr/>
+        <p:txBody>
+          <a:bodyPr/>
+          <a:lstStyle/>
+          <a:p>
+            <a:endParaRPr lang="en-IN"/>
+          </a:p>
+        </p:txBody>
+      </p:sp>
+      <p:sp>
+        <p:nvSpPr>
+          <p:cNvPr id="4" name="Slide Number Placeholder 3">
+            <a:extLst>
+              <a:ext uri="{FF2B5EF4-FFF2-40B4-BE49-F238E27FC236}">
+                <a16:creationId xmlns:a16="http://schemas.microsoft.com/office/drawing/2014/main" id="{5F0B7658-004D-4EA6-95F9-E55B8C8616E8}"/>
+              </a:ext>
+            </a:extLst>
+          </p:cNvPr>
+          <p:cNvSpPr txBox="1"/>
+          <p:nvPr/>
+        </p:nvSpPr>
+        <p:spPr>
+          <a:xfrm>
+            <a:off x="3884608" y="8685208"/>
+            <a:ext cx="2971800" cy="458791"/>
+          </a:xfrm>
+          <a:prstGeom prst="rect">
+            <a:avLst/>
+          </a:prstGeom>
+          <a:noFill/>
+          <a:ln cap="flat">
+            <a:noFill/>
+          </a:ln>
+        </p:spPr>
+        <p:txBody>
+          <a:bodyPr vert="horz" wrap="square" lIns="91440" tIns="45720" rIns="91440" bIns="45720" anchor="b" anchorCtr="0" compatLnSpc="1">
+            <a:noAutofit/>
+          </a:bodyPr>
+          <a:lstStyle/>
+          <a:p>
+            <a:pPr marL="0" marR="0" lvl="0" indent="0" algn="r" defTabSz="914400" rtl="0" fontAlgn="auto" hangingPunct="1">
+              <a:lnSpc>
+                <a:spcPct val="100000"/>
+              </a:lnSpc>
+              <a:spcBef>
+                <a:spcPts val="0"/>
+              </a:spcBef>
+              <a:spcAft>
+                <a:spcPts val="0"/>
+              </a:spcAft>
+              <a:buNone/>
+              <a:tabLst/>
+              <a:defRPr sz="1800" b="0" i="0" u="none" strike="noStrike" kern="0" cap="none" spc="0" baseline="0">
+                <a:solidFill>
+                  <a:srgbClr val="000000"/>
+                </a:solidFill>
+                <a:uFillTx/>
+              </a:defRPr>
+            </a:pPr>
+            <a:fld id="{E9043A28-CF12-49D2-B67F-3CD963883236}" type="slidenum">
+              <a:t>51</a:t>
+            </a:fld>
+            <a:endParaRPr lang="en-US" sz="1200" b="0" i="0" u="none" strike="noStrike" kern="1200" cap="none" spc="0" baseline="0">
+              <a:solidFill>
+                <a:srgbClr val="000000"/>
+              </a:solidFill>
+              <a:uFillTx/>
+              <a:latin typeface="Calibri"/>
+            </a:endParaRPr>
+          </a:p>
+        </p:txBody>
+      </p:sp>
+    </p:spTree>
+    <p:extLst>
+      <p:ext uri="{BB962C8B-B14F-4D97-AF65-F5344CB8AC3E}">
+        <p14:creationId xmlns:p14="http://schemas.microsoft.com/office/powerpoint/2010/main" val="386021345"/>
+      </p:ext>
+    </p:extLst>
+  </p:cSld>
+  <p:clrMapOvr>
+    <a:masterClrMapping/>
+  </p:clrMapOvr>
+</p:notes>
+</file>
+
+<file path=ppt/notesSlides/notesSlide52.xml><?xml version="1.0" encoding="utf-8"?>
+<p:notes xmlns:a="http://schemas.openxmlformats.org/drawingml/2006/main" xmlns:r="http://schemas.openxmlformats.org/officeDocument/2006/relationships" xmlns:p="http://schemas.openxmlformats.org/presentationml/2006/main">
+  <p:cSld>
+    <p:spTree>
+      <p:nvGrpSpPr>
+        <p:cNvPr id="1" name=""/>
+        <p:cNvGrpSpPr/>
+        <p:nvPr/>
+      </p:nvGrpSpPr>
+      <p:grpSpPr>
+        <a:xfrm>
+          <a:off x="0" y="0"/>
+          <a:ext cx="0" cy="0"/>
+          <a:chOff x="0" y="0"/>
+          <a:chExt cx="0" cy="0"/>
+        </a:xfrm>
+      </p:grpSpPr>
+      <p:sp>
+        <p:nvSpPr>
+          <p:cNvPr id="2" name="Slide Image Placeholder 1">
+            <a:extLst>
+              <a:ext uri="{FF2B5EF4-FFF2-40B4-BE49-F238E27FC236}">
+                <a16:creationId xmlns:a16="http://schemas.microsoft.com/office/drawing/2014/main" id="{660CB08B-A120-4253-8C43-3D97CFF20F81}"/>
+              </a:ext>
+            </a:extLst>
+          </p:cNvPr>
+          <p:cNvSpPr>
+            <a:spLocks noGrp="1" noRot="1" noChangeAspect="1"/>
+          </p:cNvSpPr>
+          <p:nvPr>
+            <p:ph type="sldImg"/>
+          </p:nvPr>
+        </p:nvSpPr>
+        <p:spPr>
+          <a:xfrm>
+            <a:off x="685800" y="1143000"/>
+            <a:ext cx="5486400" cy="3086100"/>
+          </a:xfrm>
+        </p:spPr>
+      </p:sp>
+      <p:sp>
+        <p:nvSpPr>
+          <p:cNvPr id="3" name="Notes Placeholder 2">
+            <a:extLst>
+              <a:ext uri="{FF2B5EF4-FFF2-40B4-BE49-F238E27FC236}">
+                <a16:creationId xmlns:a16="http://schemas.microsoft.com/office/drawing/2014/main" id="{2B4E066F-5C9C-41CE-8BA2-9529D28387E5}"/>
+              </a:ext>
+            </a:extLst>
+          </p:cNvPr>
+          <p:cNvSpPr txBox="1">
+            <a:spLocks noGrp="1"/>
+          </p:cNvSpPr>
+          <p:nvPr>
+            <p:ph type="body" sz="quarter" idx="1"/>
+          </p:nvPr>
+        </p:nvSpPr>
+        <p:spPr/>
+        <p:txBody>
+          <a:bodyPr/>
+          <a:lstStyle/>
+          <a:p>
+            <a:endParaRPr lang="en-IN"/>
+          </a:p>
+        </p:txBody>
+      </p:sp>
+      <p:sp>
+        <p:nvSpPr>
+          <p:cNvPr id="4" name="Slide Number Placeholder 3">
+            <a:extLst>
+              <a:ext uri="{FF2B5EF4-FFF2-40B4-BE49-F238E27FC236}">
+                <a16:creationId xmlns:a16="http://schemas.microsoft.com/office/drawing/2014/main" id="{5F0B7658-004D-4EA6-95F9-E55B8C8616E8}"/>
+              </a:ext>
+            </a:extLst>
+          </p:cNvPr>
+          <p:cNvSpPr txBox="1"/>
+          <p:nvPr/>
+        </p:nvSpPr>
+        <p:spPr>
+          <a:xfrm>
+            <a:off x="3884608" y="8685208"/>
+            <a:ext cx="2971800" cy="458791"/>
+          </a:xfrm>
+          <a:prstGeom prst="rect">
+            <a:avLst/>
+          </a:prstGeom>
+          <a:noFill/>
+          <a:ln cap="flat">
+            <a:noFill/>
+          </a:ln>
+        </p:spPr>
+        <p:txBody>
+          <a:bodyPr vert="horz" wrap="square" lIns="91440" tIns="45720" rIns="91440" bIns="45720" anchor="b" anchorCtr="0" compatLnSpc="1">
+            <a:noAutofit/>
+          </a:bodyPr>
+          <a:lstStyle/>
+          <a:p>
+            <a:pPr marL="0" marR="0" lvl="0" indent="0" algn="r" defTabSz="914400" rtl="0" fontAlgn="auto" hangingPunct="1">
+              <a:lnSpc>
+                <a:spcPct val="100000"/>
+              </a:lnSpc>
+              <a:spcBef>
+                <a:spcPts val="0"/>
+              </a:spcBef>
+              <a:spcAft>
+                <a:spcPts val="0"/>
+              </a:spcAft>
+              <a:buNone/>
+              <a:tabLst/>
+              <a:defRPr sz="1800" b="0" i="0" u="none" strike="noStrike" kern="0" cap="none" spc="0" baseline="0">
+                <a:solidFill>
+                  <a:srgbClr val="000000"/>
+                </a:solidFill>
+                <a:uFillTx/>
+              </a:defRPr>
+            </a:pPr>
+            <a:fld id="{E9043A28-CF12-49D2-B67F-3CD963883236}" type="slidenum">
+              <a:t>52</a:t>
+            </a:fld>
+            <a:endParaRPr lang="en-US" sz="1200" b="0" i="0" u="none" strike="noStrike" kern="1200" cap="none" spc="0" baseline="0">
+              <a:solidFill>
+                <a:srgbClr val="000000"/>
+              </a:solidFill>
+              <a:uFillTx/>
+              <a:latin typeface="Calibri"/>
+            </a:endParaRPr>
+          </a:p>
+        </p:txBody>
+      </p:sp>
+    </p:spTree>
+    <p:extLst>
+      <p:ext uri="{BB962C8B-B14F-4D97-AF65-F5344CB8AC3E}">
+        <p14:creationId xmlns:p14="http://schemas.microsoft.com/office/powerpoint/2010/main" val="1471676185"/>
+      </p:ext>
+    </p:extLst>
+  </p:cSld>
+  <p:clrMapOvr>
+    <a:masterClrMapping/>
+  </p:clrMapOvr>
+</p:notes>
+</file>
+
+<file path=ppt/notesSlides/notesSlide53.xml><?xml version="1.0" encoding="utf-8"?>
+<p:notes xmlns:a="http://schemas.openxmlformats.org/drawingml/2006/main" xmlns:r="http://schemas.openxmlformats.org/officeDocument/2006/relationships" xmlns:p="http://schemas.openxmlformats.org/presentationml/2006/main">
+  <p:cSld>
+    <p:spTree>
+      <p:nvGrpSpPr>
+        <p:cNvPr id="1" name=""/>
+        <p:cNvGrpSpPr/>
+        <p:nvPr/>
+      </p:nvGrpSpPr>
+      <p:grpSpPr>
+        <a:xfrm>
+          <a:off x="0" y="0"/>
+          <a:ext cx="0" cy="0"/>
+          <a:chOff x="0" y="0"/>
+          <a:chExt cx="0" cy="0"/>
+        </a:xfrm>
+      </p:grpSpPr>
+      <p:sp>
+        <p:nvSpPr>
+          <p:cNvPr id="2" name="Slide Image Placeholder 1">
+            <a:extLst>
+              <a:ext uri="{FF2B5EF4-FFF2-40B4-BE49-F238E27FC236}">
+                <a16:creationId xmlns:a16="http://schemas.microsoft.com/office/drawing/2014/main" id="{660CB08B-A120-4253-8C43-3D97CFF20F81}"/>
+              </a:ext>
+            </a:extLst>
+          </p:cNvPr>
+          <p:cNvSpPr>
+            <a:spLocks noGrp="1" noRot="1" noChangeAspect="1"/>
+          </p:cNvSpPr>
+          <p:nvPr>
+            <p:ph type="sldImg"/>
+          </p:nvPr>
+        </p:nvSpPr>
+        <p:spPr>
+          <a:xfrm>
+            <a:off x="685800" y="1143000"/>
+            <a:ext cx="5486400" cy="3086100"/>
+          </a:xfrm>
+        </p:spPr>
+      </p:sp>
+      <p:sp>
+        <p:nvSpPr>
+          <p:cNvPr id="3" name="Notes Placeholder 2">
+            <a:extLst>
+              <a:ext uri="{FF2B5EF4-FFF2-40B4-BE49-F238E27FC236}">
+                <a16:creationId xmlns:a16="http://schemas.microsoft.com/office/drawing/2014/main" id="{2B4E066F-5C9C-41CE-8BA2-9529D28387E5}"/>
+              </a:ext>
+            </a:extLst>
+          </p:cNvPr>
+          <p:cNvSpPr txBox="1">
+            <a:spLocks noGrp="1"/>
+          </p:cNvSpPr>
+          <p:nvPr>
+            <p:ph type="body" sz="quarter" idx="1"/>
+          </p:nvPr>
+        </p:nvSpPr>
+        <p:spPr/>
+        <p:txBody>
+          <a:bodyPr/>
+          <a:lstStyle/>
+          <a:p>
+            <a:endParaRPr lang="en-IN"/>
+          </a:p>
+        </p:txBody>
+      </p:sp>
+      <p:sp>
+        <p:nvSpPr>
+          <p:cNvPr id="4" name="Slide Number Placeholder 3">
+            <a:extLst>
+              <a:ext uri="{FF2B5EF4-FFF2-40B4-BE49-F238E27FC236}">
+                <a16:creationId xmlns:a16="http://schemas.microsoft.com/office/drawing/2014/main" id="{5F0B7658-004D-4EA6-95F9-E55B8C8616E8}"/>
+              </a:ext>
+            </a:extLst>
+          </p:cNvPr>
+          <p:cNvSpPr txBox="1"/>
+          <p:nvPr/>
+        </p:nvSpPr>
+        <p:spPr>
+          <a:xfrm>
+            <a:off x="3884608" y="8685208"/>
+            <a:ext cx="2971800" cy="458791"/>
+          </a:xfrm>
+          <a:prstGeom prst="rect">
+            <a:avLst/>
+          </a:prstGeom>
+          <a:noFill/>
+          <a:ln cap="flat">
+            <a:noFill/>
+          </a:ln>
+        </p:spPr>
+        <p:txBody>
+          <a:bodyPr vert="horz" wrap="square" lIns="91440" tIns="45720" rIns="91440" bIns="45720" anchor="b" anchorCtr="0" compatLnSpc="1">
+            <a:noAutofit/>
+          </a:bodyPr>
+          <a:lstStyle/>
+          <a:p>
+            <a:pPr marL="0" marR="0" lvl="0" indent="0" algn="r" defTabSz="914400" rtl="0" fontAlgn="auto" hangingPunct="1">
+              <a:lnSpc>
+                <a:spcPct val="100000"/>
+              </a:lnSpc>
+              <a:spcBef>
+                <a:spcPts val="0"/>
+              </a:spcBef>
+              <a:spcAft>
+                <a:spcPts val="0"/>
+              </a:spcAft>
+              <a:buNone/>
+              <a:tabLst/>
+              <a:defRPr sz="1800" b="0" i="0" u="none" strike="noStrike" kern="0" cap="none" spc="0" baseline="0">
+                <a:solidFill>
+                  <a:srgbClr val="000000"/>
+                </a:solidFill>
+                <a:uFillTx/>
+              </a:defRPr>
+            </a:pPr>
+            <a:fld id="{E9043A28-CF12-49D2-B67F-3CD963883236}" type="slidenum">
+              <a:t>53</a:t>
+            </a:fld>
+            <a:endParaRPr lang="en-US" sz="1200" b="0" i="0" u="none" strike="noStrike" kern="1200" cap="none" spc="0" baseline="0">
+              <a:solidFill>
+                <a:srgbClr val="000000"/>
+              </a:solidFill>
+              <a:uFillTx/>
+              <a:latin typeface="Calibri"/>
+            </a:endParaRPr>
+          </a:p>
+        </p:txBody>
+      </p:sp>
+    </p:spTree>
+    <p:extLst>
+      <p:ext uri="{BB962C8B-B14F-4D97-AF65-F5344CB8AC3E}">
+        <p14:creationId xmlns:p14="http://schemas.microsoft.com/office/powerpoint/2010/main" val="2841800200"/>
+      </p:ext>
+    </p:extLst>
+  </p:cSld>
+  <p:clrMapOvr>
+    <a:masterClrMapping/>
+  </p:clrMapOvr>
+</p:notes>
+</file>
+
+<file path=ppt/notesSlides/notesSlide54.xml><?xml version="1.0" encoding="utf-8"?>
+<p:notes xmlns:a="http://schemas.openxmlformats.org/drawingml/2006/main" xmlns:r="http://schemas.openxmlformats.org/officeDocument/2006/relationships" xmlns:p="http://schemas.openxmlformats.org/presentationml/2006/main">
+  <p:cSld>
+    <p:spTree>
+      <p:nvGrpSpPr>
+        <p:cNvPr id="1" name=""/>
+        <p:cNvGrpSpPr/>
+        <p:nvPr/>
+      </p:nvGrpSpPr>
+      <p:grpSpPr>
+        <a:xfrm>
+          <a:off x="0" y="0"/>
+          <a:ext cx="0" cy="0"/>
+          <a:chOff x="0" y="0"/>
+          <a:chExt cx="0" cy="0"/>
+        </a:xfrm>
+      </p:grpSpPr>
+      <p:sp>
+        <p:nvSpPr>
+          <p:cNvPr id="2" name="Slide Image Placeholder 1">
+            <a:extLst>
+              <a:ext uri="{FF2B5EF4-FFF2-40B4-BE49-F238E27FC236}">
+                <a16:creationId xmlns:a16="http://schemas.microsoft.com/office/drawing/2014/main" id="{660CB08B-A120-4253-8C43-3D97CFF20F81}"/>
+              </a:ext>
+            </a:extLst>
+          </p:cNvPr>
+          <p:cNvSpPr>
+            <a:spLocks noGrp="1" noRot="1" noChangeAspect="1"/>
+          </p:cNvSpPr>
+          <p:nvPr>
+            <p:ph type="sldImg"/>
+          </p:nvPr>
+        </p:nvSpPr>
+        <p:spPr>
+          <a:xfrm>
+            <a:off x="685800" y="1143000"/>
+            <a:ext cx="5486400" cy="3086100"/>
+          </a:xfrm>
+        </p:spPr>
+      </p:sp>
+      <p:sp>
+        <p:nvSpPr>
+          <p:cNvPr id="3" name="Notes Placeholder 2">
+            <a:extLst>
+              <a:ext uri="{FF2B5EF4-FFF2-40B4-BE49-F238E27FC236}">
+                <a16:creationId xmlns:a16="http://schemas.microsoft.com/office/drawing/2014/main" id="{2B4E066F-5C9C-41CE-8BA2-9529D28387E5}"/>
+              </a:ext>
+            </a:extLst>
+          </p:cNvPr>
+          <p:cNvSpPr txBox="1">
+            <a:spLocks noGrp="1"/>
+          </p:cNvSpPr>
+          <p:nvPr>
+            <p:ph type="body" sz="quarter" idx="1"/>
+          </p:nvPr>
+        </p:nvSpPr>
+        <p:spPr/>
+        <p:txBody>
+          <a:bodyPr/>
+          <a:lstStyle/>
+          <a:p>
+            <a:endParaRPr lang="en-IN"/>
+          </a:p>
+        </p:txBody>
+      </p:sp>
+      <p:sp>
+        <p:nvSpPr>
+          <p:cNvPr id="4" name="Slide Number Placeholder 3">
+            <a:extLst>
+              <a:ext uri="{FF2B5EF4-FFF2-40B4-BE49-F238E27FC236}">
+                <a16:creationId xmlns:a16="http://schemas.microsoft.com/office/drawing/2014/main" id="{5F0B7658-004D-4EA6-95F9-E55B8C8616E8}"/>
+              </a:ext>
+            </a:extLst>
+          </p:cNvPr>
+          <p:cNvSpPr txBox="1"/>
+          <p:nvPr/>
+        </p:nvSpPr>
+        <p:spPr>
+          <a:xfrm>
+            <a:off x="3884608" y="8685208"/>
+            <a:ext cx="2971800" cy="458791"/>
+          </a:xfrm>
+          <a:prstGeom prst="rect">
+            <a:avLst/>
+          </a:prstGeom>
+          <a:noFill/>
+          <a:ln cap="flat">
+            <a:noFill/>
+          </a:ln>
+        </p:spPr>
+        <p:txBody>
+          <a:bodyPr vert="horz" wrap="square" lIns="91440" tIns="45720" rIns="91440" bIns="45720" anchor="b" anchorCtr="0" compatLnSpc="1">
+            <a:noAutofit/>
+          </a:bodyPr>
+          <a:lstStyle/>
+          <a:p>
+            <a:pPr marL="0" marR="0" lvl="0" indent="0" algn="r" defTabSz="914400" rtl="0" fontAlgn="auto" hangingPunct="1">
+              <a:lnSpc>
+                <a:spcPct val="100000"/>
+              </a:lnSpc>
+              <a:spcBef>
+                <a:spcPts val="0"/>
+              </a:spcBef>
+              <a:spcAft>
+                <a:spcPts val="0"/>
+              </a:spcAft>
+              <a:buNone/>
+              <a:tabLst/>
+              <a:defRPr sz="1800" b="0" i="0" u="none" strike="noStrike" kern="0" cap="none" spc="0" baseline="0">
+                <a:solidFill>
+                  <a:srgbClr val="000000"/>
+                </a:solidFill>
+                <a:uFillTx/>
+              </a:defRPr>
+            </a:pPr>
+            <a:fld id="{E9043A28-CF12-49D2-B67F-3CD963883236}" type="slidenum">
+              <a:t>54</a:t>
+            </a:fld>
+            <a:endParaRPr lang="en-US" sz="1200" b="0" i="0" u="none" strike="noStrike" kern="1200" cap="none" spc="0" baseline="0">
+              <a:solidFill>
+                <a:srgbClr val="000000"/>
+              </a:solidFill>
+              <a:uFillTx/>
+              <a:latin typeface="Calibri"/>
+            </a:endParaRPr>
+          </a:p>
+        </p:txBody>
+      </p:sp>
+    </p:spTree>
+    <p:extLst>
+      <p:ext uri="{BB962C8B-B14F-4D97-AF65-F5344CB8AC3E}">
+        <p14:creationId xmlns:p14="http://schemas.microsoft.com/office/powerpoint/2010/main" val="3809166879"/>
+      </p:ext>
+    </p:extLst>
+  </p:cSld>
+  <p:clrMapOvr>
+    <a:masterClrMapping/>
+  </p:clrMapOvr>
+</p:notes>
+</file>
+
+<file path=ppt/notesSlides/notesSlide55.xml><?xml version="1.0" encoding="utf-8"?>
+<p:notes xmlns:a="http://schemas.openxmlformats.org/drawingml/2006/main" xmlns:r="http://schemas.openxmlformats.org/officeDocument/2006/relationships" xmlns:p="http://schemas.openxmlformats.org/presentationml/2006/main">
+  <p:cSld>
+    <p:spTree>
+      <p:nvGrpSpPr>
+        <p:cNvPr id="1" name=""/>
+        <p:cNvGrpSpPr/>
+        <p:nvPr/>
+      </p:nvGrpSpPr>
+      <p:grpSpPr>
+        <a:xfrm>
+          <a:off x="0" y="0"/>
+          <a:ext cx="0" cy="0"/>
+          <a:chOff x="0" y="0"/>
+          <a:chExt cx="0" cy="0"/>
+        </a:xfrm>
+      </p:grpSpPr>
+      <p:sp>
+        <p:nvSpPr>
+          <p:cNvPr id="2" name="Slide Image Placeholder 1">
+            <a:extLst>
+              <a:ext uri="{FF2B5EF4-FFF2-40B4-BE49-F238E27FC236}">
+                <a16:creationId xmlns:a16="http://schemas.microsoft.com/office/drawing/2014/main" id="{660CB08B-A120-4253-8C43-3D97CFF20F81}"/>
+              </a:ext>
+            </a:extLst>
+          </p:cNvPr>
+          <p:cNvSpPr>
+            <a:spLocks noGrp="1" noRot="1" noChangeAspect="1"/>
+          </p:cNvSpPr>
+          <p:nvPr>
+            <p:ph type="sldImg"/>
+          </p:nvPr>
+        </p:nvSpPr>
+        <p:spPr>
+          <a:xfrm>
+            <a:off x="685800" y="1143000"/>
+            <a:ext cx="5486400" cy="3086100"/>
+          </a:xfrm>
+        </p:spPr>
+      </p:sp>
+      <p:sp>
+        <p:nvSpPr>
+          <p:cNvPr id="3" name="Notes Placeholder 2">
+            <a:extLst>
+              <a:ext uri="{FF2B5EF4-FFF2-40B4-BE49-F238E27FC236}">
+                <a16:creationId xmlns:a16="http://schemas.microsoft.com/office/drawing/2014/main" id="{2B4E066F-5C9C-41CE-8BA2-9529D28387E5}"/>
+              </a:ext>
+            </a:extLst>
+          </p:cNvPr>
+          <p:cNvSpPr txBox="1">
+            <a:spLocks noGrp="1"/>
+          </p:cNvSpPr>
+          <p:nvPr>
+            <p:ph type="body" sz="quarter" idx="1"/>
+          </p:nvPr>
+        </p:nvSpPr>
+        <p:spPr/>
+        <p:txBody>
+          <a:bodyPr/>
+          <a:lstStyle/>
+          <a:p>
+            <a:endParaRPr lang="en-IN"/>
+          </a:p>
+        </p:txBody>
+      </p:sp>
+      <p:sp>
+        <p:nvSpPr>
+          <p:cNvPr id="4" name="Slide Number Placeholder 3">
+            <a:extLst>
+              <a:ext uri="{FF2B5EF4-FFF2-40B4-BE49-F238E27FC236}">
+                <a16:creationId xmlns:a16="http://schemas.microsoft.com/office/drawing/2014/main" id="{5F0B7658-004D-4EA6-95F9-E55B8C8616E8}"/>
+              </a:ext>
+            </a:extLst>
+          </p:cNvPr>
+          <p:cNvSpPr txBox="1"/>
+          <p:nvPr/>
+        </p:nvSpPr>
+        <p:spPr>
+          <a:xfrm>
+            <a:off x="3884608" y="8685208"/>
+            <a:ext cx="2971800" cy="458791"/>
+          </a:xfrm>
+          <a:prstGeom prst="rect">
+            <a:avLst/>
+          </a:prstGeom>
+          <a:noFill/>
+          <a:ln cap="flat">
+            <a:noFill/>
+          </a:ln>
+        </p:spPr>
+        <p:txBody>
+          <a:bodyPr vert="horz" wrap="square" lIns="91440" tIns="45720" rIns="91440" bIns="45720" anchor="b" anchorCtr="0" compatLnSpc="1">
+            <a:noAutofit/>
+          </a:bodyPr>
+          <a:lstStyle/>
+          <a:p>
+            <a:pPr marL="0" marR="0" lvl="0" indent="0" algn="r" defTabSz="914400" rtl="0" fontAlgn="auto" hangingPunct="1">
+              <a:lnSpc>
+                <a:spcPct val="100000"/>
+              </a:lnSpc>
+              <a:spcBef>
+                <a:spcPts val="0"/>
+              </a:spcBef>
+              <a:spcAft>
+                <a:spcPts val="0"/>
+              </a:spcAft>
+              <a:buNone/>
+              <a:tabLst/>
+              <a:defRPr sz="1800" b="0" i="0" u="none" strike="noStrike" kern="0" cap="none" spc="0" baseline="0">
+                <a:solidFill>
+                  <a:srgbClr val="000000"/>
+                </a:solidFill>
+                <a:uFillTx/>
+              </a:defRPr>
+            </a:pPr>
+            <a:fld id="{E9043A28-CF12-49D2-B67F-3CD963883236}" type="slidenum">
+              <a:t>55</a:t>
+            </a:fld>
+            <a:endParaRPr lang="en-US" sz="1200" b="0" i="0" u="none" strike="noStrike" kern="1200" cap="none" spc="0" baseline="0">
+              <a:solidFill>
+                <a:srgbClr val="000000"/>
+              </a:solidFill>
+              <a:uFillTx/>
+              <a:latin typeface="Calibri"/>
+            </a:endParaRPr>
+          </a:p>
+        </p:txBody>
+      </p:sp>
+    </p:spTree>
+    <p:extLst>
+      <p:ext uri="{BB962C8B-B14F-4D97-AF65-F5344CB8AC3E}">
+        <p14:creationId xmlns:p14="http://schemas.microsoft.com/office/powerpoint/2010/main" val="531234650"/>
+      </p:ext>
+    </p:extLst>
+  </p:cSld>
+  <p:clrMapOvr>
+    <a:masterClrMapping/>
+  </p:clrMapOvr>
+</p:notes>
+</file>
+
+<file path=ppt/notesSlides/notesSlide56.xml><?xml version="1.0" encoding="utf-8"?>
+<p:notes xmlns:a="http://schemas.openxmlformats.org/drawingml/2006/main" xmlns:r="http://schemas.openxmlformats.org/officeDocument/2006/relationships" xmlns:p="http://schemas.openxmlformats.org/presentationml/2006/main">
+  <p:cSld>
+    <p:spTree>
+      <p:nvGrpSpPr>
+        <p:cNvPr id="1" name=""/>
+        <p:cNvGrpSpPr/>
+        <p:nvPr/>
+      </p:nvGrpSpPr>
+      <p:grpSpPr>
+        <a:xfrm>
+          <a:off x="0" y="0"/>
+          <a:ext cx="0" cy="0"/>
+          <a:chOff x="0" y="0"/>
+          <a:chExt cx="0" cy="0"/>
+        </a:xfrm>
+      </p:grpSpPr>
+      <p:sp>
+        <p:nvSpPr>
+          <p:cNvPr id="2" name="Slide Image Placeholder 1">
+            <a:extLst>
+              <a:ext uri="{FF2B5EF4-FFF2-40B4-BE49-F238E27FC236}">
+                <a16:creationId xmlns:a16="http://schemas.microsoft.com/office/drawing/2014/main" id="{660CB08B-A120-4253-8C43-3D97CFF20F81}"/>
+              </a:ext>
+            </a:extLst>
+          </p:cNvPr>
+          <p:cNvSpPr>
+            <a:spLocks noGrp="1" noRot="1" noChangeAspect="1"/>
+          </p:cNvSpPr>
+          <p:nvPr>
+            <p:ph type="sldImg"/>
+          </p:nvPr>
+        </p:nvSpPr>
+        <p:spPr>
+          <a:xfrm>
+            <a:off x="685800" y="1143000"/>
+            <a:ext cx="5486400" cy="3086100"/>
+          </a:xfrm>
+        </p:spPr>
+      </p:sp>
+      <p:sp>
+        <p:nvSpPr>
+          <p:cNvPr id="3" name="Notes Placeholder 2">
+            <a:extLst>
+              <a:ext uri="{FF2B5EF4-FFF2-40B4-BE49-F238E27FC236}">
+                <a16:creationId xmlns:a16="http://schemas.microsoft.com/office/drawing/2014/main" id="{2B4E066F-5C9C-41CE-8BA2-9529D28387E5}"/>
+              </a:ext>
+            </a:extLst>
+          </p:cNvPr>
+          <p:cNvSpPr txBox="1">
+            <a:spLocks noGrp="1"/>
+          </p:cNvSpPr>
+          <p:nvPr>
+            <p:ph type="body" sz="quarter" idx="1"/>
+          </p:nvPr>
+        </p:nvSpPr>
+        <p:spPr/>
+        <p:txBody>
+          <a:bodyPr/>
+          <a:lstStyle/>
+          <a:p>
+            <a:endParaRPr lang="en-IN"/>
+          </a:p>
+        </p:txBody>
+      </p:sp>
+      <p:sp>
+        <p:nvSpPr>
+          <p:cNvPr id="4" name="Slide Number Placeholder 3">
+            <a:extLst>
+              <a:ext uri="{FF2B5EF4-FFF2-40B4-BE49-F238E27FC236}">
+                <a16:creationId xmlns:a16="http://schemas.microsoft.com/office/drawing/2014/main" id="{5F0B7658-004D-4EA6-95F9-E55B8C8616E8}"/>
+              </a:ext>
+            </a:extLst>
+          </p:cNvPr>
+          <p:cNvSpPr txBox="1"/>
+          <p:nvPr/>
+        </p:nvSpPr>
+        <p:spPr>
+          <a:xfrm>
+            <a:off x="3884608" y="8685208"/>
+            <a:ext cx="2971800" cy="458791"/>
+          </a:xfrm>
+          <a:prstGeom prst="rect">
+            <a:avLst/>
+          </a:prstGeom>
+          <a:noFill/>
+          <a:ln cap="flat">
+            <a:noFill/>
+          </a:ln>
+        </p:spPr>
+        <p:txBody>
+          <a:bodyPr vert="horz" wrap="square" lIns="91440" tIns="45720" rIns="91440" bIns="45720" anchor="b" anchorCtr="0" compatLnSpc="1">
+            <a:noAutofit/>
+          </a:bodyPr>
+          <a:lstStyle/>
+          <a:p>
+            <a:pPr marL="0" marR="0" lvl="0" indent="0" algn="r" defTabSz="914400" rtl="0" fontAlgn="auto" hangingPunct="1">
+              <a:lnSpc>
+                <a:spcPct val="100000"/>
+              </a:lnSpc>
+              <a:spcBef>
+                <a:spcPts val="0"/>
+              </a:spcBef>
+              <a:spcAft>
+                <a:spcPts val="0"/>
+              </a:spcAft>
+              <a:buNone/>
+              <a:tabLst/>
+              <a:defRPr sz="1800" b="0" i="0" u="none" strike="noStrike" kern="0" cap="none" spc="0" baseline="0">
+                <a:solidFill>
+                  <a:srgbClr val="000000"/>
+                </a:solidFill>
+                <a:uFillTx/>
+              </a:defRPr>
+            </a:pPr>
+            <a:fld id="{E9043A28-CF12-49D2-B67F-3CD963883236}" type="slidenum">
+              <a:t>56</a:t>
+            </a:fld>
+            <a:endParaRPr lang="en-US" sz="1200" b="0" i="0" u="none" strike="noStrike" kern="1200" cap="none" spc="0" baseline="0">
+              <a:solidFill>
+                <a:srgbClr val="000000"/>
+              </a:solidFill>
+              <a:uFillTx/>
+              <a:latin typeface="Calibri"/>
+            </a:endParaRPr>
+          </a:p>
+        </p:txBody>
+      </p:sp>
+    </p:spTree>
+    <p:extLst>
+      <p:ext uri="{BB962C8B-B14F-4D97-AF65-F5344CB8AC3E}">
+        <p14:creationId xmlns:p14="http://schemas.microsoft.com/office/powerpoint/2010/main" val="12584849"/>
+      </p:ext>
+    </p:extLst>
+  </p:cSld>
+  <p:clrMapOvr>
+    <a:masterClrMapping/>
+  </p:clrMapOvr>
+</p:notes>
+</file>
+
+<file path=ppt/notesSlides/notesSlide57.xml><?xml version="1.0" encoding="utf-8"?>
+<p:notes xmlns:a="http://schemas.openxmlformats.org/drawingml/2006/main" xmlns:r="http://schemas.openxmlformats.org/officeDocument/2006/relationships" xmlns:p="http://schemas.openxmlformats.org/presentationml/2006/main">
+  <p:cSld>
+    <p:spTree>
+      <p:nvGrpSpPr>
+        <p:cNvPr id="1" name=""/>
+        <p:cNvGrpSpPr/>
+        <p:nvPr/>
+      </p:nvGrpSpPr>
+      <p:grpSpPr>
+        <a:xfrm>
+          <a:off x="0" y="0"/>
+          <a:ext cx="0" cy="0"/>
+          <a:chOff x="0" y="0"/>
+          <a:chExt cx="0" cy="0"/>
+        </a:xfrm>
+      </p:grpSpPr>
+      <p:sp>
+        <p:nvSpPr>
+          <p:cNvPr id="2" name="Slide Image Placeholder 1">
+            <a:extLst>
+              <a:ext uri="{FF2B5EF4-FFF2-40B4-BE49-F238E27FC236}">
+                <a16:creationId xmlns:a16="http://schemas.microsoft.com/office/drawing/2014/main" id="{660CB08B-A120-4253-8C43-3D97CFF20F81}"/>
+              </a:ext>
+            </a:extLst>
+          </p:cNvPr>
+          <p:cNvSpPr>
+            <a:spLocks noGrp="1" noRot="1" noChangeAspect="1"/>
+          </p:cNvSpPr>
+          <p:nvPr>
+            <p:ph type="sldImg"/>
+          </p:nvPr>
+        </p:nvSpPr>
+        <p:spPr>
+          <a:xfrm>
+            <a:off x="685800" y="1143000"/>
+            <a:ext cx="5486400" cy="3086100"/>
+          </a:xfrm>
+        </p:spPr>
+      </p:sp>
+      <p:sp>
+        <p:nvSpPr>
+          <p:cNvPr id="3" name="Notes Placeholder 2">
+            <a:extLst>
+              <a:ext uri="{FF2B5EF4-FFF2-40B4-BE49-F238E27FC236}">
+                <a16:creationId xmlns:a16="http://schemas.microsoft.com/office/drawing/2014/main" id="{2B4E066F-5C9C-41CE-8BA2-9529D28387E5}"/>
+              </a:ext>
+            </a:extLst>
+          </p:cNvPr>
+          <p:cNvSpPr txBox="1">
+            <a:spLocks noGrp="1"/>
+          </p:cNvSpPr>
+          <p:nvPr>
+            <p:ph type="body" sz="quarter" idx="1"/>
+          </p:nvPr>
+        </p:nvSpPr>
+        <p:spPr/>
+        <p:txBody>
+          <a:bodyPr/>
+          <a:lstStyle/>
+          <a:p>
+            <a:endParaRPr lang="en-IN" dirty="0"/>
+          </a:p>
+        </p:txBody>
+      </p:sp>
+      <p:sp>
+        <p:nvSpPr>
+          <p:cNvPr id="4" name="Slide Number Placeholder 3">
+            <a:extLst>
+              <a:ext uri="{FF2B5EF4-FFF2-40B4-BE49-F238E27FC236}">
+                <a16:creationId xmlns:a16="http://schemas.microsoft.com/office/drawing/2014/main" id="{5F0B7658-004D-4EA6-95F9-E55B8C8616E8}"/>
+              </a:ext>
+            </a:extLst>
+          </p:cNvPr>
+          <p:cNvSpPr txBox="1"/>
+          <p:nvPr/>
+        </p:nvSpPr>
+        <p:spPr>
+          <a:xfrm>
+            <a:off x="3884608" y="8685208"/>
+            <a:ext cx="2971800" cy="458791"/>
+          </a:xfrm>
+          <a:prstGeom prst="rect">
+            <a:avLst/>
+          </a:prstGeom>
+          <a:noFill/>
+          <a:ln cap="flat">
+            <a:noFill/>
+          </a:ln>
+        </p:spPr>
+        <p:txBody>
+          <a:bodyPr vert="horz" wrap="square" lIns="91440" tIns="45720" rIns="91440" bIns="45720" anchor="b" anchorCtr="0" compatLnSpc="1">
+            <a:noAutofit/>
+          </a:bodyPr>
+          <a:lstStyle/>
+          <a:p>
+            <a:pPr marL="0" marR="0" lvl="0" indent="0" algn="r" defTabSz="914400" rtl="0" fontAlgn="auto" hangingPunct="1">
+              <a:lnSpc>
+                <a:spcPct val="100000"/>
+              </a:lnSpc>
+              <a:spcBef>
+                <a:spcPts val="0"/>
+              </a:spcBef>
+              <a:spcAft>
+                <a:spcPts val="0"/>
+              </a:spcAft>
+              <a:buNone/>
+              <a:tabLst/>
+              <a:defRPr sz="1800" b="0" i="0" u="none" strike="noStrike" kern="0" cap="none" spc="0" baseline="0">
+                <a:solidFill>
+                  <a:srgbClr val="000000"/>
+                </a:solidFill>
+                <a:uFillTx/>
+              </a:defRPr>
+            </a:pPr>
+            <a:fld id="{E9043A28-CF12-49D2-B67F-3CD963883236}" type="slidenum">
+              <a:t>57</a:t>
+            </a:fld>
+            <a:endParaRPr lang="en-US" sz="1200" b="0" i="0" u="none" strike="noStrike" kern="1200" cap="none" spc="0" baseline="0">
+              <a:solidFill>
+                <a:srgbClr val="000000"/>
+              </a:solidFill>
+              <a:uFillTx/>
+              <a:latin typeface="Calibri"/>
+            </a:endParaRPr>
+          </a:p>
+        </p:txBody>
+      </p:sp>
+    </p:spTree>
+    <p:extLst>
+      <p:ext uri="{BB962C8B-B14F-4D97-AF65-F5344CB8AC3E}">
+        <p14:creationId xmlns:p14="http://schemas.microsoft.com/office/powerpoint/2010/main" val="2193540452"/>
+      </p:ext>
+    </p:extLst>
+  </p:cSld>
+  <p:clrMapOvr>
+    <a:masterClrMapping/>
+  </p:clrMapOvr>
+</p:notes>
+</file>
+
+<file path=ppt/notesSlides/notesSlide58.xml><?xml version="1.0" encoding="utf-8"?>
+<p:notes xmlns:a="http://schemas.openxmlformats.org/drawingml/2006/main" xmlns:r="http://schemas.openxmlformats.org/officeDocument/2006/relationships" xmlns:p="http://schemas.openxmlformats.org/presentationml/2006/main">
+  <p:cSld>
+    <p:spTree>
+      <p:nvGrpSpPr>
+        <p:cNvPr id="1" name=""/>
+        <p:cNvGrpSpPr/>
+        <p:nvPr/>
+      </p:nvGrpSpPr>
+      <p:grpSpPr>
+        <a:xfrm>
+          <a:off x="0" y="0"/>
+          <a:ext cx="0" cy="0"/>
+          <a:chOff x="0" y="0"/>
+          <a:chExt cx="0" cy="0"/>
+        </a:xfrm>
+      </p:grpSpPr>
+      <p:sp>
+        <p:nvSpPr>
+          <p:cNvPr id="2" name="Slide Image Placeholder 1">
+            <a:extLst>
+              <a:ext uri="{FF2B5EF4-FFF2-40B4-BE49-F238E27FC236}">
+                <a16:creationId xmlns:a16="http://schemas.microsoft.com/office/drawing/2014/main" id="{660CB08B-A120-4253-8C43-3D97CFF20F81}"/>
+              </a:ext>
+            </a:extLst>
+          </p:cNvPr>
+          <p:cNvSpPr>
+            <a:spLocks noGrp="1" noRot="1" noChangeAspect="1"/>
+          </p:cNvSpPr>
+          <p:nvPr>
+            <p:ph type="sldImg"/>
+          </p:nvPr>
+        </p:nvSpPr>
+        <p:spPr>
+          <a:xfrm>
+            <a:off x="685800" y="1143000"/>
+            <a:ext cx="5486400" cy="3086100"/>
+          </a:xfrm>
+        </p:spPr>
+      </p:sp>
+      <p:sp>
+        <p:nvSpPr>
+          <p:cNvPr id="3" name="Notes Placeholder 2">
+            <a:extLst>
+              <a:ext uri="{FF2B5EF4-FFF2-40B4-BE49-F238E27FC236}">
+                <a16:creationId xmlns:a16="http://schemas.microsoft.com/office/drawing/2014/main" id="{2B4E066F-5C9C-41CE-8BA2-9529D28387E5}"/>
+              </a:ext>
+            </a:extLst>
+          </p:cNvPr>
+          <p:cNvSpPr txBox="1">
+            <a:spLocks noGrp="1"/>
+          </p:cNvSpPr>
+          <p:nvPr>
+            <p:ph type="body" sz="quarter" idx="1"/>
+          </p:nvPr>
+        </p:nvSpPr>
+        <p:spPr/>
+        <p:txBody>
+          <a:bodyPr/>
+          <a:lstStyle/>
+          <a:p>
+            <a:endParaRPr lang="en-IN" dirty="0"/>
+          </a:p>
+        </p:txBody>
+      </p:sp>
+      <p:sp>
+        <p:nvSpPr>
+          <p:cNvPr id="4" name="Slide Number Placeholder 3">
+            <a:extLst>
+              <a:ext uri="{FF2B5EF4-FFF2-40B4-BE49-F238E27FC236}">
+                <a16:creationId xmlns:a16="http://schemas.microsoft.com/office/drawing/2014/main" id="{5F0B7658-004D-4EA6-95F9-E55B8C8616E8}"/>
+              </a:ext>
+            </a:extLst>
+          </p:cNvPr>
+          <p:cNvSpPr txBox="1"/>
+          <p:nvPr/>
+        </p:nvSpPr>
+        <p:spPr>
+          <a:xfrm>
+            <a:off x="3884608" y="8685208"/>
+            <a:ext cx="2971800" cy="458791"/>
+          </a:xfrm>
+          <a:prstGeom prst="rect">
+            <a:avLst/>
+          </a:prstGeom>
+          <a:noFill/>
+          <a:ln cap="flat">
+            <a:noFill/>
+          </a:ln>
+        </p:spPr>
+        <p:txBody>
+          <a:bodyPr vert="horz" wrap="square" lIns="91440" tIns="45720" rIns="91440" bIns="45720" anchor="b" anchorCtr="0" compatLnSpc="1">
+            <a:noAutofit/>
+          </a:bodyPr>
+          <a:lstStyle/>
+          <a:p>
+            <a:pPr marL="0" marR="0" lvl="0" indent="0" algn="r" defTabSz="914400" rtl="0" fontAlgn="auto" hangingPunct="1">
+              <a:lnSpc>
+                <a:spcPct val="100000"/>
+              </a:lnSpc>
+              <a:spcBef>
+                <a:spcPts val="0"/>
+              </a:spcBef>
+              <a:spcAft>
+                <a:spcPts val="0"/>
+              </a:spcAft>
+              <a:buNone/>
+              <a:tabLst/>
+              <a:defRPr sz="1800" b="0" i="0" u="none" strike="noStrike" kern="0" cap="none" spc="0" baseline="0">
+                <a:solidFill>
+                  <a:srgbClr val="000000"/>
+                </a:solidFill>
+                <a:uFillTx/>
+              </a:defRPr>
+            </a:pPr>
+            <a:fld id="{E9043A28-CF12-49D2-B67F-3CD963883236}" type="slidenum">
+              <a:t>58</a:t>
+            </a:fld>
+            <a:endParaRPr lang="en-US" sz="1200" b="0" i="0" u="none" strike="noStrike" kern="1200" cap="none" spc="0" baseline="0">
+              <a:solidFill>
+                <a:srgbClr val="000000"/>
+              </a:solidFill>
+              <a:uFillTx/>
+              <a:latin typeface="Calibri"/>
+            </a:endParaRPr>
+          </a:p>
+        </p:txBody>
+      </p:sp>
+    </p:spTree>
+    <p:extLst>
+      <p:ext uri="{BB962C8B-B14F-4D97-AF65-F5344CB8AC3E}">
+        <p14:creationId xmlns:p14="http://schemas.microsoft.com/office/powerpoint/2010/main" val="1090595636"/>
+      </p:ext>
+    </p:extLst>
+  </p:cSld>
+  <p:clrMapOvr>
+    <a:masterClrMapping/>
+  </p:clrMapOvr>
+</p:notes>
+</file>
+
+<file path=ppt/notesSlides/notesSlide59.xml><?xml version="1.0" encoding="utf-8"?>
+<p:notes xmlns:a="http://schemas.openxmlformats.org/drawingml/2006/main" xmlns:r="http://schemas.openxmlformats.org/officeDocument/2006/relationships" xmlns:p="http://schemas.openxmlformats.org/presentationml/2006/main">
+  <p:cSld>
+    <p:spTree>
+      <p:nvGrpSpPr>
+        <p:cNvPr id="1" name=""/>
+        <p:cNvGrpSpPr/>
+        <p:nvPr/>
+      </p:nvGrpSpPr>
+      <p:grpSpPr>
+        <a:xfrm>
+          <a:off x="0" y="0"/>
+          <a:ext cx="0" cy="0"/>
+          <a:chOff x="0" y="0"/>
+          <a:chExt cx="0" cy="0"/>
+        </a:xfrm>
+      </p:grpSpPr>
+      <p:sp>
+        <p:nvSpPr>
+          <p:cNvPr id="2" name="Slide Image Placeholder 1">
+            <a:extLst>
+              <a:ext uri="{FF2B5EF4-FFF2-40B4-BE49-F238E27FC236}">
+                <a16:creationId xmlns:a16="http://schemas.microsoft.com/office/drawing/2014/main" id="{660CB08B-A120-4253-8C43-3D97CFF20F81}"/>
+              </a:ext>
+            </a:extLst>
+          </p:cNvPr>
+          <p:cNvSpPr>
+            <a:spLocks noGrp="1" noRot="1" noChangeAspect="1"/>
+          </p:cNvSpPr>
+          <p:nvPr>
+            <p:ph type="sldImg"/>
+          </p:nvPr>
+        </p:nvSpPr>
+        <p:spPr>
+          <a:xfrm>
+            <a:off x="685800" y="1143000"/>
+            <a:ext cx="5486400" cy="3086100"/>
+          </a:xfrm>
+        </p:spPr>
+      </p:sp>
+      <p:sp>
+        <p:nvSpPr>
+          <p:cNvPr id="3" name="Notes Placeholder 2">
+            <a:extLst>
+              <a:ext uri="{FF2B5EF4-FFF2-40B4-BE49-F238E27FC236}">
+                <a16:creationId xmlns:a16="http://schemas.microsoft.com/office/drawing/2014/main" id="{2B4E066F-5C9C-41CE-8BA2-9529D28387E5}"/>
+              </a:ext>
+            </a:extLst>
+          </p:cNvPr>
+          <p:cNvSpPr txBox="1">
+            <a:spLocks noGrp="1"/>
+          </p:cNvSpPr>
+          <p:nvPr>
+            <p:ph type="body" sz="quarter" idx="1"/>
+          </p:nvPr>
+        </p:nvSpPr>
+        <p:spPr/>
+        <p:txBody>
+          <a:bodyPr/>
+          <a:lstStyle/>
+          <a:p>
+            <a:endParaRPr lang="en-IN" dirty="0"/>
+          </a:p>
+        </p:txBody>
+      </p:sp>
+      <p:sp>
+        <p:nvSpPr>
+          <p:cNvPr id="4" name="Slide Number Placeholder 3">
+            <a:extLst>
+              <a:ext uri="{FF2B5EF4-FFF2-40B4-BE49-F238E27FC236}">
+                <a16:creationId xmlns:a16="http://schemas.microsoft.com/office/drawing/2014/main" id="{5F0B7658-004D-4EA6-95F9-E55B8C8616E8}"/>
+              </a:ext>
+            </a:extLst>
+          </p:cNvPr>
+          <p:cNvSpPr txBox="1"/>
+          <p:nvPr/>
+        </p:nvSpPr>
+        <p:spPr>
+          <a:xfrm>
+            <a:off x="3884608" y="8685208"/>
+            <a:ext cx="2971800" cy="458791"/>
+          </a:xfrm>
+          <a:prstGeom prst="rect">
+            <a:avLst/>
+          </a:prstGeom>
+          <a:noFill/>
+          <a:ln cap="flat">
+            <a:noFill/>
+          </a:ln>
+        </p:spPr>
+        <p:txBody>
+          <a:bodyPr vert="horz" wrap="square" lIns="91440" tIns="45720" rIns="91440" bIns="45720" anchor="b" anchorCtr="0" compatLnSpc="1">
+            <a:noAutofit/>
+          </a:bodyPr>
+          <a:lstStyle/>
+          <a:p>
+            <a:pPr marL="0" marR="0" lvl="0" indent="0" algn="r" defTabSz="914400" rtl="0" fontAlgn="auto" hangingPunct="1">
+              <a:lnSpc>
+                <a:spcPct val="100000"/>
+              </a:lnSpc>
+              <a:spcBef>
+                <a:spcPts val="0"/>
+              </a:spcBef>
+              <a:spcAft>
+                <a:spcPts val="0"/>
+              </a:spcAft>
+              <a:buNone/>
+              <a:tabLst/>
+              <a:defRPr sz="1800" b="0" i="0" u="none" strike="noStrike" kern="0" cap="none" spc="0" baseline="0">
+                <a:solidFill>
+                  <a:srgbClr val="000000"/>
+                </a:solidFill>
+                <a:uFillTx/>
+              </a:defRPr>
+            </a:pPr>
+            <a:fld id="{E9043A28-CF12-49D2-B67F-3CD963883236}" type="slidenum">
+              <a:t>59</a:t>
+            </a:fld>
+            <a:endParaRPr lang="en-US" sz="1200" b="0" i="0" u="none" strike="noStrike" kern="1200" cap="none" spc="0" baseline="0">
+              <a:solidFill>
+                <a:srgbClr val="000000"/>
+              </a:solidFill>
+              <a:uFillTx/>
+              <a:latin typeface="Calibri"/>
+            </a:endParaRPr>
+          </a:p>
+        </p:txBody>
+      </p:sp>
+    </p:spTree>
+    <p:extLst>
+      <p:ext uri="{BB962C8B-B14F-4D97-AF65-F5344CB8AC3E}">
+        <p14:creationId xmlns:p14="http://schemas.microsoft.com/office/powerpoint/2010/main" val="3075554882"/>
+      </p:ext>
+    </p:extLst>
+  </p:cSld>
+  <p:clrMapOvr>
+    <a:masterClrMapping/>
+  </p:clrMapOvr>
+</p:notes>
+</file>
+
 <file path=ppt/notesSlides/notesSlide6.xml><?xml version="1.0" encoding="utf-8"?>
 <p:notes xmlns:a="http://schemas.openxmlformats.org/drawingml/2006/main" xmlns:r="http://schemas.openxmlformats.org/officeDocument/2006/relationships" xmlns:p="http://schemas.openxmlformats.org/presentationml/2006/main">
   <p:cSld>
@@ -6822,6 +9240,570 @@
     <p:extLst>
       <p:ext uri="{BB962C8B-B14F-4D97-AF65-F5344CB8AC3E}">
         <p14:creationId xmlns:p14="http://schemas.microsoft.com/office/powerpoint/2010/main" val="1772681411"/>
+      </p:ext>
+    </p:extLst>
+  </p:cSld>
+  <p:clrMapOvr>
+    <a:masterClrMapping/>
+  </p:clrMapOvr>
+</p:notes>
+</file>
+
+<file path=ppt/notesSlides/notesSlide60.xml><?xml version="1.0" encoding="utf-8"?>
+<p:notes xmlns:a="http://schemas.openxmlformats.org/drawingml/2006/main" xmlns:r="http://schemas.openxmlformats.org/officeDocument/2006/relationships" xmlns:p="http://schemas.openxmlformats.org/presentationml/2006/main">
+  <p:cSld>
+    <p:spTree>
+      <p:nvGrpSpPr>
+        <p:cNvPr id="1" name=""/>
+        <p:cNvGrpSpPr/>
+        <p:nvPr/>
+      </p:nvGrpSpPr>
+      <p:grpSpPr>
+        <a:xfrm>
+          <a:off x="0" y="0"/>
+          <a:ext cx="0" cy="0"/>
+          <a:chOff x="0" y="0"/>
+          <a:chExt cx="0" cy="0"/>
+        </a:xfrm>
+      </p:grpSpPr>
+      <p:sp>
+        <p:nvSpPr>
+          <p:cNvPr id="2" name="Slide Image Placeholder 1">
+            <a:extLst>
+              <a:ext uri="{FF2B5EF4-FFF2-40B4-BE49-F238E27FC236}">
+                <a16:creationId xmlns:a16="http://schemas.microsoft.com/office/drawing/2014/main" id="{660CB08B-A120-4253-8C43-3D97CFF20F81}"/>
+              </a:ext>
+            </a:extLst>
+          </p:cNvPr>
+          <p:cNvSpPr>
+            <a:spLocks noGrp="1" noRot="1" noChangeAspect="1"/>
+          </p:cNvSpPr>
+          <p:nvPr>
+            <p:ph type="sldImg"/>
+          </p:nvPr>
+        </p:nvSpPr>
+        <p:spPr>
+          <a:xfrm>
+            <a:off x="685800" y="1143000"/>
+            <a:ext cx="5486400" cy="3086100"/>
+          </a:xfrm>
+        </p:spPr>
+      </p:sp>
+      <p:sp>
+        <p:nvSpPr>
+          <p:cNvPr id="3" name="Notes Placeholder 2">
+            <a:extLst>
+              <a:ext uri="{FF2B5EF4-FFF2-40B4-BE49-F238E27FC236}">
+                <a16:creationId xmlns:a16="http://schemas.microsoft.com/office/drawing/2014/main" id="{2B4E066F-5C9C-41CE-8BA2-9529D28387E5}"/>
+              </a:ext>
+            </a:extLst>
+          </p:cNvPr>
+          <p:cNvSpPr txBox="1">
+            <a:spLocks noGrp="1"/>
+          </p:cNvSpPr>
+          <p:nvPr>
+            <p:ph type="body" sz="quarter" idx="1"/>
+          </p:nvPr>
+        </p:nvSpPr>
+        <p:spPr/>
+        <p:txBody>
+          <a:bodyPr/>
+          <a:lstStyle/>
+          <a:p>
+            <a:endParaRPr lang="en-IN" dirty="0"/>
+          </a:p>
+        </p:txBody>
+      </p:sp>
+      <p:sp>
+        <p:nvSpPr>
+          <p:cNvPr id="4" name="Slide Number Placeholder 3">
+            <a:extLst>
+              <a:ext uri="{FF2B5EF4-FFF2-40B4-BE49-F238E27FC236}">
+                <a16:creationId xmlns:a16="http://schemas.microsoft.com/office/drawing/2014/main" id="{5F0B7658-004D-4EA6-95F9-E55B8C8616E8}"/>
+              </a:ext>
+            </a:extLst>
+          </p:cNvPr>
+          <p:cNvSpPr txBox="1"/>
+          <p:nvPr/>
+        </p:nvSpPr>
+        <p:spPr>
+          <a:xfrm>
+            <a:off x="3884608" y="8685208"/>
+            <a:ext cx="2971800" cy="458791"/>
+          </a:xfrm>
+          <a:prstGeom prst="rect">
+            <a:avLst/>
+          </a:prstGeom>
+          <a:noFill/>
+          <a:ln cap="flat">
+            <a:noFill/>
+          </a:ln>
+        </p:spPr>
+        <p:txBody>
+          <a:bodyPr vert="horz" wrap="square" lIns="91440" tIns="45720" rIns="91440" bIns="45720" anchor="b" anchorCtr="0" compatLnSpc="1">
+            <a:noAutofit/>
+          </a:bodyPr>
+          <a:lstStyle/>
+          <a:p>
+            <a:pPr marL="0" marR="0" lvl="0" indent="0" algn="r" defTabSz="914400" rtl="0" fontAlgn="auto" hangingPunct="1">
+              <a:lnSpc>
+                <a:spcPct val="100000"/>
+              </a:lnSpc>
+              <a:spcBef>
+                <a:spcPts val="0"/>
+              </a:spcBef>
+              <a:spcAft>
+                <a:spcPts val="0"/>
+              </a:spcAft>
+              <a:buNone/>
+              <a:tabLst/>
+              <a:defRPr sz="1800" b="0" i="0" u="none" strike="noStrike" kern="0" cap="none" spc="0" baseline="0">
+                <a:solidFill>
+                  <a:srgbClr val="000000"/>
+                </a:solidFill>
+                <a:uFillTx/>
+              </a:defRPr>
+            </a:pPr>
+            <a:fld id="{E9043A28-CF12-49D2-B67F-3CD963883236}" type="slidenum">
+              <a:t>60</a:t>
+            </a:fld>
+            <a:endParaRPr lang="en-US" sz="1200" b="0" i="0" u="none" strike="noStrike" kern="1200" cap="none" spc="0" baseline="0">
+              <a:solidFill>
+                <a:srgbClr val="000000"/>
+              </a:solidFill>
+              <a:uFillTx/>
+              <a:latin typeface="Calibri"/>
+            </a:endParaRPr>
+          </a:p>
+        </p:txBody>
+      </p:sp>
+    </p:spTree>
+    <p:extLst>
+      <p:ext uri="{BB962C8B-B14F-4D97-AF65-F5344CB8AC3E}">
+        <p14:creationId xmlns:p14="http://schemas.microsoft.com/office/powerpoint/2010/main" val="3171659540"/>
+      </p:ext>
+    </p:extLst>
+  </p:cSld>
+  <p:clrMapOvr>
+    <a:masterClrMapping/>
+  </p:clrMapOvr>
+</p:notes>
+</file>
+
+<file path=ppt/notesSlides/notesSlide61.xml><?xml version="1.0" encoding="utf-8"?>
+<p:notes xmlns:a="http://schemas.openxmlformats.org/drawingml/2006/main" xmlns:r="http://schemas.openxmlformats.org/officeDocument/2006/relationships" xmlns:p="http://schemas.openxmlformats.org/presentationml/2006/main">
+  <p:cSld>
+    <p:spTree>
+      <p:nvGrpSpPr>
+        <p:cNvPr id="1" name=""/>
+        <p:cNvGrpSpPr/>
+        <p:nvPr/>
+      </p:nvGrpSpPr>
+      <p:grpSpPr>
+        <a:xfrm>
+          <a:off x="0" y="0"/>
+          <a:ext cx="0" cy="0"/>
+          <a:chOff x="0" y="0"/>
+          <a:chExt cx="0" cy="0"/>
+        </a:xfrm>
+      </p:grpSpPr>
+      <p:sp>
+        <p:nvSpPr>
+          <p:cNvPr id="2" name="Slide Image Placeholder 1">
+            <a:extLst>
+              <a:ext uri="{FF2B5EF4-FFF2-40B4-BE49-F238E27FC236}">
+                <a16:creationId xmlns:a16="http://schemas.microsoft.com/office/drawing/2014/main" id="{660CB08B-A120-4253-8C43-3D97CFF20F81}"/>
+              </a:ext>
+            </a:extLst>
+          </p:cNvPr>
+          <p:cNvSpPr>
+            <a:spLocks noGrp="1" noRot="1" noChangeAspect="1"/>
+          </p:cNvSpPr>
+          <p:nvPr>
+            <p:ph type="sldImg"/>
+          </p:nvPr>
+        </p:nvSpPr>
+        <p:spPr>
+          <a:xfrm>
+            <a:off x="685800" y="1143000"/>
+            <a:ext cx="5486400" cy="3086100"/>
+          </a:xfrm>
+        </p:spPr>
+      </p:sp>
+      <p:sp>
+        <p:nvSpPr>
+          <p:cNvPr id="3" name="Notes Placeholder 2">
+            <a:extLst>
+              <a:ext uri="{FF2B5EF4-FFF2-40B4-BE49-F238E27FC236}">
+                <a16:creationId xmlns:a16="http://schemas.microsoft.com/office/drawing/2014/main" id="{2B4E066F-5C9C-41CE-8BA2-9529D28387E5}"/>
+              </a:ext>
+            </a:extLst>
+          </p:cNvPr>
+          <p:cNvSpPr txBox="1">
+            <a:spLocks noGrp="1"/>
+          </p:cNvSpPr>
+          <p:nvPr>
+            <p:ph type="body" sz="quarter" idx="1"/>
+          </p:nvPr>
+        </p:nvSpPr>
+        <p:spPr/>
+        <p:txBody>
+          <a:bodyPr/>
+          <a:lstStyle/>
+          <a:p>
+            <a:endParaRPr lang="en-IN" dirty="0"/>
+          </a:p>
+        </p:txBody>
+      </p:sp>
+      <p:sp>
+        <p:nvSpPr>
+          <p:cNvPr id="4" name="Slide Number Placeholder 3">
+            <a:extLst>
+              <a:ext uri="{FF2B5EF4-FFF2-40B4-BE49-F238E27FC236}">
+                <a16:creationId xmlns:a16="http://schemas.microsoft.com/office/drawing/2014/main" id="{5F0B7658-004D-4EA6-95F9-E55B8C8616E8}"/>
+              </a:ext>
+            </a:extLst>
+          </p:cNvPr>
+          <p:cNvSpPr txBox="1"/>
+          <p:nvPr/>
+        </p:nvSpPr>
+        <p:spPr>
+          <a:xfrm>
+            <a:off x="3884608" y="8685208"/>
+            <a:ext cx="2971800" cy="458791"/>
+          </a:xfrm>
+          <a:prstGeom prst="rect">
+            <a:avLst/>
+          </a:prstGeom>
+          <a:noFill/>
+          <a:ln cap="flat">
+            <a:noFill/>
+          </a:ln>
+        </p:spPr>
+        <p:txBody>
+          <a:bodyPr vert="horz" wrap="square" lIns="91440" tIns="45720" rIns="91440" bIns="45720" anchor="b" anchorCtr="0" compatLnSpc="1">
+            <a:noAutofit/>
+          </a:bodyPr>
+          <a:lstStyle/>
+          <a:p>
+            <a:pPr marL="0" marR="0" lvl="0" indent="0" algn="r" defTabSz="914400" rtl="0" fontAlgn="auto" hangingPunct="1">
+              <a:lnSpc>
+                <a:spcPct val="100000"/>
+              </a:lnSpc>
+              <a:spcBef>
+                <a:spcPts val="0"/>
+              </a:spcBef>
+              <a:spcAft>
+                <a:spcPts val="0"/>
+              </a:spcAft>
+              <a:buNone/>
+              <a:tabLst/>
+              <a:defRPr sz="1800" b="0" i="0" u="none" strike="noStrike" kern="0" cap="none" spc="0" baseline="0">
+                <a:solidFill>
+                  <a:srgbClr val="000000"/>
+                </a:solidFill>
+                <a:uFillTx/>
+              </a:defRPr>
+            </a:pPr>
+            <a:fld id="{E9043A28-CF12-49D2-B67F-3CD963883236}" type="slidenum">
+              <a:t>61</a:t>
+            </a:fld>
+            <a:endParaRPr lang="en-US" sz="1200" b="0" i="0" u="none" strike="noStrike" kern="1200" cap="none" spc="0" baseline="0">
+              <a:solidFill>
+                <a:srgbClr val="000000"/>
+              </a:solidFill>
+              <a:uFillTx/>
+              <a:latin typeface="Calibri"/>
+            </a:endParaRPr>
+          </a:p>
+        </p:txBody>
+      </p:sp>
+    </p:spTree>
+    <p:extLst>
+      <p:ext uri="{BB962C8B-B14F-4D97-AF65-F5344CB8AC3E}">
+        <p14:creationId xmlns:p14="http://schemas.microsoft.com/office/powerpoint/2010/main" val="4088377760"/>
+      </p:ext>
+    </p:extLst>
+  </p:cSld>
+  <p:clrMapOvr>
+    <a:masterClrMapping/>
+  </p:clrMapOvr>
+</p:notes>
+</file>
+
+<file path=ppt/notesSlides/notesSlide62.xml><?xml version="1.0" encoding="utf-8"?>
+<p:notes xmlns:a="http://schemas.openxmlformats.org/drawingml/2006/main" xmlns:r="http://schemas.openxmlformats.org/officeDocument/2006/relationships" xmlns:p="http://schemas.openxmlformats.org/presentationml/2006/main">
+  <p:cSld>
+    <p:spTree>
+      <p:nvGrpSpPr>
+        <p:cNvPr id="1" name=""/>
+        <p:cNvGrpSpPr/>
+        <p:nvPr/>
+      </p:nvGrpSpPr>
+      <p:grpSpPr>
+        <a:xfrm>
+          <a:off x="0" y="0"/>
+          <a:ext cx="0" cy="0"/>
+          <a:chOff x="0" y="0"/>
+          <a:chExt cx="0" cy="0"/>
+        </a:xfrm>
+      </p:grpSpPr>
+      <p:sp>
+        <p:nvSpPr>
+          <p:cNvPr id="2" name="Slide Image Placeholder 1">
+            <a:extLst>
+              <a:ext uri="{FF2B5EF4-FFF2-40B4-BE49-F238E27FC236}">
+                <a16:creationId xmlns:a16="http://schemas.microsoft.com/office/drawing/2014/main" id="{660CB08B-A120-4253-8C43-3D97CFF20F81}"/>
+              </a:ext>
+            </a:extLst>
+          </p:cNvPr>
+          <p:cNvSpPr>
+            <a:spLocks noGrp="1" noRot="1" noChangeAspect="1"/>
+          </p:cNvSpPr>
+          <p:nvPr>
+            <p:ph type="sldImg"/>
+          </p:nvPr>
+        </p:nvSpPr>
+        <p:spPr>
+          <a:xfrm>
+            <a:off x="685800" y="1143000"/>
+            <a:ext cx="5486400" cy="3086100"/>
+          </a:xfrm>
+        </p:spPr>
+      </p:sp>
+      <p:sp>
+        <p:nvSpPr>
+          <p:cNvPr id="3" name="Notes Placeholder 2">
+            <a:extLst>
+              <a:ext uri="{FF2B5EF4-FFF2-40B4-BE49-F238E27FC236}">
+                <a16:creationId xmlns:a16="http://schemas.microsoft.com/office/drawing/2014/main" id="{2B4E066F-5C9C-41CE-8BA2-9529D28387E5}"/>
+              </a:ext>
+            </a:extLst>
+          </p:cNvPr>
+          <p:cNvSpPr txBox="1">
+            <a:spLocks noGrp="1"/>
+          </p:cNvSpPr>
+          <p:nvPr>
+            <p:ph type="body" sz="quarter" idx="1"/>
+          </p:nvPr>
+        </p:nvSpPr>
+        <p:spPr/>
+        <p:txBody>
+          <a:bodyPr/>
+          <a:lstStyle/>
+          <a:p>
+            <a:endParaRPr lang="en-IN" dirty="0"/>
+          </a:p>
+        </p:txBody>
+      </p:sp>
+      <p:sp>
+        <p:nvSpPr>
+          <p:cNvPr id="4" name="Slide Number Placeholder 3">
+            <a:extLst>
+              <a:ext uri="{FF2B5EF4-FFF2-40B4-BE49-F238E27FC236}">
+                <a16:creationId xmlns:a16="http://schemas.microsoft.com/office/drawing/2014/main" id="{5F0B7658-004D-4EA6-95F9-E55B8C8616E8}"/>
+              </a:ext>
+            </a:extLst>
+          </p:cNvPr>
+          <p:cNvSpPr txBox="1"/>
+          <p:nvPr/>
+        </p:nvSpPr>
+        <p:spPr>
+          <a:xfrm>
+            <a:off x="3884608" y="8685208"/>
+            <a:ext cx="2971800" cy="458791"/>
+          </a:xfrm>
+          <a:prstGeom prst="rect">
+            <a:avLst/>
+          </a:prstGeom>
+          <a:noFill/>
+          <a:ln cap="flat">
+            <a:noFill/>
+          </a:ln>
+        </p:spPr>
+        <p:txBody>
+          <a:bodyPr vert="horz" wrap="square" lIns="91440" tIns="45720" rIns="91440" bIns="45720" anchor="b" anchorCtr="0" compatLnSpc="1">
+            <a:noAutofit/>
+          </a:bodyPr>
+          <a:lstStyle/>
+          <a:p>
+            <a:pPr marL="0" marR="0" lvl="0" indent="0" algn="r" defTabSz="914400" rtl="0" fontAlgn="auto" hangingPunct="1">
+              <a:lnSpc>
+                <a:spcPct val="100000"/>
+              </a:lnSpc>
+              <a:spcBef>
+                <a:spcPts val="0"/>
+              </a:spcBef>
+              <a:spcAft>
+                <a:spcPts val="0"/>
+              </a:spcAft>
+              <a:buNone/>
+              <a:tabLst/>
+              <a:defRPr sz="1800" b="0" i="0" u="none" strike="noStrike" kern="0" cap="none" spc="0" baseline="0">
+                <a:solidFill>
+                  <a:srgbClr val="000000"/>
+                </a:solidFill>
+                <a:uFillTx/>
+              </a:defRPr>
+            </a:pPr>
+            <a:fld id="{E9043A28-CF12-49D2-B67F-3CD963883236}" type="slidenum">
+              <a:t>62</a:t>
+            </a:fld>
+            <a:endParaRPr lang="en-US" sz="1200" b="0" i="0" u="none" strike="noStrike" kern="1200" cap="none" spc="0" baseline="0">
+              <a:solidFill>
+                <a:srgbClr val="000000"/>
+              </a:solidFill>
+              <a:uFillTx/>
+              <a:latin typeface="Calibri"/>
+            </a:endParaRPr>
+          </a:p>
+        </p:txBody>
+      </p:sp>
+    </p:spTree>
+    <p:extLst>
+      <p:ext uri="{BB962C8B-B14F-4D97-AF65-F5344CB8AC3E}">
+        <p14:creationId xmlns:p14="http://schemas.microsoft.com/office/powerpoint/2010/main" val="2320738555"/>
+      </p:ext>
+    </p:extLst>
+  </p:cSld>
+  <p:clrMapOvr>
+    <a:masterClrMapping/>
+  </p:clrMapOvr>
+</p:notes>
+</file>
+
+<file path=ppt/notesSlides/notesSlide63.xml><?xml version="1.0" encoding="utf-8"?>
+<p:notes xmlns:a="http://schemas.openxmlformats.org/drawingml/2006/main" xmlns:r="http://schemas.openxmlformats.org/officeDocument/2006/relationships" xmlns:p="http://schemas.openxmlformats.org/presentationml/2006/main">
+  <p:cSld>
+    <p:spTree>
+      <p:nvGrpSpPr>
+        <p:cNvPr id="1" name=""/>
+        <p:cNvGrpSpPr/>
+        <p:nvPr/>
+      </p:nvGrpSpPr>
+      <p:grpSpPr>
+        <a:xfrm>
+          <a:off x="0" y="0"/>
+          <a:ext cx="0" cy="0"/>
+          <a:chOff x="0" y="0"/>
+          <a:chExt cx="0" cy="0"/>
+        </a:xfrm>
+      </p:grpSpPr>
+      <p:sp>
+        <p:nvSpPr>
+          <p:cNvPr id="2" name="Slide Image Placeholder 1">
+            <a:extLst>
+              <a:ext uri="{FF2B5EF4-FFF2-40B4-BE49-F238E27FC236}">
+                <a16:creationId xmlns:a16="http://schemas.microsoft.com/office/drawing/2014/main" id="{660CB08B-A120-4253-8C43-3D97CFF20F81}"/>
+              </a:ext>
+            </a:extLst>
+          </p:cNvPr>
+          <p:cNvSpPr>
+            <a:spLocks noGrp="1" noRot="1" noChangeAspect="1"/>
+          </p:cNvSpPr>
+          <p:nvPr>
+            <p:ph type="sldImg"/>
+          </p:nvPr>
+        </p:nvSpPr>
+        <p:spPr>
+          <a:xfrm>
+            <a:off x="685800" y="1143000"/>
+            <a:ext cx="5486400" cy="3086100"/>
+          </a:xfrm>
+        </p:spPr>
+      </p:sp>
+      <p:sp>
+        <p:nvSpPr>
+          <p:cNvPr id="3" name="Notes Placeholder 2">
+            <a:extLst>
+              <a:ext uri="{FF2B5EF4-FFF2-40B4-BE49-F238E27FC236}">
+                <a16:creationId xmlns:a16="http://schemas.microsoft.com/office/drawing/2014/main" id="{2B4E066F-5C9C-41CE-8BA2-9529D28387E5}"/>
+              </a:ext>
+            </a:extLst>
+          </p:cNvPr>
+          <p:cNvSpPr txBox="1">
+            <a:spLocks noGrp="1"/>
+          </p:cNvSpPr>
+          <p:nvPr>
+            <p:ph type="body" sz="quarter" idx="1"/>
+          </p:nvPr>
+        </p:nvSpPr>
+        <p:spPr/>
+        <p:txBody>
+          <a:bodyPr/>
+          <a:lstStyle/>
+          <a:p>
+            <a:endParaRPr lang="en-IN" dirty="0"/>
+          </a:p>
+        </p:txBody>
+      </p:sp>
+      <p:sp>
+        <p:nvSpPr>
+          <p:cNvPr id="4" name="Slide Number Placeholder 3">
+            <a:extLst>
+              <a:ext uri="{FF2B5EF4-FFF2-40B4-BE49-F238E27FC236}">
+                <a16:creationId xmlns:a16="http://schemas.microsoft.com/office/drawing/2014/main" id="{5F0B7658-004D-4EA6-95F9-E55B8C8616E8}"/>
+              </a:ext>
+            </a:extLst>
+          </p:cNvPr>
+          <p:cNvSpPr txBox="1"/>
+          <p:nvPr/>
+        </p:nvSpPr>
+        <p:spPr>
+          <a:xfrm>
+            <a:off x="3884608" y="8685208"/>
+            <a:ext cx="2971800" cy="458791"/>
+          </a:xfrm>
+          <a:prstGeom prst="rect">
+            <a:avLst/>
+          </a:prstGeom>
+          <a:noFill/>
+          <a:ln cap="flat">
+            <a:noFill/>
+          </a:ln>
+        </p:spPr>
+        <p:txBody>
+          <a:bodyPr vert="horz" wrap="square" lIns="91440" tIns="45720" rIns="91440" bIns="45720" anchor="b" anchorCtr="0" compatLnSpc="1">
+            <a:noAutofit/>
+          </a:bodyPr>
+          <a:lstStyle/>
+          <a:p>
+            <a:pPr marL="0" marR="0" lvl="0" indent="0" algn="r" defTabSz="914400" rtl="0" fontAlgn="auto" hangingPunct="1">
+              <a:lnSpc>
+                <a:spcPct val="100000"/>
+              </a:lnSpc>
+              <a:spcBef>
+                <a:spcPts val="0"/>
+              </a:spcBef>
+              <a:spcAft>
+                <a:spcPts val="0"/>
+              </a:spcAft>
+              <a:buNone/>
+              <a:tabLst/>
+              <a:defRPr sz="1800" b="0" i="0" u="none" strike="noStrike" kern="0" cap="none" spc="0" baseline="0">
+                <a:solidFill>
+                  <a:srgbClr val="000000"/>
+                </a:solidFill>
+                <a:uFillTx/>
+              </a:defRPr>
+            </a:pPr>
+            <a:fld id="{E9043A28-CF12-49D2-B67F-3CD963883236}" type="slidenum">
+              <a:t>63</a:t>
+            </a:fld>
+            <a:endParaRPr lang="en-US" sz="1200" b="0" i="0" u="none" strike="noStrike" kern="1200" cap="none" spc="0" baseline="0">
+              <a:solidFill>
+                <a:srgbClr val="000000"/>
+              </a:solidFill>
+              <a:uFillTx/>
+              <a:latin typeface="Calibri"/>
+            </a:endParaRPr>
+          </a:p>
+        </p:txBody>
+      </p:sp>
+    </p:spTree>
+    <p:extLst>
+      <p:ext uri="{BB962C8B-B14F-4D97-AF65-F5344CB8AC3E}">
+        <p14:creationId xmlns:p14="http://schemas.microsoft.com/office/powerpoint/2010/main" val="276392401"/>
       </p:ext>
     </p:extLst>
   </p:cSld>
@@ -7662,7 +10644,7 @@
             <a:fld id="{A4DA2EC1-B7BA-43F6-B2F4-9D68D5B60AC6}" type="datetime1">
               <a:rPr lang="en-US"/>
               <a:pPr lvl="0"/>
-              <a:t>4/8/2020</a:t>
+              <a:t>4/12/2020</a:t>
             </a:fld>
             <a:endParaRPr lang="en-US"/>
           </a:p>
@@ -8314,7 +11296,7 @@
             <a:fld id="{5FE66930-F9D2-4FDC-ADC7-2A34662F97E8}" type="datetime1">
               <a:rPr lang="en-US"/>
               <a:pPr lvl="0"/>
-              <a:t>4/8/2020</a:t>
+              <a:t>4/12/2020</a:t>
             </a:fld>
             <a:endParaRPr lang="en-US"/>
           </a:p>
@@ -15692,130 +18674,6 @@
   <p:clrMapOvr>
     <a:masterClrMapping/>
   </p:clrMapOvr>
-  <p:timing>
-    <p:tnLst>
-      <p:par>
-        <p:cTn id="1" dur="indefinite" restart="never" nodeType="tmRoot">
-          <p:childTnLst>
-            <p:seq concurrent="1" nextAc="seek">
-              <p:cTn id="2" dur="indefinite" nodeType="mainSeq">
-                <p:childTnLst>
-                  <p:par>
-                    <p:cTn id="3" fill="hold">
-                      <p:stCondLst>
-                        <p:cond delay="indefinite"/>
-                      </p:stCondLst>
-                      <p:childTnLst>
-                        <p:par>
-                          <p:cTn id="4" fill="hold">
-                            <p:stCondLst>
-                              <p:cond delay="0"/>
-                            </p:stCondLst>
-                            <p:childTnLst>
-                              <p:par>
-                                <p:cTn id="5" presetID="1" presetClass="entr" presetSubtype="0" fill="hold" grpId="0" nodeType="clickEffect">
-                                  <p:stCondLst>
-                                    <p:cond delay="0"/>
-                                  </p:stCondLst>
-                                  <p:childTnLst>
-                                    <p:set>
-                                      <p:cBhvr>
-                                        <p:cTn id="6" dur="1" fill="hold">
-                                          <p:stCondLst>
-                                            <p:cond delay="0"/>
-                                          </p:stCondLst>
-                                        </p:cTn>
-                                        <p:tgtEl>
-                                          <p:spTgt spid="15"/>
-                                        </p:tgtEl>
-                                        <p:attrNameLst>
-                                          <p:attrName>style.visibility</p:attrName>
-                                        </p:attrNameLst>
-                                      </p:cBhvr>
-                                      <p:to>
-                                        <p:strVal val="visible"/>
-                                      </p:to>
-                                    </p:set>
-                                  </p:childTnLst>
-                                </p:cTn>
-                              </p:par>
-                            </p:childTnLst>
-                          </p:cTn>
-                        </p:par>
-                      </p:childTnLst>
-                    </p:cTn>
-                  </p:par>
-                  <p:par>
-                    <p:cTn id="7" fill="hold">
-                      <p:stCondLst>
-                        <p:cond delay="indefinite"/>
-                      </p:stCondLst>
-                      <p:childTnLst>
-                        <p:par>
-                          <p:cTn id="8" fill="hold">
-                            <p:stCondLst>
-                              <p:cond delay="0"/>
-                            </p:stCondLst>
-                            <p:childTnLst>
-                              <p:par>
-                                <p:cTn id="9" presetID="1" presetClass="entr" presetSubtype="0" fill="hold" grpId="0" nodeType="clickEffect">
-                                  <p:stCondLst>
-                                    <p:cond delay="0"/>
-                                  </p:stCondLst>
-                                  <p:childTnLst>
-                                    <p:set>
-                                      <p:cBhvr>
-                                        <p:cTn id="10" dur="1" fill="hold">
-                                          <p:stCondLst>
-                                            <p:cond delay="0"/>
-                                          </p:stCondLst>
-                                        </p:cTn>
-                                        <p:tgtEl>
-                                          <p:spTgt spid="6"/>
-                                        </p:tgtEl>
-                                        <p:attrNameLst>
-                                          <p:attrName>style.visibility</p:attrName>
-                                        </p:attrNameLst>
-                                      </p:cBhvr>
-                                      <p:to>
-                                        <p:strVal val="visible"/>
-                                      </p:to>
-                                    </p:set>
-                                  </p:childTnLst>
-                                </p:cTn>
-                              </p:par>
-                            </p:childTnLst>
-                          </p:cTn>
-                        </p:par>
-                      </p:childTnLst>
-                    </p:cTn>
-                  </p:par>
-                </p:childTnLst>
-              </p:cTn>
-              <p:prevCondLst>
-                <p:cond evt="onPrev" delay="0">
-                  <p:tgtEl>
-                    <p:sldTgt/>
-                  </p:tgtEl>
-                </p:cond>
-              </p:prevCondLst>
-              <p:nextCondLst>
-                <p:cond evt="onNext" delay="0">
-                  <p:tgtEl>
-                    <p:sldTgt/>
-                  </p:tgtEl>
-                </p:cond>
-              </p:nextCondLst>
-            </p:seq>
-          </p:childTnLst>
-        </p:cTn>
-      </p:par>
-    </p:tnLst>
-    <p:bldLst>
-      <p:bldP spid="15" grpId="0"/>
-      <p:bldP spid="6" grpId="0"/>
-    </p:bldLst>
-  </p:timing>
 </p:sld>
 </file>
 
@@ -17341,130 +20199,6 @@
   <p:clrMapOvr>
     <a:masterClrMapping/>
   </p:clrMapOvr>
-  <p:timing>
-    <p:tnLst>
-      <p:par>
-        <p:cTn id="1" dur="indefinite" restart="never" nodeType="tmRoot">
-          <p:childTnLst>
-            <p:seq concurrent="1" nextAc="seek">
-              <p:cTn id="2" dur="indefinite" nodeType="mainSeq">
-                <p:childTnLst>
-                  <p:par>
-                    <p:cTn id="3" fill="hold">
-                      <p:stCondLst>
-                        <p:cond delay="indefinite"/>
-                      </p:stCondLst>
-                      <p:childTnLst>
-                        <p:par>
-                          <p:cTn id="4" fill="hold">
-                            <p:stCondLst>
-                              <p:cond delay="0"/>
-                            </p:stCondLst>
-                            <p:childTnLst>
-                              <p:par>
-                                <p:cTn id="5" presetID="1" presetClass="entr" presetSubtype="0" fill="hold" grpId="0" nodeType="clickEffect">
-                                  <p:stCondLst>
-                                    <p:cond delay="0"/>
-                                  </p:stCondLst>
-                                  <p:childTnLst>
-                                    <p:set>
-                                      <p:cBhvr>
-                                        <p:cTn id="6" dur="1" fill="hold">
-                                          <p:stCondLst>
-                                            <p:cond delay="0"/>
-                                          </p:stCondLst>
-                                        </p:cTn>
-                                        <p:tgtEl>
-                                          <p:spTgt spid="10"/>
-                                        </p:tgtEl>
-                                        <p:attrNameLst>
-                                          <p:attrName>style.visibility</p:attrName>
-                                        </p:attrNameLst>
-                                      </p:cBhvr>
-                                      <p:to>
-                                        <p:strVal val="visible"/>
-                                      </p:to>
-                                    </p:set>
-                                  </p:childTnLst>
-                                </p:cTn>
-                              </p:par>
-                            </p:childTnLst>
-                          </p:cTn>
-                        </p:par>
-                      </p:childTnLst>
-                    </p:cTn>
-                  </p:par>
-                  <p:par>
-                    <p:cTn id="7" fill="hold">
-                      <p:stCondLst>
-                        <p:cond delay="indefinite"/>
-                      </p:stCondLst>
-                      <p:childTnLst>
-                        <p:par>
-                          <p:cTn id="8" fill="hold">
-                            <p:stCondLst>
-                              <p:cond delay="0"/>
-                            </p:stCondLst>
-                            <p:childTnLst>
-                              <p:par>
-                                <p:cTn id="9" presetID="1" presetClass="entr" presetSubtype="0" fill="hold" grpId="0" nodeType="clickEffect">
-                                  <p:stCondLst>
-                                    <p:cond delay="0"/>
-                                  </p:stCondLst>
-                                  <p:childTnLst>
-                                    <p:set>
-                                      <p:cBhvr>
-                                        <p:cTn id="10" dur="1" fill="hold">
-                                          <p:stCondLst>
-                                            <p:cond delay="0"/>
-                                          </p:stCondLst>
-                                        </p:cTn>
-                                        <p:tgtEl>
-                                          <p:spTgt spid="11"/>
-                                        </p:tgtEl>
-                                        <p:attrNameLst>
-                                          <p:attrName>style.visibility</p:attrName>
-                                        </p:attrNameLst>
-                                      </p:cBhvr>
-                                      <p:to>
-                                        <p:strVal val="visible"/>
-                                      </p:to>
-                                    </p:set>
-                                  </p:childTnLst>
-                                </p:cTn>
-                              </p:par>
-                            </p:childTnLst>
-                          </p:cTn>
-                        </p:par>
-                      </p:childTnLst>
-                    </p:cTn>
-                  </p:par>
-                </p:childTnLst>
-              </p:cTn>
-              <p:prevCondLst>
-                <p:cond evt="onPrev" delay="0">
-                  <p:tgtEl>
-                    <p:sldTgt/>
-                  </p:tgtEl>
-                </p:cond>
-              </p:prevCondLst>
-              <p:nextCondLst>
-                <p:cond evt="onNext" delay="0">
-                  <p:tgtEl>
-                    <p:sldTgt/>
-                  </p:tgtEl>
-                </p:cond>
-              </p:nextCondLst>
-            </p:seq>
-          </p:childTnLst>
-        </p:cTn>
-      </p:par>
-    </p:tnLst>
-    <p:bldLst>
-      <p:bldP spid="10" grpId="0"/>
-      <p:bldP spid="11" grpId="0"/>
-    </p:bldLst>
-  </p:timing>
 </p:sld>
 </file>
 
@@ -18078,268 +20812,6 @@
   <p:clrMapOvr>
     <a:masterClrMapping/>
   </p:clrMapOvr>
-  <p:timing>
-    <p:tnLst>
-      <p:par>
-        <p:cTn id="1" dur="indefinite" restart="never" nodeType="tmRoot">
-          <p:childTnLst>
-            <p:seq concurrent="1" nextAc="seek">
-              <p:cTn id="2" dur="indefinite" nodeType="mainSeq">
-                <p:childTnLst>
-                  <p:par>
-                    <p:cTn id="3" fill="hold">
-                      <p:stCondLst>
-                        <p:cond delay="indefinite"/>
-                      </p:stCondLst>
-                      <p:childTnLst>
-                        <p:par>
-                          <p:cTn id="4" fill="hold">
-                            <p:stCondLst>
-                              <p:cond delay="0"/>
-                            </p:stCondLst>
-                            <p:childTnLst>
-                              <p:par>
-                                <p:cTn id="5" presetID="1" presetClass="entr" presetSubtype="0" fill="hold" grpId="0" nodeType="clickEffect">
-                                  <p:stCondLst>
-                                    <p:cond delay="0"/>
-                                  </p:stCondLst>
-                                  <p:childTnLst>
-                                    <p:set>
-                                      <p:cBhvr>
-                                        <p:cTn id="6" dur="1" fill="hold">
-                                          <p:stCondLst>
-                                            <p:cond delay="0"/>
-                                          </p:stCondLst>
-                                        </p:cTn>
-                                        <p:tgtEl>
-                                          <p:spTgt spid="15"/>
-                                        </p:tgtEl>
-                                        <p:attrNameLst>
-                                          <p:attrName>style.visibility</p:attrName>
-                                        </p:attrNameLst>
-                                      </p:cBhvr>
-                                      <p:to>
-                                        <p:strVal val="visible"/>
-                                      </p:to>
-                                    </p:set>
-                                  </p:childTnLst>
-                                </p:cTn>
-                              </p:par>
-                            </p:childTnLst>
-                          </p:cTn>
-                        </p:par>
-                      </p:childTnLst>
-                    </p:cTn>
-                  </p:par>
-                  <p:par>
-                    <p:cTn id="7" fill="hold">
-                      <p:stCondLst>
-                        <p:cond delay="indefinite"/>
-                      </p:stCondLst>
-                      <p:childTnLst>
-                        <p:par>
-                          <p:cTn id="8" fill="hold">
-                            <p:stCondLst>
-                              <p:cond delay="0"/>
-                            </p:stCondLst>
-                            <p:childTnLst>
-                              <p:par>
-                                <p:cTn id="9" presetID="1" presetClass="entr" presetSubtype="0" fill="hold" grpId="0" nodeType="clickEffect">
-                                  <p:stCondLst>
-                                    <p:cond delay="0"/>
-                                  </p:stCondLst>
-                                  <p:childTnLst>
-                                    <p:set>
-                                      <p:cBhvr>
-                                        <p:cTn id="10" dur="1" fill="hold">
-                                          <p:stCondLst>
-                                            <p:cond delay="0"/>
-                                          </p:stCondLst>
-                                        </p:cTn>
-                                        <p:tgtEl>
-                                          <p:spTgt spid="8"/>
-                                        </p:tgtEl>
-                                        <p:attrNameLst>
-                                          <p:attrName>style.visibility</p:attrName>
-                                        </p:attrNameLst>
-                                      </p:cBhvr>
-                                      <p:to>
-                                        <p:strVal val="visible"/>
-                                      </p:to>
-                                    </p:set>
-                                  </p:childTnLst>
-                                </p:cTn>
-                              </p:par>
-                            </p:childTnLst>
-                          </p:cTn>
-                        </p:par>
-                      </p:childTnLst>
-                    </p:cTn>
-                  </p:par>
-                  <p:par>
-                    <p:cTn id="11" fill="hold">
-                      <p:stCondLst>
-                        <p:cond delay="indefinite"/>
-                      </p:stCondLst>
-                      <p:childTnLst>
-                        <p:par>
-                          <p:cTn id="12" fill="hold">
-                            <p:stCondLst>
-                              <p:cond delay="0"/>
-                            </p:stCondLst>
-                            <p:childTnLst>
-                              <p:par>
-                                <p:cTn id="13" presetID="1" presetClass="entr" presetSubtype="0" fill="hold" grpId="0" nodeType="clickEffect">
-                                  <p:stCondLst>
-                                    <p:cond delay="0"/>
-                                  </p:stCondLst>
-                                  <p:childTnLst>
-                                    <p:set>
-                                      <p:cBhvr>
-                                        <p:cTn id="14" dur="1" fill="hold">
-                                          <p:stCondLst>
-                                            <p:cond delay="0"/>
-                                          </p:stCondLst>
-                                        </p:cTn>
-                                        <p:tgtEl>
-                                          <p:spTgt spid="9"/>
-                                        </p:tgtEl>
-                                        <p:attrNameLst>
-                                          <p:attrName>style.visibility</p:attrName>
-                                        </p:attrNameLst>
-                                      </p:cBhvr>
-                                      <p:to>
-                                        <p:strVal val="visible"/>
-                                      </p:to>
-                                    </p:set>
-                                  </p:childTnLst>
-                                </p:cTn>
-                              </p:par>
-                            </p:childTnLst>
-                          </p:cTn>
-                        </p:par>
-                      </p:childTnLst>
-                    </p:cTn>
-                  </p:par>
-                  <p:par>
-                    <p:cTn id="15" fill="hold">
-                      <p:stCondLst>
-                        <p:cond delay="indefinite"/>
-                      </p:stCondLst>
-                      <p:childTnLst>
-                        <p:par>
-                          <p:cTn id="16" fill="hold">
-                            <p:stCondLst>
-                              <p:cond delay="0"/>
-                            </p:stCondLst>
-                            <p:childTnLst>
-                              <p:par>
-                                <p:cTn id="17" presetID="1" presetClass="entr" presetSubtype="0" fill="hold" grpId="0" nodeType="clickEffect">
-                                  <p:stCondLst>
-                                    <p:cond delay="0"/>
-                                  </p:stCondLst>
-                                  <p:childTnLst>
-                                    <p:set>
-                                      <p:cBhvr>
-                                        <p:cTn id="18" dur="1" fill="hold">
-                                          <p:stCondLst>
-                                            <p:cond delay="0"/>
-                                          </p:stCondLst>
-                                        </p:cTn>
-                                        <p:tgtEl>
-                                          <p:spTgt spid="10"/>
-                                        </p:tgtEl>
-                                        <p:attrNameLst>
-                                          <p:attrName>style.visibility</p:attrName>
-                                        </p:attrNameLst>
-                                      </p:cBhvr>
-                                      <p:to>
-                                        <p:strVal val="visible"/>
-                                      </p:to>
-                                    </p:set>
-                                  </p:childTnLst>
-                                </p:cTn>
-                              </p:par>
-                            </p:childTnLst>
-                          </p:cTn>
-                        </p:par>
-                      </p:childTnLst>
-                    </p:cTn>
-                  </p:par>
-                  <p:par>
-                    <p:cTn id="19" fill="hold">
-                      <p:stCondLst>
-                        <p:cond delay="indefinite"/>
-                      </p:stCondLst>
-                      <p:childTnLst>
-                        <p:par>
-                          <p:cTn id="20" fill="hold">
-                            <p:stCondLst>
-                              <p:cond delay="0"/>
-                            </p:stCondLst>
-                            <p:childTnLst>
-                              <p:par>
-                                <p:cTn id="21" presetID="1" presetClass="entr" presetSubtype="0" fill="hold" grpId="0" nodeType="clickEffect">
-                                  <p:stCondLst>
-                                    <p:cond delay="0"/>
-                                  </p:stCondLst>
-                                  <p:childTnLst>
-                                    <p:set>
-                                      <p:cBhvr>
-                                        <p:cTn id="22" dur="1" fill="hold">
-                                          <p:stCondLst>
-                                            <p:cond delay="0"/>
-                                          </p:stCondLst>
-                                        </p:cTn>
-                                        <p:tgtEl>
-                                          <p:spTgt spid="18"/>
-                                        </p:tgtEl>
-                                        <p:attrNameLst>
-                                          <p:attrName>style.visibility</p:attrName>
-                                        </p:attrNameLst>
-                                      </p:cBhvr>
-                                      <p:to>
-                                        <p:strVal val="visible"/>
-                                      </p:to>
-                                    </p:set>
-                                  </p:childTnLst>
-                                </p:cTn>
-                              </p:par>
-                            </p:childTnLst>
-                          </p:cTn>
-                        </p:par>
-                      </p:childTnLst>
-                    </p:cTn>
-                  </p:par>
-                </p:childTnLst>
-              </p:cTn>
-              <p:prevCondLst>
-                <p:cond evt="onPrev" delay="0">
-                  <p:tgtEl>
-                    <p:sldTgt/>
-                  </p:tgtEl>
-                </p:cond>
-              </p:prevCondLst>
-              <p:nextCondLst>
-                <p:cond evt="onNext" delay="0">
-                  <p:tgtEl>
-                    <p:sldTgt/>
-                  </p:tgtEl>
-                </p:cond>
-              </p:nextCondLst>
-            </p:seq>
-          </p:childTnLst>
-        </p:cTn>
-      </p:par>
-    </p:tnLst>
-    <p:bldLst>
-      <p:bldP spid="15" grpId="0"/>
-      <p:bldP spid="8" grpId="0"/>
-      <p:bldP spid="9" grpId="0"/>
-      <p:bldP spid="10" grpId="0"/>
-      <p:bldP spid="18" grpId="0"/>
-    </p:bldLst>
-  </p:timing>
 </p:sld>
 </file>
 
@@ -21182,176 +23654,6 @@
   <p:clrMapOvr>
     <a:masterClrMapping/>
   </p:clrMapOvr>
-  <p:timing>
-    <p:tnLst>
-      <p:par>
-        <p:cTn id="1" dur="indefinite" restart="never" nodeType="tmRoot">
-          <p:childTnLst>
-            <p:seq concurrent="1" nextAc="seek">
-              <p:cTn id="2" dur="indefinite" nodeType="mainSeq">
-                <p:childTnLst>
-                  <p:par>
-                    <p:cTn id="3" fill="hold">
-                      <p:stCondLst>
-                        <p:cond delay="indefinite"/>
-                      </p:stCondLst>
-                      <p:childTnLst>
-                        <p:par>
-                          <p:cTn id="4" fill="hold">
-                            <p:stCondLst>
-                              <p:cond delay="0"/>
-                            </p:stCondLst>
-                            <p:childTnLst>
-                              <p:par>
-                                <p:cTn id="5" presetID="1" presetClass="entr" presetSubtype="0" fill="hold" grpId="0" nodeType="clickEffect">
-                                  <p:stCondLst>
-                                    <p:cond delay="0"/>
-                                  </p:stCondLst>
-                                  <p:childTnLst>
-                                    <p:set>
-                                      <p:cBhvr>
-                                        <p:cTn id="6" dur="1" fill="hold">
-                                          <p:stCondLst>
-                                            <p:cond delay="0"/>
-                                          </p:stCondLst>
-                                        </p:cTn>
-                                        <p:tgtEl>
-                                          <p:spTgt spid="15"/>
-                                        </p:tgtEl>
-                                        <p:attrNameLst>
-                                          <p:attrName>style.visibility</p:attrName>
-                                        </p:attrNameLst>
-                                      </p:cBhvr>
-                                      <p:to>
-                                        <p:strVal val="visible"/>
-                                      </p:to>
-                                    </p:set>
-                                  </p:childTnLst>
-                                </p:cTn>
-                              </p:par>
-                            </p:childTnLst>
-                          </p:cTn>
-                        </p:par>
-                      </p:childTnLst>
-                    </p:cTn>
-                  </p:par>
-                  <p:par>
-                    <p:cTn id="7" fill="hold">
-                      <p:stCondLst>
-                        <p:cond delay="indefinite"/>
-                      </p:stCondLst>
-                      <p:childTnLst>
-                        <p:par>
-                          <p:cTn id="8" fill="hold">
-                            <p:stCondLst>
-                              <p:cond delay="0"/>
-                            </p:stCondLst>
-                            <p:childTnLst>
-                              <p:par>
-                                <p:cTn id="9" presetID="1" presetClass="entr" presetSubtype="0" fill="hold" grpId="0" nodeType="clickEffect">
-                                  <p:stCondLst>
-                                    <p:cond delay="0"/>
-                                  </p:stCondLst>
-                                  <p:childTnLst>
-                                    <p:set>
-                                      <p:cBhvr>
-                                        <p:cTn id="10" dur="1" fill="hold">
-                                          <p:stCondLst>
-                                            <p:cond delay="0"/>
-                                          </p:stCondLst>
-                                        </p:cTn>
-                                        <p:tgtEl>
-                                          <p:spTgt spid="8"/>
-                                        </p:tgtEl>
-                                        <p:attrNameLst>
-                                          <p:attrName>style.visibility</p:attrName>
-                                        </p:attrNameLst>
-                                      </p:cBhvr>
-                                      <p:to>
-                                        <p:strVal val="visible"/>
-                                      </p:to>
-                                    </p:set>
-                                  </p:childTnLst>
-                                </p:cTn>
-                              </p:par>
-                            </p:childTnLst>
-                          </p:cTn>
-                        </p:par>
-                      </p:childTnLst>
-                    </p:cTn>
-                  </p:par>
-                  <p:par>
-                    <p:cTn id="11" fill="hold">
-                      <p:stCondLst>
-                        <p:cond delay="indefinite"/>
-                      </p:stCondLst>
-                      <p:childTnLst>
-                        <p:par>
-                          <p:cTn id="12" fill="hold">
-                            <p:stCondLst>
-                              <p:cond delay="0"/>
-                            </p:stCondLst>
-                            <p:childTnLst>
-                              <p:par>
-                                <p:cTn id="13" presetID="1" presetClass="entr" presetSubtype="0" fill="hold" grpId="0" nodeType="clickEffect">
-                                  <p:stCondLst>
-                                    <p:cond delay="0"/>
-                                  </p:stCondLst>
-                                  <p:childTnLst>
-                                    <p:set>
-                                      <p:cBhvr>
-                                        <p:cTn id="14" dur="1" fill="hold">
-                                          <p:stCondLst>
-                                            <p:cond delay="0"/>
-                                          </p:stCondLst>
-                                        </p:cTn>
-                                        <p:tgtEl>
-                                          <p:spTgt spid="10"/>
-                                        </p:tgtEl>
-                                        <p:attrNameLst>
-                                          <p:attrName>style.visibility</p:attrName>
-                                        </p:attrNameLst>
-                                      </p:cBhvr>
-                                      <p:to>
-                                        <p:strVal val="visible"/>
-                                      </p:to>
-                                    </p:set>
-                                  </p:childTnLst>
-                                </p:cTn>
-                              </p:par>
-                            </p:childTnLst>
-                          </p:cTn>
-                        </p:par>
-                      </p:childTnLst>
-                    </p:cTn>
-                  </p:par>
-                </p:childTnLst>
-              </p:cTn>
-              <p:prevCondLst>
-                <p:cond evt="onPrev" delay="0">
-                  <p:tgtEl>
-                    <p:sldTgt/>
-                  </p:tgtEl>
-                </p:cond>
-              </p:prevCondLst>
-              <p:nextCondLst>
-                <p:cond evt="onNext" delay="0">
-                  <p:tgtEl>
-                    <p:sldTgt/>
-                  </p:tgtEl>
-                </p:cond>
-              </p:nextCondLst>
-            </p:seq>
-          </p:childTnLst>
-        </p:cTn>
-      </p:par>
-    </p:tnLst>
-    <p:bldLst>
-      <p:bldP spid="15" grpId="0"/>
-      <p:bldP spid="8" grpId="0"/>
-      <p:bldP spid="10" grpId="0"/>
-    </p:bldLst>
-  </p:timing>
 </p:sld>
 </file>
 
@@ -22697,7 +24999,7 @@
         <p:spPr>
           <a:xfrm>
             <a:off x="521208" y="691899"/>
-            <a:ext cx="6876288" cy="640080"/>
+            <a:ext cx="8373410" cy="640080"/>
           </a:xfrm>
         </p:spPr>
         <p:txBody>
@@ -22706,12 +25008,12 @@
           <a:p>
             <a:pPr lvl="0"/>
             <a:r>
-              <a:rPr lang="en-US" sz="3600" dirty="0" err="1">
+              <a:rPr lang="en-US" sz="3600" dirty="0">
                 <a:solidFill>
                   <a:srgbClr val="FFFFFF"/>
                 </a:solidFill>
               </a:rPr>
-              <a:t>ClusterIP</a:t>
+              <a:t>How to limit access to PODs</a:t>
             </a:r>
             <a:endParaRPr lang="en-IN" sz="3600" dirty="0">
               <a:solidFill>
@@ -22751,63 +25053,12 @@
           </a:ln>
         </p:spPr>
       </p:cxnSp>
-      <p:sp>
-        <p:nvSpPr>
-          <p:cNvPr id="15" name="TextBox 14">
-            <a:extLst>
-              <a:ext uri="{FF2B5EF4-FFF2-40B4-BE49-F238E27FC236}">
-                <a16:creationId xmlns:a16="http://schemas.microsoft.com/office/drawing/2014/main" id="{A182CD01-9441-41E9-AC14-F1BA2F20709B}"/>
-              </a:ext>
-            </a:extLst>
-          </p:cNvPr>
-          <p:cNvSpPr txBox="1"/>
-          <p:nvPr/>
-        </p:nvSpPr>
-        <p:spPr>
-          <a:xfrm>
-            <a:off x="760021" y="2719453"/>
-            <a:ext cx="3716976" cy="1569660"/>
-          </a:xfrm>
-          <a:prstGeom prst="rect">
-            <a:avLst/>
-          </a:prstGeom>
-          <a:noFill/>
-        </p:spPr>
-        <p:txBody>
-          <a:bodyPr wrap="square" rtlCol="0">
-            <a:spAutoFit/>
-          </a:bodyPr>
-          <a:lstStyle/>
-          <a:p>
-            <a:pPr lvl="1"/>
-            <a:r>
-              <a:rPr lang="en-US" sz="2400" b="1" dirty="0">
-                <a:solidFill>
-                  <a:schemeClr val="bg1"/>
-                </a:solidFill>
-              </a:rPr>
-              <a:t>It is a service inside your cluster that other </a:t>
-            </a:r>
-          </a:p>
-          <a:p>
-            <a:pPr lvl="1"/>
-            <a:r>
-              <a:rPr lang="en-US" sz="2400" b="1" dirty="0">
-                <a:solidFill>
-                  <a:schemeClr val="bg1"/>
-                </a:solidFill>
-              </a:rPr>
-              <a:t>apps inside your cluster can access. </a:t>
-            </a:r>
-          </a:p>
-        </p:txBody>
-      </p:sp>
       <p:pic>
         <p:nvPicPr>
-          <p:cNvPr id="4" name="Picture 3">
-            <a:extLst>
-              <a:ext uri="{FF2B5EF4-FFF2-40B4-BE49-F238E27FC236}">
-                <a16:creationId xmlns:a16="http://schemas.microsoft.com/office/drawing/2014/main" id="{4EBE7682-A0AA-4399-8F99-C94DA2F0CBFC}"/>
+          <p:cNvPr id="5" name="Picture 4">
+            <a:extLst>
+              <a:ext uri="{FF2B5EF4-FFF2-40B4-BE49-F238E27FC236}">
+                <a16:creationId xmlns:a16="http://schemas.microsoft.com/office/drawing/2014/main" id="{06EB9464-2D18-432D-B32C-F86A089E36A1}"/>
               </a:ext>
             </a:extLst>
           </p:cNvPr>
@@ -22824,18 +25075,126 @@
         </p:blipFill>
         <p:spPr>
           <a:xfrm>
-            <a:off x="5890072" y="2027897"/>
-            <a:ext cx="5505450" cy="3514725"/>
+            <a:off x="6602681" y="2318359"/>
+            <a:ext cx="4908600" cy="2764673"/>
           </a:xfrm>
           <a:prstGeom prst="rect">
             <a:avLst/>
           </a:prstGeom>
         </p:spPr>
       </p:pic>
+      <p:pic>
+        <p:nvPicPr>
+          <p:cNvPr id="6" name="Picture 5">
+            <a:extLst>
+              <a:ext uri="{FF2B5EF4-FFF2-40B4-BE49-F238E27FC236}">
+                <a16:creationId xmlns:a16="http://schemas.microsoft.com/office/drawing/2014/main" id="{01358542-007F-4994-9745-4C5720CF8A24}"/>
+              </a:ext>
+            </a:extLst>
+          </p:cNvPr>
+          <p:cNvPicPr>
+            <a:picLocks noChangeAspect="1"/>
+          </p:cNvPicPr>
+          <p:nvPr/>
+        </p:nvPicPr>
+        <p:blipFill>
+          <a:blip r:embed="rId4"/>
+          <a:stretch>
+            <a:fillRect/>
+          </a:stretch>
+        </p:blipFill>
+        <p:spPr>
+          <a:xfrm>
+            <a:off x="808178" y="2318360"/>
+            <a:ext cx="4535852" cy="2764676"/>
+          </a:xfrm>
+          <a:prstGeom prst="rect">
+            <a:avLst/>
+          </a:prstGeom>
+        </p:spPr>
+      </p:pic>
+      <p:sp>
+        <p:nvSpPr>
+          <p:cNvPr id="10" name="TextBox 9">
+            <a:extLst>
+              <a:ext uri="{FF2B5EF4-FFF2-40B4-BE49-F238E27FC236}">
+                <a16:creationId xmlns:a16="http://schemas.microsoft.com/office/drawing/2014/main" id="{64E4B901-9EAD-4B62-94EB-D19B77569975}"/>
+              </a:ext>
+            </a:extLst>
+          </p:cNvPr>
+          <p:cNvSpPr txBox="1"/>
+          <p:nvPr/>
+        </p:nvSpPr>
+        <p:spPr>
+          <a:xfrm>
+            <a:off x="1989437" y="5285223"/>
+            <a:ext cx="2535061" cy="461665"/>
+          </a:xfrm>
+          <a:prstGeom prst="rect">
+            <a:avLst/>
+          </a:prstGeom>
+          <a:noFill/>
+        </p:spPr>
+        <p:txBody>
+          <a:bodyPr wrap="square" rtlCol="0">
+            <a:spAutoFit/>
+          </a:bodyPr>
+          <a:lstStyle/>
+          <a:p>
+            <a:r>
+              <a:rPr lang="en-US" sz="2400" b="1" dirty="0">
+                <a:solidFill>
+                  <a:schemeClr val="bg1"/>
+                </a:solidFill>
+              </a:rPr>
+              <a:t>Default Behavior</a:t>
+            </a:r>
+          </a:p>
+        </p:txBody>
+      </p:sp>
+      <p:sp>
+        <p:nvSpPr>
+          <p:cNvPr id="11" name="TextBox 10">
+            <a:extLst>
+              <a:ext uri="{FF2B5EF4-FFF2-40B4-BE49-F238E27FC236}">
+                <a16:creationId xmlns:a16="http://schemas.microsoft.com/office/drawing/2014/main" id="{411D8AE8-435D-4E0B-AF85-AF3CCD4E0375}"/>
+              </a:ext>
+            </a:extLst>
+          </p:cNvPr>
+          <p:cNvSpPr txBox="1"/>
+          <p:nvPr/>
+        </p:nvSpPr>
+        <p:spPr>
+          <a:xfrm>
+            <a:off x="7913239" y="5235741"/>
+            <a:ext cx="2535061" cy="461665"/>
+          </a:xfrm>
+          <a:prstGeom prst="rect">
+            <a:avLst/>
+          </a:prstGeom>
+          <a:noFill/>
+        </p:spPr>
+        <p:txBody>
+          <a:bodyPr wrap="square" rtlCol="0">
+            <a:spAutoFit/>
+          </a:bodyPr>
+          <a:lstStyle/>
+          <a:p>
+            <a:r>
+              <a:rPr lang="en-US" sz="2400" b="1" dirty="0">
+                <a:solidFill>
+                  <a:schemeClr val="bg1"/>
+                </a:solidFill>
+              </a:rPr>
+              <a:t>Desired Behavior</a:t>
+            </a:r>
+          </a:p>
+        </p:txBody>
+      </p:sp>
     </p:spTree>
     <p:extLst>
       <p:ext uri="{BB962C8B-B14F-4D97-AF65-F5344CB8AC3E}">
-        <p14:creationId xmlns:p14="http://schemas.microsoft.com/office/powerpoint/2010/main" val="372159615"/>
+        <p14:creationId xmlns:p14="http://schemas.microsoft.com/office/powerpoint/2010/main" val="3046322691"/>
       </p:ext>
     </p:extLst>
   </p:cSld>
@@ -22935,53 +25294,63 @@
           </a:ln>
         </p:spPr>
       </p:cxnSp>
-      <p:cxnSp>
-        <p:nvCxnSpPr>
-          <p:cNvPr id="7" name="Straight Connector 6">
-            <a:extLst>
-              <a:ext uri="{FF2B5EF4-FFF2-40B4-BE49-F238E27FC236}">
-                <a16:creationId xmlns:a16="http://schemas.microsoft.com/office/drawing/2014/main" id="{116D4489-8F16-40E4-BFFE-5CB7B33431F6}"/>
-              </a:ext>
-            </a:extLst>
-          </p:cNvPr>
-          <p:cNvCxnSpPr/>
-          <p:nvPr/>
-        </p:nvCxnSpPr>
-        <p:spPr>
-          <a:xfrm>
-            <a:off x="5576646" y="1700417"/>
-            <a:ext cx="0" cy="4660685"/>
-          </a:xfrm>
-          <a:prstGeom prst="line">
-            <a:avLst/>
-          </a:prstGeom>
-          <a:ln>
-            <a:solidFill>
-              <a:schemeClr val="bg1"/>
-            </a:solidFill>
-          </a:ln>
-        </p:spPr>
-        <p:style>
-          <a:lnRef idx="1">
-            <a:schemeClr val="accent1"/>
-          </a:lnRef>
-          <a:fillRef idx="0">
-            <a:schemeClr val="accent1"/>
-          </a:fillRef>
-          <a:effectRef idx="0">
-            <a:schemeClr val="accent1"/>
-          </a:effectRef>
-          <a:fontRef idx="minor">
-            <a:schemeClr val="tx1"/>
-          </a:fontRef>
-        </p:style>
-      </p:cxnSp>
+      <p:sp>
+        <p:nvSpPr>
+          <p:cNvPr id="15" name="TextBox 14">
+            <a:extLst>
+              <a:ext uri="{FF2B5EF4-FFF2-40B4-BE49-F238E27FC236}">
+                <a16:creationId xmlns:a16="http://schemas.microsoft.com/office/drawing/2014/main" id="{A182CD01-9441-41E9-AC14-F1BA2F20709B}"/>
+              </a:ext>
+            </a:extLst>
+          </p:cNvPr>
+          <p:cNvSpPr txBox="1"/>
+          <p:nvPr/>
+        </p:nvSpPr>
+        <p:spPr>
+          <a:xfrm>
+            <a:off x="760021" y="2719453"/>
+            <a:ext cx="3716976" cy="1569660"/>
+          </a:xfrm>
+          <a:prstGeom prst="rect">
+            <a:avLst/>
+          </a:prstGeom>
+          <a:noFill/>
+        </p:spPr>
+        <p:txBody>
+          <a:bodyPr wrap="square" rtlCol="0">
+            <a:spAutoFit/>
+          </a:bodyPr>
+          <a:lstStyle/>
+          <a:p>
+            <a:pPr lvl="1"/>
+            <a:r>
+              <a:rPr lang="en-US" sz="2400" b="1" dirty="0">
+                <a:solidFill>
+                  <a:schemeClr val="bg1"/>
+                </a:solidFill>
+              </a:rPr>
+              <a:t>It is a service inside your cluster that other </a:t>
+            </a:r>
+          </a:p>
+          <a:p>
+            <a:pPr lvl="1"/>
+            <a:r>
+              <a:rPr lang="en-US" sz="2400" b="1" dirty="0">
+                <a:solidFill>
+                  <a:schemeClr val="bg1"/>
+                </a:solidFill>
+              </a:rPr>
+              <a:t>apps inside your cluster can access. </a:t>
+            </a:r>
+          </a:p>
+        </p:txBody>
+      </p:sp>
       <p:pic>
         <p:nvPicPr>
-          <p:cNvPr id="3" name="Picture 2">
-            <a:extLst>
-              <a:ext uri="{FF2B5EF4-FFF2-40B4-BE49-F238E27FC236}">
-                <a16:creationId xmlns:a16="http://schemas.microsoft.com/office/drawing/2014/main" id="{3CE8B349-F6E2-459F-9A47-C687ABBAC6EC}"/>
+          <p:cNvPr id="4" name="Picture 3">
+            <a:extLst>
+              <a:ext uri="{FF2B5EF4-FFF2-40B4-BE49-F238E27FC236}">
+                <a16:creationId xmlns:a16="http://schemas.microsoft.com/office/drawing/2014/main" id="{4EBE7682-A0AA-4399-8F99-C94DA2F0CBFC}"/>
               </a:ext>
             </a:extLst>
           </p:cNvPr>
@@ -22998,8 +25367,8 @@
         </p:blipFill>
         <p:spPr>
           <a:xfrm>
-            <a:off x="1724952" y="2361563"/>
-            <a:ext cx="2543175" cy="2962275"/>
+            <a:off x="5890072" y="2027897"/>
+            <a:ext cx="5505450" cy="3514725"/>
           </a:xfrm>
           <a:prstGeom prst="rect">
             <a:avLst/>
@@ -23009,7 +25378,7 @@
     </p:spTree>
     <p:extLst>
       <p:ext uri="{BB962C8B-B14F-4D97-AF65-F5344CB8AC3E}">
-        <p14:creationId xmlns:p14="http://schemas.microsoft.com/office/powerpoint/2010/main" val="3274299579"/>
+        <p14:creationId xmlns:p14="http://schemas.microsoft.com/office/powerpoint/2010/main" val="372159615"/>
       </p:ext>
     </p:extLst>
   </p:cSld>
@@ -23069,6 +25438,180 @@
                   <a:srgbClr val="FFFFFF"/>
                 </a:solidFill>
               </a:rPr>
+              <a:t>ClusterIP</a:t>
+            </a:r>
+            <a:endParaRPr lang="en-IN" sz="3600" dirty="0">
+              <a:solidFill>
+                <a:srgbClr val="FFFFFF"/>
+              </a:solidFill>
+            </a:endParaRPr>
+          </a:p>
+        </p:txBody>
+      </p:sp>
+      <p:cxnSp>
+        <p:nvCxnSpPr>
+          <p:cNvPr id="13" name="Straight Connector 25">
+            <a:extLst>
+              <a:ext uri="{FF2B5EF4-FFF2-40B4-BE49-F238E27FC236}">
+                <a16:creationId xmlns:a16="http://schemas.microsoft.com/office/drawing/2014/main" id="{97BCE729-6A8B-46DC-B5AC-3926C434F3DE}"/>
+              </a:ext>
+            </a:extLst>
+          </p:cNvPr>
+          <p:cNvCxnSpPr/>
+          <p:nvPr/>
+        </p:nvCxnSpPr>
+        <p:spPr>
+          <a:xfrm>
+            <a:off x="619762" y="1534162"/>
+            <a:ext cx="10891519" cy="0"/>
+          </a:xfrm>
+          <a:prstGeom prst="straightConnector1">
+            <a:avLst/>
+          </a:prstGeom>
+          <a:noFill/>
+          <a:ln w="19046" cap="flat">
+            <a:solidFill>
+              <a:srgbClr val="FFFFFF"/>
+            </a:solidFill>
+            <a:prstDash val="solid"/>
+            <a:miter/>
+          </a:ln>
+        </p:spPr>
+      </p:cxnSp>
+      <p:cxnSp>
+        <p:nvCxnSpPr>
+          <p:cNvPr id="7" name="Straight Connector 6">
+            <a:extLst>
+              <a:ext uri="{FF2B5EF4-FFF2-40B4-BE49-F238E27FC236}">
+                <a16:creationId xmlns:a16="http://schemas.microsoft.com/office/drawing/2014/main" id="{116D4489-8F16-40E4-BFFE-5CB7B33431F6}"/>
+              </a:ext>
+            </a:extLst>
+          </p:cNvPr>
+          <p:cNvCxnSpPr/>
+          <p:nvPr/>
+        </p:nvCxnSpPr>
+        <p:spPr>
+          <a:xfrm>
+            <a:off x="5576646" y="1700417"/>
+            <a:ext cx="0" cy="4660685"/>
+          </a:xfrm>
+          <a:prstGeom prst="line">
+            <a:avLst/>
+          </a:prstGeom>
+          <a:ln>
+            <a:solidFill>
+              <a:schemeClr val="bg1"/>
+            </a:solidFill>
+          </a:ln>
+        </p:spPr>
+        <p:style>
+          <a:lnRef idx="1">
+            <a:schemeClr val="accent1"/>
+          </a:lnRef>
+          <a:fillRef idx="0">
+            <a:schemeClr val="accent1"/>
+          </a:fillRef>
+          <a:effectRef idx="0">
+            <a:schemeClr val="accent1"/>
+          </a:effectRef>
+          <a:fontRef idx="minor">
+            <a:schemeClr val="tx1"/>
+          </a:fontRef>
+        </p:style>
+      </p:cxnSp>
+      <p:pic>
+        <p:nvPicPr>
+          <p:cNvPr id="3" name="Picture 2">
+            <a:extLst>
+              <a:ext uri="{FF2B5EF4-FFF2-40B4-BE49-F238E27FC236}">
+                <a16:creationId xmlns:a16="http://schemas.microsoft.com/office/drawing/2014/main" id="{3CE8B349-F6E2-459F-9A47-C687ABBAC6EC}"/>
+              </a:ext>
+            </a:extLst>
+          </p:cNvPr>
+          <p:cNvPicPr>
+            <a:picLocks noChangeAspect="1"/>
+          </p:cNvPicPr>
+          <p:nvPr/>
+        </p:nvPicPr>
+        <p:blipFill>
+          <a:blip r:embed="rId3"/>
+          <a:stretch>
+            <a:fillRect/>
+          </a:stretch>
+        </p:blipFill>
+        <p:spPr>
+          <a:xfrm>
+            <a:off x="1724952" y="2361563"/>
+            <a:ext cx="2543175" cy="2962275"/>
+          </a:xfrm>
+          <a:prstGeom prst="rect">
+            <a:avLst/>
+          </a:prstGeom>
+        </p:spPr>
+      </p:pic>
+    </p:spTree>
+    <p:extLst>
+      <p:ext uri="{BB962C8B-B14F-4D97-AF65-F5344CB8AC3E}">
+        <p14:creationId xmlns:p14="http://schemas.microsoft.com/office/powerpoint/2010/main" val="3274299579"/>
+      </p:ext>
+    </p:extLst>
+  </p:cSld>
+  <p:clrMapOvr>
+    <a:masterClrMapping/>
+  </p:clrMapOvr>
+</p:sld>
+</file>
+
+<file path=ppt/slides/slide43.xml><?xml version="1.0" encoding="utf-8"?>
+<p:sld xmlns:a="http://schemas.openxmlformats.org/drawingml/2006/main" xmlns:r="http://schemas.openxmlformats.org/officeDocument/2006/relationships" xmlns:p="http://schemas.openxmlformats.org/presentationml/2006/main">
+  <p:cSld>
+    <p:spTree>
+      <p:nvGrpSpPr>
+        <p:cNvPr id="1" name=""/>
+        <p:cNvGrpSpPr/>
+        <p:nvPr/>
+      </p:nvGrpSpPr>
+      <p:grpSpPr>
+        <a:xfrm>
+          <a:off x="0" y="0"/>
+          <a:ext cx="0" cy="0"/>
+          <a:chOff x="0" y="0"/>
+          <a:chExt cx="0" cy="0"/>
+        </a:xfrm>
+      </p:grpSpPr>
+      <p:sp>
+        <p:nvSpPr>
+          <p:cNvPr id="2" name="Title 4">
+            <a:extLst>
+              <a:ext uri="{FF2B5EF4-FFF2-40B4-BE49-F238E27FC236}">
+                <a16:creationId xmlns:a16="http://schemas.microsoft.com/office/drawing/2014/main" id="{D4AE60AA-E70A-43F9-9BE3-359F15DB0A1E}"/>
+              </a:ext>
+            </a:extLst>
+          </p:cNvPr>
+          <p:cNvSpPr txBox="1">
+            <a:spLocks noGrp="1"/>
+          </p:cNvSpPr>
+          <p:nvPr>
+            <p:ph type="title"/>
+          </p:nvPr>
+        </p:nvSpPr>
+        <p:spPr>
+          <a:xfrm>
+            <a:off x="521208" y="691899"/>
+            <a:ext cx="6876288" cy="640080"/>
+          </a:xfrm>
+        </p:spPr>
+        <p:txBody>
+          <a:bodyPr/>
+          <a:lstStyle/>
+          <a:p>
+            <a:pPr lvl="0"/>
+            <a:r>
+              <a:rPr lang="en-US" sz="3600" dirty="0" err="1">
+                <a:solidFill>
+                  <a:srgbClr val="FFFFFF"/>
+                </a:solidFill>
+              </a:rPr>
               <a:t>Loadbalancer</a:t>
             </a:r>
             <a:endParaRPr lang="en-IN" sz="3600" dirty="0">
@@ -23242,6 +25785,1512 @@
   <p:clrMapOvr>
     <a:masterClrMapping/>
   </p:clrMapOvr>
+</p:sld>
+</file>
+
+<file path=ppt/slides/slide44.xml><?xml version="1.0" encoding="utf-8"?>
+<p:sld xmlns:a="http://schemas.openxmlformats.org/drawingml/2006/main" xmlns:r="http://schemas.openxmlformats.org/officeDocument/2006/relationships" xmlns:p="http://schemas.openxmlformats.org/presentationml/2006/main">
+  <p:cSld>
+    <p:spTree>
+      <p:nvGrpSpPr>
+        <p:cNvPr id="1" name=""/>
+        <p:cNvGrpSpPr/>
+        <p:nvPr/>
+      </p:nvGrpSpPr>
+      <p:grpSpPr>
+        <a:xfrm>
+          <a:off x="0" y="0"/>
+          <a:ext cx="0" cy="0"/>
+          <a:chOff x="0" y="0"/>
+          <a:chExt cx="0" cy="0"/>
+        </a:xfrm>
+      </p:grpSpPr>
+      <p:sp>
+        <p:nvSpPr>
+          <p:cNvPr id="2" name="Title 4">
+            <a:extLst>
+              <a:ext uri="{FF2B5EF4-FFF2-40B4-BE49-F238E27FC236}">
+                <a16:creationId xmlns:a16="http://schemas.microsoft.com/office/drawing/2014/main" id="{D4AE60AA-E70A-43F9-9BE3-359F15DB0A1E}"/>
+              </a:ext>
+            </a:extLst>
+          </p:cNvPr>
+          <p:cNvSpPr txBox="1">
+            <a:spLocks noGrp="1"/>
+          </p:cNvSpPr>
+          <p:nvPr>
+            <p:ph type="title"/>
+          </p:nvPr>
+        </p:nvSpPr>
+        <p:spPr>
+          <a:xfrm>
+            <a:off x="521208" y="691899"/>
+            <a:ext cx="6876288" cy="640080"/>
+          </a:xfrm>
+        </p:spPr>
+        <p:txBody>
+          <a:bodyPr/>
+          <a:lstStyle/>
+          <a:p>
+            <a:pPr lvl="0"/>
+            <a:r>
+              <a:rPr lang="en-US" sz="3600" dirty="0" err="1">
+                <a:solidFill>
+                  <a:srgbClr val="FFFFFF"/>
+                </a:solidFill>
+              </a:rPr>
+              <a:t>DaemonSet</a:t>
+            </a:r>
+            <a:endParaRPr lang="en-IN" sz="3600" dirty="0">
+              <a:solidFill>
+                <a:srgbClr val="FFFFFF"/>
+              </a:solidFill>
+            </a:endParaRPr>
+          </a:p>
+        </p:txBody>
+      </p:sp>
+      <p:cxnSp>
+        <p:nvCxnSpPr>
+          <p:cNvPr id="13" name="Straight Connector 25">
+            <a:extLst>
+              <a:ext uri="{FF2B5EF4-FFF2-40B4-BE49-F238E27FC236}">
+                <a16:creationId xmlns:a16="http://schemas.microsoft.com/office/drawing/2014/main" id="{97BCE729-6A8B-46DC-B5AC-3926C434F3DE}"/>
+              </a:ext>
+            </a:extLst>
+          </p:cNvPr>
+          <p:cNvCxnSpPr/>
+          <p:nvPr/>
+        </p:nvCxnSpPr>
+        <p:spPr>
+          <a:xfrm>
+            <a:off x="619762" y="1534162"/>
+            <a:ext cx="10891519" cy="0"/>
+          </a:xfrm>
+          <a:prstGeom prst="straightConnector1">
+            <a:avLst/>
+          </a:prstGeom>
+          <a:noFill/>
+          <a:ln w="19046" cap="flat">
+            <a:solidFill>
+              <a:srgbClr val="FFFFFF"/>
+            </a:solidFill>
+            <a:prstDash val="solid"/>
+            <a:miter/>
+          </a:ln>
+        </p:spPr>
+      </p:cxnSp>
+      <p:sp>
+        <p:nvSpPr>
+          <p:cNvPr id="15" name="TextBox 14">
+            <a:extLst>
+              <a:ext uri="{FF2B5EF4-FFF2-40B4-BE49-F238E27FC236}">
+                <a16:creationId xmlns:a16="http://schemas.microsoft.com/office/drawing/2014/main" id="{A182CD01-9441-41E9-AC14-F1BA2F20709B}"/>
+              </a:ext>
+            </a:extLst>
+          </p:cNvPr>
+          <p:cNvSpPr txBox="1"/>
+          <p:nvPr/>
+        </p:nvSpPr>
+        <p:spPr>
+          <a:xfrm>
+            <a:off x="653143" y="2196941"/>
+            <a:ext cx="10891518" cy="3693319"/>
+          </a:xfrm>
+          <a:prstGeom prst="rect">
+            <a:avLst/>
+          </a:prstGeom>
+          <a:noFill/>
+        </p:spPr>
+        <p:txBody>
+          <a:bodyPr wrap="square" rtlCol="0">
+            <a:spAutoFit/>
+          </a:bodyPr>
+          <a:lstStyle/>
+          <a:p>
+            <a:r>
+              <a:rPr lang="en-US" sz="2400" b="1" dirty="0">
+                <a:solidFill>
+                  <a:schemeClr val="bg1"/>
+                </a:solidFill>
+              </a:rPr>
+              <a:t>Restrict the number of POD instance to 1 in a node</a:t>
+            </a:r>
+          </a:p>
+          <a:p>
+            <a:endParaRPr lang="en-US" sz="2200" b="1" dirty="0">
+              <a:solidFill>
+                <a:schemeClr val="bg1"/>
+              </a:solidFill>
+            </a:endParaRPr>
+          </a:p>
+          <a:p>
+            <a:endParaRPr lang="en-US" sz="2200" b="1" dirty="0">
+              <a:solidFill>
+                <a:schemeClr val="bg1"/>
+              </a:solidFill>
+            </a:endParaRPr>
+          </a:p>
+          <a:p>
+            <a:r>
+              <a:rPr lang="en-US" sz="2400" b="1" dirty="0">
+                <a:solidFill>
+                  <a:schemeClr val="bg1"/>
+                </a:solidFill>
+              </a:rPr>
+              <a:t>POD instance should run on all nodes</a:t>
+            </a:r>
+          </a:p>
+          <a:p>
+            <a:endParaRPr lang="en-US" sz="2400" b="1" dirty="0">
+              <a:solidFill>
+                <a:schemeClr val="bg1"/>
+              </a:solidFill>
+            </a:endParaRPr>
+          </a:p>
+          <a:p>
+            <a:r>
+              <a:rPr lang="en-US" sz="2400" b="1" dirty="0">
+                <a:solidFill>
+                  <a:schemeClr val="bg1"/>
+                </a:solidFill>
+              </a:rPr>
+              <a:t>When new nodes are added to cluster, </a:t>
+            </a:r>
+            <a:r>
+              <a:rPr lang="en-US" sz="2400" b="1" dirty="0" err="1">
+                <a:solidFill>
+                  <a:schemeClr val="bg1"/>
+                </a:solidFill>
+              </a:rPr>
+              <a:t>Daemonset</a:t>
+            </a:r>
+            <a:r>
+              <a:rPr lang="en-US" sz="2400" b="1" dirty="0">
+                <a:solidFill>
+                  <a:schemeClr val="bg1"/>
+                </a:solidFill>
+              </a:rPr>
+              <a:t> ensure PODs are created on those nodes also</a:t>
+            </a:r>
+          </a:p>
+          <a:p>
+            <a:endParaRPr lang="en-US" sz="2400" b="1" dirty="0">
+              <a:solidFill>
+                <a:schemeClr val="bg1"/>
+              </a:solidFill>
+            </a:endParaRPr>
+          </a:p>
+          <a:p>
+            <a:r>
+              <a:rPr lang="en-US" sz="2400" b="1" dirty="0">
+                <a:solidFill>
+                  <a:schemeClr val="bg1"/>
+                </a:solidFill>
+              </a:rPr>
+              <a:t>For Exp:-  Monitoring</a:t>
+            </a:r>
+            <a:endParaRPr lang="en-US" sz="2200" b="1" dirty="0">
+              <a:solidFill>
+                <a:schemeClr val="bg1"/>
+              </a:solidFill>
+            </a:endParaRPr>
+          </a:p>
+          <a:p>
+            <a:pPr lvl="1"/>
+            <a:endParaRPr lang="en-US" sz="2200" b="1" dirty="0">
+              <a:solidFill>
+                <a:schemeClr val="bg1"/>
+              </a:solidFill>
+            </a:endParaRPr>
+          </a:p>
+        </p:txBody>
+      </p:sp>
+    </p:spTree>
+    <p:extLst>
+      <p:ext uri="{BB962C8B-B14F-4D97-AF65-F5344CB8AC3E}">
+        <p14:creationId xmlns:p14="http://schemas.microsoft.com/office/powerpoint/2010/main" val="3089700426"/>
+      </p:ext>
+    </p:extLst>
+  </p:cSld>
+  <p:clrMapOvr>
+    <a:masterClrMapping/>
+  </p:clrMapOvr>
+</p:sld>
+</file>
+
+<file path=ppt/slides/slide45.xml><?xml version="1.0" encoding="utf-8"?>
+<p:sld xmlns:a="http://schemas.openxmlformats.org/drawingml/2006/main" xmlns:r="http://schemas.openxmlformats.org/officeDocument/2006/relationships" xmlns:p="http://schemas.openxmlformats.org/presentationml/2006/main">
+  <p:cSld>
+    <p:spTree>
+      <p:nvGrpSpPr>
+        <p:cNvPr id="1" name=""/>
+        <p:cNvGrpSpPr/>
+        <p:nvPr/>
+      </p:nvGrpSpPr>
+      <p:grpSpPr>
+        <a:xfrm>
+          <a:off x="0" y="0"/>
+          <a:ext cx="0" cy="0"/>
+          <a:chOff x="0" y="0"/>
+          <a:chExt cx="0" cy="0"/>
+        </a:xfrm>
+      </p:grpSpPr>
+      <p:sp>
+        <p:nvSpPr>
+          <p:cNvPr id="2" name="Title 4">
+            <a:extLst>
+              <a:ext uri="{FF2B5EF4-FFF2-40B4-BE49-F238E27FC236}">
+                <a16:creationId xmlns:a16="http://schemas.microsoft.com/office/drawing/2014/main" id="{D4AE60AA-E70A-43F9-9BE3-359F15DB0A1E}"/>
+              </a:ext>
+            </a:extLst>
+          </p:cNvPr>
+          <p:cNvSpPr txBox="1">
+            <a:spLocks noGrp="1"/>
+          </p:cNvSpPr>
+          <p:nvPr>
+            <p:ph type="title"/>
+          </p:nvPr>
+        </p:nvSpPr>
+        <p:spPr>
+          <a:xfrm>
+            <a:off x="521208" y="691899"/>
+            <a:ext cx="6876288" cy="640080"/>
+          </a:xfrm>
+        </p:spPr>
+        <p:txBody>
+          <a:bodyPr/>
+          <a:lstStyle/>
+          <a:p>
+            <a:pPr lvl="0"/>
+            <a:r>
+              <a:rPr lang="en-US" sz="3600" dirty="0" err="1">
+                <a:solidFill>
+                  <a:srgbClr val="FFFFFF"/>
+                </a:solidFill>
+              </a:rPr>
+              <a:t>DaemonSet</a:t>
+            </a:r>
+            <a:endParaRPr lang="en-IN" sz="3600" dirty="0">
+              <a:solidFill>
+                <a:srgbClr val="FFFFFF"/>
+              </a:solidFill>
+            </a:endParaRPr>
+          </a:p>
+        </p:txBody>
+      </p:sp>
+      <p:cxnSp>
+        <p:nvCxnSpPr>
+          <p:cNvPr id="13" name="Straight Connector 25">
+            <a:extLst>
+              <a:ext uri="{FF2B5EF4-FFF2-40B4-BE49-F238E27FC236}">
+                <a16:creationId xmlns:a16="http://schemas.microsoft.com/office/drawing/2014/main" id="{97BCE729-6A8B-46DC-B5AC-3926C434F3DE}"/>
+              </a:ext>
+            </a:extLst>
+          </p:cNvPr>
+          <p:cNvCxnSpPr/>
+          <p:nvPr/>
+        </p:nvCxnSpPr>
+        <p:spPr>
+          <a:xfrm>
+            <a:off x="619762" y="1534162"/>
+            <a:ext cx="10891519" cy="0"/>
+          </a:xfrm>
+          <a:prstGeom prst="straightConnector1">
+            <a:avLst/>
+          </a:prstGeom>
+          <a:noFill/>
+          <a:ln w="19046" cap="flat">
+            <a:solidFill>
+              <a:srgbClr val="FFFFFF"/>
+            </a:solidFill>
+            <a:prstDash val="solid"/>
+            <a:miter/>
+          </a:ln>
+        </p:spPr>
+      </p:cxnSp>
+      <p:pic>
+        <p:nvPicPr>
+          <p:cNvPr id="7" name="Picture 6">
+            <a:extLst>
+              <a:ext uri="{FF2B5EF4-FFF2-40B4-BE49-F238E27FC236}">
+                <a16:creationId xmlns:a16="http://schemas.microsoft.com/office/drawing/2014/main" id="{9A25188A-5CA9-40A4-8E51-9F4CEE6E5291}"/>
+              </a:ext>
+            </a:extLst>
+          </p:cNvPr>
+          <p:cNvPicPr>
+            <a:picLocks noChangeAspect="1"/>
+          </p:cNvPicPr>
+          <p:nvPr/>
+        </p:nvPicPr>
+        <p:blipFill>
+          <a:blip r:embed="rId3"/>
+          <a:stretch>
+            <a:fillRect/>
+          </a:stretch>
+        </p:blipFill>
+        <p:spPr>
+          <a:xfrm>
+            <a:off x="1080408" y="2320959"/>
+            <a:ext cx="4204112" cy="3158532"/>
+          </a:xfrm>
+          <a:prstGeom prst="rect">
+            <a:avLst/>
+          </a:prstGeom>
+        </p:spPr>
+      </p:pic>
+      <p:pic>
+        <p:nvPicPr>
+          <p:cNvPr id="5" name="Picture 4">
+            <a:extLst>
+              <a:ext uri="{FF2B5EF4-FFF2-40B4-BE49-F238E27FC236}">
+                <a16:creationId xmlns:a16="http://schemas.microsoft.com/office/drawing/2014/main" id="{0C557595-FF69-4CE2-8F89-BDD4D0B90338}"/>
+              </a:ext>
+            </a:extLst>
+          </p:cNvPr>
+          <p:cNvPicPr>
+            <a:picLocks noChangeAspect="1"/>
+          </p:cNvPicPr>
+          <p:nvPr/>
+        </p:nvPicPr>
+        <p:blipFill>
+          <a:blip r:embed="rId4"/>
+          <a:stretch>
+            <a:fillRect/>
+          </a:stretch>
+        </p:blipFill>
+        <p:spPr>
+          <a:xfrm>
+            <a:off x="6907482" y="2277406"/>
+            <a:ext cx="4204111" cy="3202085"/>
+          </a:xfrm>
+          <a:prstGeom prst="rect">
+            <a:avLst/>
+          </a:prstGeom>
+        </p:spPr>
+      </p:pic>
+    </p:spTree>
+    <p:extLst>
+      <p:ext uri="{BB962C8B-B14F-4D97-AF65-F5344CB8AC3E}">
+        <p14:creationId xmlns:p14="http://schemas.microsoft.com/office/powerpoint/2010/main" val="3019052362"/>
+      </p:ext>
+    </p:extLst>
+  </p:cSld>
+  <p:clrMapOvr>
+    <a:masterClrMapping/>
+  </p:clrMapOvr>
+</p:sld>
+</file>
+
+<file path=ppt/slides/slide46.xml><?xml version="1.0" encoding="utf-8"?>
+<p:sld xmlns:a="http://schemas.openxmlformats.org/drawingml/2006/main" xmlns:r="http://schemas.openxmlformats.org/officeDocument/2006/relationships" xmlns:p="http://schemas.openxmlformats.org/presentationml/2006/main">
+  <p:cSld>
+    <p:spTree>
+      <p:nvGrpSpPr>
+        <p:cNvPr id="1" name=""/>
+        <p:cNvGrpSpPr/>
+        <p:nvPr/>
+      </p:nvGrpSpPr>
+      <p:grpSpPr>
+        <a:xfrm>
+          <a:off x="0" y="0"/>
+          <a:ext cx="0" cy="0"/>
+          <a:chOff x="0" y="0"/>
+          <a:chExt cx="0" cy="0"/>
+        </a:xfrm>
+      </p:grpSpPr>
+      <p:sp>
+        <p:nvSpPr>
+          <p:cNvPr id="2" name="Title 4">
+            <a:extLst>
+              <a:ext uri="{FF2B5EF4-FFF2-40B4-BE49-F238E27FC236}">
+                <a16:creationId xmlns:a16="http://schemas.microsoft.com/office/drawing/2014/main" id="{D4AE60AA-E70A-43F9-9BE3-359F15DB0A1E}"/>
+              </a:ext>
+            </a:extLst>
+          </p:cNvPr>
+          <p:cNvSpPr txBox="1">
+            <a:spLocks noGrp="1"/>
+          </p:cNvSpPr>
+          <p:nvPr>
+            <p:ph type="title"/>
+          </p:nvPr>
+        </p:nvSpPr>
+        <p:spPr>
+          <a:xfrm>
+            <a:off x="521208" y="691899"/>
+            <a:ext cx="6876288" cy="640080"/>
+          </a:xfrm>
+        </p:spPr>
+        <p:txBody>
+          <a:bodyPr/>
+          <a:lstStyle/>
+          <a:p>
+            <a:pPr lvl="0"/>
+            <a:r>
+              <a:rPr lang="en-US" sz="3600" dirty="0" err="1">
+                <a:solidFill>
+                  <a:srgbClr val="FFFFFF"/>
+                </a:solidFill>
+              </a:rPr>
+              <a:t>DaemonSet</a:t>
+            </a:r>
+            <a:endParaRPr lang="en-IN" sz="3600" dirty="0">
+              <a:solidFill>
+                <a:srgbClr val="FFFFFF"/>
+              </a:solidFill>
+            </a:endParaRPr>
+          </a:p>
+        </p:txBody>
+      </p:sp>
+      <p:cxnSp>
+        <p:nvCxnSpPr>
+          <p:cNvPr id="13" name="Straight Connector 25">
+            <a:extLst>
+              <a:ext uri="{FF2B5EF4-FFF2-40B4-BE49-F238E27FC236}">
+                <a16:creationId xmlns:a16="http://schemas.microsoft.com/office/drawing/2014/main" id="{97BCE729-6A8B-46DC-B5AC-3926C434F3DE}"/>
+              </a:ext>
+            </a:extLst>
+          </p:cNvPr>
+          <p:cNvCxnSpPr/>
+          <p:nvPr/>
+        </p:nvCxnSpPr>
+        <p:spPr>
+          <a:xfrm>
+            <a:off x="619762" y="1534162"/>
+            <a:ext cx="10891519" cy="0"/>
+          </a:xfrm>
+          <a:prstGeom prst="straightConnector1">
+            <a:avLst/>
+          </a:prstGeom>
+          <a:noFill/>
+          <a:ln w="19046" cap="flat">
+            <a:solidFill>
+              <a:srgbClr val="FFFFFF"/>
+            </a:solidFill>
+            <a:prstDash val="solid"/>
+            <a:miter/>
+          </a:ln>
+        </p:spPr>
+      </p:cxnSp>
+      <p:pic>
+        <p:nvPicPr>
+          <p:cNvPr id="3" name="Picture 2">
+            <a:extLst>
+              <a:ext uri="{FF2B5EF4-FFF2-40B4-BE49-F238E27FC236}">
+                <a16:creationId xmlns:a16="http://schemas.microsoft.com/office/drawing/2014/main" id="{9DBD7F0E-CF4B-494E-A98E-F51D12057D8A}"/>
+              </a:ext>
+            </a:extLst>
+          </p:cNvPr>
+          <p:cNvPicPr>
+            <a:picLocks noChangeAspect="1"/>
+          </p:cNvPicPr>
+          <p:nvPr/>
+        </p:nvPicPr>
+        <p:blipFill>
+          <a:blip r:embed="rId3"/>
+          <a:stretch>
+            <a:fillRect/>
+          </a:stretch>
+        </p:blipFill>
+        <p:spPr>
+          <a:xfrm>
+            <a:off x="631637" y="1976537"/>
+            <a:ext cx="7038665" cy="3882759"/>
+          </a:xfrm>
+          <a:prstGeom prst="rect">
+            <a:avLst/>
+          </a:prstGeom>
+        </p:spPr>
+      </p:pic>
+      <p:sp>
+        <p:nvSpPr>
+          <p:cNvPr id="6" name="TextBox 5">
+            <a:extLst>
+              <a:ext uri="{FF2B5EF4-FFF2-40B4-BE49-F238E27FC236}">
+                <a16:creationId xmlns:a16="http://schemas.microsoft.com/office/drawing/2014/main" id="{B1D827E4-09E4-49A2-B00D-2B49E52ED63C}"/>
+              </a:ext>
+            </a:extLst>
+          </p:cNvPr>
+          <p:cNvSpPr txBox="1"/>
+          <p:nvPr/>
+        </p:nvSpPr>
+        <p:spPr>
+          <a:xfrm>
+            <a:off x="8127632" y="3461453"/>
+            <a:ext cx="3225180" cy="457404"/>
+          </a:xfrm>
+          <a:prstGeom prst="rect">
+            <a:avLst/>
+          </a:prstGeom>
+          <a:noFill/>
+        </p:spPr>
+        <p:txBody>
+          <a:bodyPr wrap="square" rtlCol="0">
+            <a:spAutoFit/>
+          </a:bodyPr>
+          <a:lstStyle/>
+          <a:p>
+            <a:r>
+              <a:rPr lang="en-US" sz="2400" b="1" dirty="0" err="1">
+                <a:solidFill>
+                  <a:schemeClr val="bg1"/>
+                </a:solidFill>
+              </a:rPr>
+              <a:t>kubectl</a:t>
+            </a:r>
+            <a:r>
+              <a:rPr lang="en-US" sz="2400" b="1" dirty="0">
+                <a:solidFill>
+                  <a:schemeClr val="bg1"/>
+                </a:solidFill>
+              </a:rPr>
+              <a:t> get  ds -o wide</a:t>
+            </a:r>
+          </a:p>
+        </p:txBody>
+      </p:sp>
+    </p:spTree>
+    <p:extLst>
+      <p:ext uri="{BB962C8B-B14F-4D97-AF65-F5344CB8AC3E}">
+        <p14:creationId xmlns:p14="http://schemas.microsoft.com/office/powerpoint/2010/main" val="4179436669"/>
+      </p:ext>
+    </p:extLst>
+  </p:cSld>
+  <p:clrMapOvr>
+    <a:masterClrMapping/>
+  </p:clrMapOvr>
+</p:sld>
+</file>
+
+<file path=ppt/slides/slide47.xml><?xml version="1.0" encoding="utf-8"?>
+<p:sld xmlns:a="http://schemas.openxmlformats.org/drawingml/2006/main" xmlns:r="http://schemas.openxmlformats.org/officeDocument/2006/relationships" xmlns:p="http://schemas.openxmlformats.org/presentationml/2006/main">
+  <p:cSld>
+    <p:spTree>
+      <p:nvGrpSpPr>
+        <p:cNvPr id="1" name=""/>
+        <p:cNvGrpSpPr/>
+        <p:nvPr/>
+      </p:nvGrpSpPr>
+      <p:grpSpPr>
+        <a:xfrm>
+          <a:off x="0" y="0"/>
+          <a:ext cx="0" cy="0"/>
+          <a:chOff x="0" y="0"/>
+          <a:chExt cx="0" cy="0"/>
+        </a:xfrm>
+      </p:grpSpPr>
+      <p:sp>
+        <p:nvSpPr>
+          <p:cNvPr id="2" name="Title 4">
+            <a:extLst>
+              <a:ext uri="{FF2B5EF4-FFF2-40B4-BE49-F238E27FC236}">
+                <a16:creationId xmlns:a16="http://schemas.microsoft.com/office/drawing/2014/main" id="{D4AE60AA-E70A-43F9-9BE3-359F15DB0A1E}"/>
+              </a:ext>
+            </a:extLst>
+          </p:cNvPr>
+          <p:cNvSpPr txBox="1">
+            <a:spLocks noGrp="1"/>
+          </p:cNvSpPr>
+          <p:nvPr>
+            <p:ph type="title"/>
+          </p:nvPr>
+        </p:nvSpPr>
+        <p:spPr>
+          <a:xfrm>
+            <a:off x="521208" y="691899"/>
+            <a:ext cx="6876288" cy="640080"/>
+          </a:xfrm>
+        </p:spPr>
+        <p:txBody>
+          <a:bodyPr/>
+          <a:lstStyle/>
+          <a:p>
+            <a:pPr lvl="0"/>
+            <a:r>
+              <a:rPr lang="en-US" sz="3600" dirty="0" err="1">
+                <a:solidFill>
+                  <a:srgbClr val="FFFFFF"/>
+                </a:solidFill>
+              </a:rPr>
+              <a:t>DaemonSet</a:t>
+            </a:r>
+            <a:r>
+              <a:rPr lang="en-US" sz="3600" dirty="0">
+                <a:solidFill>
+                  <a:srgbClr val="FFFFFF"/>
+                </a:solidFill>
+              </a:rPr>
+              <a:t> - Node Affinity</a:t>
+            </a:r>
+            <a:endParaRPr lang="en-IN" sz="3600" dirty="0">
+              <a:solidFill>
+                <a:srgbClr val="FFFFFF"/>
+              </a:solidFill>
+            </a:endParaRPr>
+          </a:p>
+        </p:txBody>
+      </p:sp>
+      <p:cxnSp>
+        <p:nvCxnSpPr>
+          <p:cNvPr id="13" name="Straight Connector 25">
+            <a:extLst>
+              <a:ext uri="{FF2B5EF4-FFF2-40B4-BE49-F238E27FC236}">
+                <a16:creationId xmlns:a16="http://schemas.microsoft.com/office/drawing/2014/main" id="{97BCE729-6A8B-46DC-B5AC-3926C434F3DE}"/>
+              </a:ext>
+            </a:extLst>
+          </p:cNvPr>
+          <p:cNvCxnSpPr/>
+          <p:nvPr/>
+        </p:nvCxnSpPr>
+        <p:spPr>
+          <a:xfrm>
+            <a:off x="619762" y="1534162"/>
+            <a:ext cx="10891519" cy="0"/>
+          </a:xfrm>
+          <a:prstGeom prst="straightConnector1">
+            <a:avLst/>
+          </a:prstGeom>
+          <a:noFill/>
+          <a:ln w="19046" cap="flat">
+            <a:solidFill>
+              <a:srgbClr val="FFFFFF"/>
+            </a:solidFill>
+            <a:prstDash val="solid"/>
+            <a:miter/>
+          </a:ln>
+        </p:spPr>
+      </p:cxnSp>
+      <p:pic>
+        <p:nvPicPr>
+          <p:cNvPr id="4" name="Picture 3">
+            <a:extLst>
+              <a:ext uri="{FF2B5EF4-FFF2-40B4-BE49-F238E27FC236}">
+                <a16:creationId xmlns:a16="http://schemas.microsoft.com/office/drawing/2014/main" id="{F9190C97-CB35-4755-879D-2D5E74785F99}"/>
+              </a:ext>
+            </a:extLst>
+          </p:cNvPr>
+          <p:cNvPicPr>
+            <a:picLocks noChangeAspect="1"/>
+          </p:cNvPicPr>
+          <p:nvPr/>
+        </p:nvPicPr>
+        <p:blipFill>
+          <a:blip r:embed="rId3"/>
+          <a:stretch>
+            <a:fillRect/>
+          </a:stretch>
+        </p:blipFill>
+        <p:spPr>
+          <a:xfrm>
+            <a:off x="3343010" y="2575770"/>
+            <a:ext cx="4581525" cy="2276475"/>
+          </a:xfrm>
+          <a:prstGeom prst="rect">
+            <a:avLst/>
+          </a:prstGeom>
+        </p:spPr>
+      </p:pic>
+      <p:pic>
+        <p:nvPicPr>
+          <p:cNvPr id="8" name="Picture 7">
+            <a:extLst>
+              <a:ext uri="{FF2B5EF4-FFF2-40B4-BE49-F238E27FC236}">
+                <a16:creationId xmlns:a16="http://schemas.microsoft.com/office/drawing/2014/main" id="{7C2A3A7A-1A63-4A56-9643-D9E2DF421C1B}"/>
+              </a:ext>
+            </a:extLst>
+          </p:cNvPr>
+          <p:cNvPicPr>
+            <a:picLocks noChangeAspect="1"/>
+          </p:cNvPicPr>
+          <p:nvPr/>
+        </p:nvPicPr>
+        <p:blipFill>
+          <a:blip r:embed="rId4"/>
+          <a:stretch>
+            <a:fillRect/>
+          </a:stretch>
+        </p:blipFill>
+        <p:spPr>
+          <a:xfrm>
+            <a:off x="3409684" y="2651970"/>
+            <a:ext cx="4448175" cy="2200275"/>
+          </a:xfrm>
+          <a:prstGeom prst="rect">
+            <a:avLst/>
+          </a:prstGeom>
+        </p:spPr>
+      </p:pic>
+    </p:spTree>
+    <p:extLst>
+      <p:ext uri="{BB962C8B-B14F-4D97-AF65-F5344CB8AC3E}">
+        <p14:creationId xmlns:p14="http://schemas.microsoft.com/office/powerpoint/2010/main" val="117574052"/>
+      </p:ext>
+    </p:extLst>
+  </p:cSld>
+  <p:clrMapOvr>
+    <a:masterClrMapping/>
+  </p:clrMapOvr>
+  <p:timing>
+    <p:tnLst>
+      <p:par>
+        <p:cTn id="1" dur="indefinite" restart="never" nodeType="tmRoot">
+          <p:childTnLst>
+            <p:seq concurrent="1" nextAc="seek">
+              <p:cTn id="2" dur="indefinite" nodeType="mainSeq">
+                <p:childTnLst>
+                  <p:par>
+                    <p:cTn id="3" fill="hold">
+                      <p:stCondLst>
+                        <p:cond delay="indefinite"/>
+                      </p:stCondLst>
+                      <p:childTnLst>
+                        <p:par>
+                          <p:cTn id="4" fill="hold">
+                            <p:stCondLst>
+                              <p:cond delay="0"/>
+                            </p:stCondLst>
+                            <p:childTnLst>
+                              <p:par>
+                                <p:cTn id="5" presetID="1" presetClass="entr" presetSubtype="0" fill="hold" nodeType="clickEffect">
+                                  <p:stCondLst>
+                                    <p:cond delay="0"/>
+                                  </p:stCondLst>
+                                  <p:childTnLst>
+                                    <p:set>
+                                      <p:cBhvr>
+                                        <p:cTn id="6" dur="1" fill="hold">
+                                          <p:stCondLst>
+                                            <p:cond delay="0"/>
+                                          </p:stCondLst>
+                                        </p:cTn>
+                                        <p:tgtEl>
+                                          <p:spTgt spid="4"/>
+                                        </p:tgtEl>
+                                        <p:attrNameLst>
+                                          <p:attrName>style.visibility</p:attrName>
+                                        </p:attrNameLst>
+                                      </p:cBhvr>
+                                      <p:to>
+                                        <p:strVal val="visible"/>
+                                      </p:to>
+                                    </p:set>
+                                  </p:childTnLst>
+                                </p:cTn>
+                              </p:par>
+                            </p:childTnLst>
+                          </p:cTn>
+                        </p:par>
+                      </p:childTnLst>
+                    </p:cTn>
+                  </p:par>
+                  <p:par>
+                    <p:cTn id="7" fill="hold">
+                      <p:stCondLst>
+                        <p:cond delay="indefinite"/>
+                      </p:stCondLst>
+                      <p:childTnLst>
+                        <p:par>
+                          <p:cTn id="8" fill="hold">
+                            <p:stCondLst>
+                              <p:cond delay="0"/>
+                            </p:stCondLst>
+                            <p:childTnLst>
+                              <p:par>
+                                <p:cTn id="9" presetID="1" presetClass="entr" presetSubtype="0" fill="hold" nodeType="clickEffect">
+                                  <p:stCondLst>
+                                    <p:cond delay="0"/>
+                                  </p:stCondLst>
+                                  <p:childTnLst>
+                                    <p:set>
+                                      <p:cBhvr>
+                                        <p:cTn id="10" dur="1" fill="hold">
+                                          <p:stCondLst>
+                                            <p:cond delay="0"/>
+                                          </p:stCondLst>
+                                        </p:cTn>
+                                        <p:tgtEl>
+                                          <p:spTgt spid="8"/>
+                                        </p:tgtEl>
+                                        <p:attrNameLst>
+                                          <p:attrName>style.visibility</p:attrName>
+                                        </p:attrNameLst>
+                                      </p:cBhvr>
+                                      <p:to>
+                                        <p:strVal val="visible"/>
+                                      </p:to>
+                                    </p:set>
+                                  </p:childTnLst>
+                                </p:cTn>
+                              </p:par>
+                            </p:childTnLst>
+                          </p:cTn>
+                        </p:par>
+                      </p:childTnLst>
+                    </p:cTn>
+                  </p:par>
+                </p:childTnLst>
+              </p:cTn>
+              <p:prevCondLst>
+                <p:cond evt="onPrev" delay="0">
+                  <p:tgtEl>
+                    <p:sldTgt/>
+                  </p:tgtEl>
+                </p:cond>
+              </p:prevCondLst>
+              <p:nextCondLst>
+                <p:cond evt="onNext" delay="0">
+                  <p:tgtEl>
+                    <p:sldTgt/>
+                  </p:tgtEl>
+                </p:cond>
+              </p:nextCondLst>
+            </p:seq>
+          </p:childTnLst>
+        </p:cTn>
+      </p:par>
+    </p:tnLst>
+  </p:timing>
+</p:sld>
+</file>
+
+<file path=ppt/slides/slide48.xml><?xml version="1.0" encoding="utf-8"?>
+<p:sld xmlns:a="http://schemas.openxmlformats.org/drawingml/2006/main" xmlns:r="http://schemas.openxmlformats.org/officeDocument/2006/relationships" xmlns:p="http://schemas.openxmlformats.org/presentationml/2006/main">
+  <p:cSld>
+    <p:spTree>
+      <p:nvGrpSpPr>
+        <p:cNvPr id="1" name=""/>
+        <p:cNvGrpSpPr/>
+        <p:nvPr/>
+      </p:nvGrpSpPr>
+      <p:grpSpPr>
+        <a:xfrm>
+          <a:off x="0" y="0"/>
+          <a:ext cx="0" cy="0"/>
+          <a:chOff x="0" y="0"/>
+          <a:chExt cx="0" cy="0"/>
+        </a:xfrm>
+      </p:grpSpPr>
+      <p:sp>
+        <p:nvSpPr>
+          <p:cNvPr id="2" name="Title 4">
+            <a:extLst>
+              <a:ext uri="{FF2B5EF4-FFF2-40B4-BE49-F238E27FC236}">
+                <a16:creationId xmlns:a16="http://schemas.microsoft.com/office/drawing/2014/main" id="{D4AE60AA-E70A-43F9-9BE3-359F15DB0A1E}"/>
+              </a:ext>
+            </a:extLst>
+          </p:cNvPr>
+          <p:cNvSpPr txBox="1">
+            <a:spLocks noGrp="1"/>
+          </p:cNvSpPr>
+          <p:nvPr>
+            <p:ph type="title"/>
+          </p:nvPr>
+        </p:nvSpPr>
+        <p:spPr>
+          <a:xfrm>
+            <a:off x="521208" y="691899"/>
+            <a:ext cx="6876288" cy="640080"/>
+          </a:xfrm>
+        </p:spPr>
+        <p:txBody>
+          <a:bodyPr/>
+          <a:lstStyle/>
+          <a:p>
+            <a:pPr lvl="0"/>
+            <a:r>
+              <a:rPr lang="en-US" sz="3600" dirty="0" err="1">
+                <a:solidFill>
+                  <a:srgbClr val="FFFFFF"/>
+                </a:solidFill>
+              </a:rPr>
+              <a:t>DaemonSet</a:t>
+            </a:r>
+            <a:r>
+              <a:rPr lang="en-US" sz="3600" dirty="0">
+                <a:solidFill>
+                  <a:srgbClr val="FFFFFF"/>
+                </a:solidFill>
+              </a:rPr>
+              <a:t> - Node Affinity</a:t>
+            </a:r>
+            <a:endParaRPr lang="en-IN" sz="3600" dirty="0">
+              <a:solidFill>
+                <a:srgbClr val="FFFFFF"/>
+              </a:solidFill>
+            </a:endParaRPr>
+          </a:p>
+        </p:txBody>
+      </p:sp>
+      <p:cxnSp>
+        <p:nvCxnSpPr>
+          <p:cNvPr id="13" name="Straight Connector 25">
+            <a:extLst>
+              <a:ext uri="{FF2B5EF4-FFF2-40B4-BE49-F238E27FC236}">
+                <a16:creationId xmlns:a16="http://schemas.microsoft.com/office/drawing/2014/main" id="{97BCE729-6A8B-46DC-B5AC-3926C434F3DE}"/>
+              </a:ext>
+            </a:extLst>
+          </p:cNvPr>
+          <p:cNvCxnSpPr/>
+          <p:nvPr/>
+        </p:nvCxnSpPr>
+        <p:spPr>
+          <a:xfrm>
+            <a:off x="619762" y="1534162"/>
+            <a:ext cx="10891519" cy="0"/>
+          </a:xfrm>
+          <a:prstGeom prst="straightConnector1">
+            <a:avLst/>
+          </a:prstGeom>
+          <a:noFill/>
+          <a:ln w="19046" cap="flat">
+            <a:solidFill>
+              <a:srgbClr val="FFFFFF"/>
+            </a:solidFill>
+            <a:prstDash val="solid"/>
+            <a:miter/>
+          </a:ln>
+        </p:spPr>
+      </p:cxnSp>
+      <p:pic>
+        <p:nvPicPr>
+          <p:cNvPr id="3" name="Picture 2">
+            <a:extLst>
+              <a:ext uri="{FF2B5EF4-FFF2-40B4-BE49-F238E27FC236}">
+                <a16:creationId xmlns:a16="http://schemas.microsoft.com/office/drawing/2014/main" id="{95A5B49D-DF09-4AB2-AEF7-B91FD7632A7C}"/>
+              </a:ext>
+            </a:extLst>
+          </p:cNvPr>
+          <p:cNvPicPr>
+            <a:picLocks noChangeAspect="1"/>
+          </p:cNvPicPr>
+          <p:nvPr/>
+        </p:nvPicPr>
+        <p:blipFill>
+          <a:blip r:embed="rId3"/>
+          <a:stretch>
+            <a:fillRect/>
+          </a:stretch>
+        </p:blipFill>
+        <p:spPr>
+          <a:xfrm>
+            <a:off x="1729822" y="1876104"/>
+            <a:ext cx="2241405" cy="4062901"/>
+          </a:xfrm>
+          <a:prstGeom prst="rect">
+            <a:avLst/>
+          </a:prstGeom>
+        </p:spPr>
+      </p:pic>
+      <p:sp>
+        <p:nvSpPr>
+          <p:cNvPr id="9" name="TextBox 8">
+            <a:extLst>
+              <a:ext uri="{FF2B5EF4-FFF2-40B4-BE49-F238E27FC236}">
+                <a16:creationId xmlns:a16="http://schemas.microsoft.com/office/drawing/2014/main" id="{64F11AEA-BD37-4229-B9B9-E060EC5EAA51}"/>
+              </a:ext>
+            </a:extLst>
+          </p:cNvPr>
+          <p:cNvSpPr txBox="1"/>
+          <p:nvPr/>
+        </p:nvSpPr>
+        <p:spPr>
+          <a:xfrm>
+            <a:off x="5290776" y="3076558"/>
+            <a:ext cx="5539521" cy="830997"/>
+          </a:xfrm>
+          <a:prstGeom prst="rect">
+            <a:avLst/>
+          </a:prstGeom>
+          <a:noFill/>
+        </p:spPr>
+        <p:txBody>
+          <a:bodyPr wrap="square" rtlCol="0">
+            <a:spAutoFit/>
+          </a:bodyPr>
+          <a:lstStyle/>
+          <a:p>
+            <a:r>
+              <a:rPr lang="en-US" sz="2400" b="1" dirty="0">
+                <a:solidFill>
+                  <a:schemeClr val="bg1"/>
+                </a:solidFill>
+              </a:rPr>
+              <a:t>D</a:t>
+            </a:r>
+            <a:r>
+              <a:rPr lang="en-IN" sz="2400" b="1" dirty="0" err="1">
+                <a:solidFill>
+                  <a:schemeClr val="bg1"/>
+                </a:solidFill>
+              </a:rPr>
+              <a:t>aemonset</a:t>
+            </a:r>
+            <a:r>
+              <a:rPr lang="en-IN" sz="2400" b="1" dirty="0">
+                <a:solidFill>
+                  <a:schemeClr val="bg1"/>
+                </a:solidFill>
+              </a:rPr>
+              <a:t> ensure the PODs are deployed only on nodes which matches the label</a:t>
+            </a:r>
+            <a:endParaRPr lang="en-US" sz="2400" b="1" dirty="0">
+              <a:solidFill>
+                <a:schemeClr val="bg1"/>
+              </a:solidFill>
+            </a:endParaRPr>
+          </a:p>
+        </p:txBody>
+      </p:sp>
+    </p:spTree>
+    <p:extLst>
+      <p:ext uri="{BB962C8B-B14F-4D97-AF65-F5344CB8AC3E}">
+        <p14:creationId xmlns:p14="http://schemas.microsoft.com/office/powerpoint/2010/main" val="1165275103"/>
+      </p:ext>
+    </p:extLst>
+  </p:cSld>
+  <p:clrMapOvr>
+    <a:masterClrMapping/>
+  </p:clrMapOvr>
+</p:sld>
+</file>
+
+<file path=ppt/slides/slide49.xml><?xml version="1.0" encoding="utf-8"?>
+<p:sld xmlns:a="http://schemas.openxmlformats.org/drawingml/2006/main" xmlns:r="http://schemas.openxmlformats.org/officeDocument/2006/relationships" xmlns:p="http://schemas.openxmlformats.org/presentationml/2006/main">
+  <p:cSld>
+    <p:spTree>
+      <p:nvGrpSpPr>
+        <p:cNvPr id="1" name=""/>
+        <p:cNvGrpSpPr/>
+        <p:nvPr/>
+      </p:nvGrpSpPr>
+      <p:grpSpPr>
+        <a:xfrm>
+          <a:off x="0" y="0"/>
+          <a:ext cx="0" cy="0"/>
+          <a:chOff x="0" y="0"/>
+          <a:chExt cx="0" cy="0"/>
+        </a:xfrm>
+      </p:grpSpPr>
+      <p:sp>
+        <p:nvSpPr>
+          <p:cNvPr id="2" name="Title 4">
+            <a:extLst>
+              <a:ext uri="{FF2B5EF4-FFF2-40B4-BE49-F238E27FC236}">
+                <a16:creationId xmlns:a16="http://schemas.microsoft.com/office/drawing/2014/main" id="{E95B6AA9-38D9-4A79-977A-C0804F552444}"/>
+              </a:ext>
+            </a:extLst>
+          </p:cNvPr>
+          <p:cNvSpPr txBox="1">
+            <a:spLocks noGrp="1"/>
+          </p:cNvSpPr>
+          <p:nvPr>
+            <p:ph type="title"/>
+          </p:nvPr>
+        </p:nvSpPr>
+        <p:spPr>
+          <a:xfrm>
+            <a:off x="521208" y="691899"/>
+            <a:ext cx="6876288" cy="640080"/>
+          </a:xfrm>
+        </p:spPr>
+        <p:txBody>
+          <a:bodyPr/>
+          <a:lstStyle/>
+          <a:p>
+            <a:pPr lvl="0"/>
+            <a:r>
+              <a:rPr lang="en-US" sz="3600" dirty="0">
+                <a:solidFill>
+                  <a:srgbClr val="FFFFFF"/>
+                </a:solidFill>
+              </a:rPr>
+              <a:t>Volumes in Docker</a:t>
+            </a:r>
+            <a:endParaRPr lang="en-IN" sz="3600" dirty="0">
+              <a:solidFill>
+                <a:srgbClr val="FFFFFF"/>
+              </a:solidFill>
+            </a:endParaRPr>
+          </a:p>
+        </p:txBody>
+      </p:sp>
+      <p:cxnSp>
+        <p:nvCxnSpPr>
+          <p:cNvPr id="3" name="Straight Connector 9">
+            <a:extLst>
+              <a:ext uri="{FF2B5EF4-FFF2-40B4-BE49-F238E27FC236}">
+                <a16:creationId xmlns:a16="http://schemas.microsoft.com/office/drawing/2014/main" id="{7BB9670B-64B0-402A-A6CD-5F6B87AB1F5F}"/>
+              </a:ext>
+            </a:extLst>
+          </p:cNvPr>
+          <p:cNvCxnSpPr/>
+          <p:nvPr/>
+        </p:nvCxnSpPr>
+        <p:spPr>
+          <a:xfrm>
+            <a:off x="619762" y="1534162"/>
+            <a:ext cx="10891519" cy="0"/>
+          </a:xfrm>
+          <a:prstGeom prst="straightConnector1">
+            <a:avLst/>
+          </a:prstGeom>
+          <a:noFill/>
+          <a:ln w="19046" cap="flat">
+            <a:solidFill>
+              <a:srgbClr val="FFFFFF"/>
+            </a:solidFill>
+            <a:prstDash val="solid"/>
+            <a:miter/>
+          </a:ln>
+        </p:spPr>
+      </p:cxnSp>
+      <p:sp>
+        <p:nvSpPr>
+          <p:cNvPr id="7" name="TextBox 1">
+            <a:extLst>
+              <a:ext uri="{FF2B5EF4-FFF2-40B4-BE49-F238E27FC236}">
+                <a16:creationId xmlns:a16="http://schemas.microsoft.com/office/drawing/2014/main" id="{39438CE2-041A-443A-B2D2-913ADA057E65}"/>
+              </a:ext>
+            </a:extLst>
+          </p:cNvPr>
+          <p:cNvSpPr txBox="1"/>
+          <p:nvPr/>
+        </p:nvSpPr>
+        <p:spPr>
+          <a:xfrm>
+            <a:off x="621660" y="4387623"/>
+            <a:ext cx="3427826" cy="646331"/>
+          </a:xfrm>
+          <a:prstGeom prst="rect">
+            <a:avLst/>
+          </a:prstGeom>
+          <a:noFill/>
+          <a:ln cap="flat">
+            <a:noFill/>
+          </a:ln>
+        </p:spPr>
+        <p:txBody>
+          <a:bodyPr vert="horz" wrap="square" lIns="91440" tIns="45720" rIns="91440" bIns="45720" anchor="t" anchorCtr="0" compatLnSpc="1">
+            <a:spAutoFit/>
+          </a:bodyPr>
+          <a:lstStyle/>
+          <a:p>
+            <a:pPr>
+              <a:defRPr sz="1800" b="0" i="0" u="none" strike="noStrike" kern="0" cap="none" spc="0" baseline="0">
+                <a:solidFill>
+                  <a:srgbClr val="000000"/>
+                </a:solidFill>
+                <a:uFillTx/>
+              </a:defRPr>
+            </a:pPr>
+            <a:r>
+              <a:rPr lang="en-IN" b="1" dirty="0">
+                <a:solidFill>
+                  <a:srgbClr val="FFFFFF"/>
+                </a:solidFill>
+              </a:rPr>
+              <a:t>Bind mounting   </a:t>
+            </a:r>
+          </a:p>
+          <a:p>
+            <a:pPr>
+              <a:defRPr sz="1800" b="0" i="0" u="none" strike="noStrike" kern="0" cap="none" spc="0" baseline="0">
+                <a:solidFill>
+                  <a:srgbClr val="000000"/>
+                </a:solidFill>
+                <a:uFillTx/>
+              </a:defRPr>
+            </a:pPr>
+            <a:r>
+              <a:rPr lang="en-IN" b="1" dirty="0">
+                <a:solidFill>
+                  <a:srgbClr val="FFFFFF"/>
+                </a:solidFill>
+              </a:rPr>
+              <a:t>   - Any location in the host</a:t>
+            </a:r>
+            <a:endParaRPr lang="en-IN" sz="1800" b="0" i="0" u="none" strike="noStrike" kern="1200" cap="none" spc="0" baseline="0" dirty="0">
+              <a:solidFill>
+                <a:srgbClr val="000000"/>
+              </a:solidFill>
+              <a:uFillTx/>
+              <a:latin typeface="Calibri"/>
+            </a:endParaRPr>
+          </a:p>
+        </p:txBody>
+      </p:sp>
+      <p:pic>
+        <p:nvPicPr>
+          <p:cNvPr id="4" name="Picture 3">
+            <a:extLst>
+              <a:ext uri="{FF2B5EF4-FFF2-40B4-BE49-F238E27FC236}">
+                <a16:creationId xmlns:a16="http://schemas.microsoft.com/office/drawing/2014/main" id="{40829994-ABDC-4616-AC01-4CBB95E552E3}"/>
+              </a:ext>
+            </a:extLst>
+          </p:cNvPr>
+          <p:cNvPicPr>
+            <a:picLocks noChangeAspect="1"/>
+          </p:cNvPicPr>
+          <p:nvPr/>
+        </p:nvPicPr>
+        <p:blipFill>
+          <a:blip r:embed="rId3"/>
+          <a:stretch>
+            <a:fillRect/>
+          </a:stretch>
+        </p:blipFill>
+        <p:spPr>
+          <a:xfrm>
+            <a:off x="4262373" y="2101932"/>
+            <a:ext cx="7442657" cy="3633847"/>
+          </a:xfrm>
+          <a:prstGeom prst="rect">
+            <a:avLst/>
+          </a:prstGeom>
+        </p:spPr>
+      </p:pic>
+      <p:sp>
+        <p:nvSpPr>
+          <p:cNvPr id="10" name="TextBox 1">
+            <a:extLst>
+              <a:ext uri="{FF2B5EF4-FFF2-40B4-BE49-F238E27FC236}">
+                <a16:creationId xmlns:a16="http://schemas.microsoft.com/office/drawing/2014/main" id="{B9E12DFD-6753-489B-A1DE-A3788301AB24}"/>
+              </a:ext>
+            </a:extLst>
+          </p:cNvPr>
+          <p:cNvSpPr txBox="1"/>
+          <p:nvPr/>
+        </p:nvSpPr>
+        <p:spPr>
+          <a:xfrm>
+            <a:off x="521208" y="2279012"/>
+            <a:ext cx="3647032" cy="1200329"/>
+          </a:xfrm>
+          <a:prstGeom prst="rect">
+            <a:avLst/>
+          </a:prstGeom>
+          <a:noFill/>
+          <a:ln cap="flat">
+            <a:noFill/>
+          </a:ln>
+        </p:spPr>
+        <p:txBody>
+          <a:bodyPr vert="horz" wrap="square" lIns="91440" tIns="45720" rIns="91440" bIns="45720" anchor="t" anchorCtr="0" compatLnSpc="1">
+            <a:spAutoFit/>
+          </a:bodyPr>
+          <a:lstStyle/>
+          <a:p>
+            <a:pPr>
+              <a:defRPr sz="1800" b="0" i="0" u="none" strike="noStrike" kern="0" cap="none" spc="0" baseline="0">
+                <a:solidFill>
+                  <a:srgbClr val="000000"/>
+                </a:solidFill>
+                <a:uFillTx/>
+              </a:defRPr>
+            </a:pPr>
+            <a:r>
+              <a:rPr lang="en-IN" b="1" dirty="0">
+                <a:solidFill>
+                  <a:srgbClr val="FFFFFF"/>
+                </a:solidFill>
+              </a:rPr>
+              <a:t>  Volume mounting   </a:t>
+            </a:r>
+          </a:p>
+          <a:p>
+            <a:pPr>
+              <a:defRPr sz="1800" b="0" i="0" u="none" strike="noStrike" kern="0" cap="none" spc="0" baseline="0">
+                <a:solidFill>
+                  <a:srgbClr val="000000"/>
+                </a:solidFill>
+                <a:uFillTx/>
+              </a:defRPr>
+            </a:pPr>
+            <a:endParaRPr lang="en-IN" b="1" dirty="0">
+              <a:solidFill>
+                <a:srgbClr val="FFFFFF"/>
+              </a:solidFill>
+            </a:endParaRPr>
+          </a:p>
+          <a:p>
+            <a:pPr>
+              <a:defRPr sz="1800" b="0" i="0" u="none" strike="noStrike" kern="0" cap="none" spc="0" baseline="0">
+                <a:solidFill>
+                  <a:srgbClr val="000000"/>
+                </a:solidFill>
+                <a:uFillTx/>
+              </a:defRPr>
+            </a:pPr>
+            <a:r>
+              <a:rPr lang="en-IN" b="1" dirty="0">
+                <a:solidFill>
+                  <a:srgbClr val="FFFFFF"/>
+                </a:solidFill>
+              </a:rPr>
+              <a:t>  -  docker default volume location</a:t>
+            </a:r>
+          </a:p>
+          <a:p>
+            <a:pPr>
+              <a:defRPr sz="1800" b="0" i="0" u="none" strike="noStrike" kern="0" cap="none" spc="0" baseline="0">
+                <a:solidFill>
+                  <a:srgbClr val="000000"/>
+                </a:solidFill>
+                <a:uFillTx/>
+              </a:defRPr>
+            </a:pPr>
+            <a:r>
+              <a:rPr lang="en-IN" sz="1800" b="1" i="0" u="none" strike="noStrike" kern="1200" cap="none" spc="0" baseline="0" dirty="0">
+                <a:solidFill>
+                  <a:srgbClr val="FFFFFF"/>
+                </a:solidFill>
+                <a:uFillTx/>
+                <a:latin typeface="Calibri"/>
+              </a:rPr>
+              <a:t>     /var/lib/docker/volumes </a:t>
+            </a:r>
+            <a:endParaRPr lang="en-IN" sz="1800" b="0" i="0" u="none" strike="noStrike" kern="1200" cap="none" spc="0" baseline="0" dirty="0">
+              <a:solidFill>
+                <a:srgbClr val="000000"/>
+              </a:solidFill>
+              <a:uFillTx/>
+              <a:latin typeface="Calibri"/>
+            </a:endParaRPr>
+          </a:p>
+        </p:txBody>
+      </p:sp>
+    </p:spTree>
+    <p:extLst>
+      <p:ext uri="{BB962C8B-B14F-4D97-AF65-F5344CB8AC3E}">
+        <p14:creationId xmlns:p14="http://schemas.microsoft.com/office/powerpoint/2010/main" val="3425357657"/>
+      </p:ext>
+    </p:extLst>
+  </p:cSld>
+  <p:clrMapOvr>
+    <a:masterClrMapping/>
+  </p:clrMapOvr>
+  <p:timing>
+    <p:tnLst>
+      <p:par>
+        <p:cTn id="1" dur="indefinite" restart="never" nodeType="tmRoot">
+          <p:childTnLst>
+            <p:seq concurrent="1" nextAc="seek">
+              <p:cTn id="2" dur="indefinite" nodeType="mainSeq">
+                <p:childTnLst>
+                  <p:par>
+                    <p:cTn id="3" fill="hold">
+                      <p:stCondLst>
+                        <p:cond delay="indefinite"/>
+                      </p:stCondLst>
+                      <p:childTnLst>
+                        <p:par>
+                          <p:cTn id="4" fill="hold">
+                            <p:stCondLst>
+                              <p:cond delay="0"/>
+                            </p:stCondLst>
+                            <p:childTnLst>
+                              <p:par>
+                                <p:cTn id="5" presetID="1" presetClass="entr" presetSubtype="0" fill="hold" grpId="0" nodeType="clickEffect">
+                                  <p:stCondLst>
+                                    <p:cond delay="0"/>
+                                  </p:stCondLst>
+                                  <p:childTnLst>
+                                    <p:set>
+                                      <p:cBhvr>
+                                        <p:cTn id="6" dur="1" fill="hold">
+                                          <p:stCondLst>
+                                            <p:cond delay="0"/>
+                                          </p:stCondLst>
+                                        </p:cTn>
+                                        <p:tgtEl>
+                                          <p:spTgt spid="7"/>
+                                        </p:tgtEl>
+                                        <p:attrNameLst>
+                                          <p:attrName>style.visibility</p:attrName>
+                                        </p:attrNameLst>
+                                      </p:cBhvr>
+                                      <p:to>
+                                        <p:strVal val="visible"/>
+                                      </p:to>
+                                    </p:set>
+                                  </p:childTnLst>
+                                </p:cTn>
+                              </p:par>
+                            </p:childTnLst>
+                          </p:cTn>
+                        </p:par>
+                      </p:childTnLst>
+                    </p:cTn>
+                  </p:par>
+                  <p:par>
+                    <p:cTn id="7" fill="hold">
+                      <p:stCondLst>
+                        <p:cond delay="indefinite"/>
+                      </p:stCondLst>
+                      <p:childTnLst>
+                        <p:par>
+                          <p:cTn id="8" fill="hold">
+                            <p:stCondLst>
+                              <p:cond delay="0"/>
+                            </p:stCondLst>
+                            <p:childTnLst>
+                              <p:par>
+                                <p:cTn id="9" presetID="1" presetClass="entr" presetSubtype="0" fill="hold" grpId="0" nodeType="clickEffect">
+                                  <p:stCondLst>
+                                    <p:cond delay="0"/>
+                                  </p:stCondLst>
+                                  <p:childTnLst>
+                                    <p:set>
+                                      <p:cBhvr>
+                                        <p:cTn id="10" dur="1" fill="hold">
+                                          <p:stCondLst>
+                                            <p:cond delay="0"/>
+                                          </p:stCondLst>
+                                        </p:cTn>
+                                        <p:tgtEl>
+                                          <p:spTgt spid="10"/>
+                                        </p:tgtEl>
+                                        <p:attrNameLst>
+                                          <p:attrName>style.visibility</p:attrName>
+                                        </p:attrNameLst>
+                                      </p:cBhvr>
+                                      <p:to>
+                                        <p:strVal val="visible"/>
+                                      </p:to>
+                                    </p:set>
+                                  </p:childTnLst>
+                                </p:cTn>
+                              </p:par>
+                            </p:childTnLst>
+                          </p:cTn>
+                        </p:par>
+                      </p:childTnLst>
+                    </p:cTn>
+                  </p:par>
+                </p:childTnLst>
+              </p:cTn>
+              <p:prevCondLst>
+                <p:cond evt="onPrev" delay="0">
+                  <p:tgtEl>
+                    <p:sldTgt/>
+                  </p:tgtEl>
+                </p:cond>
+              </p:prevCondLst>
+              <p:nextCondLst>
+                <p:cond evt="onNext" delay="0">
+                  <p:tgtEl>
+                    <p:sldTgt/>
+                  </p:tgtEl>
+                </p:cond>
+              </p:nextCondLst>
+            </p:seq>
+          </p:childTnLst>
+        </p:cTn>
+      </p:par>
+    </p:tnLst>
+    <p:bldLst>
+      <p:bldP spid="7" grpId="0"/>
+      <p:bldP spid="10" grpId="0"/>
+    </p:bldLst>
+  </p:timing>
 </p:sld>
 </file>
 
@@ -23537,6 +27586,2223 @@
     <p:extLst>
       <p:ext uri="{BB962C8B-B14F-4D97-AF65-F5344CB8AC3E}">
         <p14:creationId xmlns:p14="http://schemas.microsoft.com/office/powerpoint/2010/main" val="2028727039"/>
+      </p:ext>
+    </p:extLst>
+  </p:cSld>
+  <p:clrMapOvr>
+    <a:masterClrMapping/>
+  </p:clrMapOvr>
+</p:sld>
+</file>
+
+<file path=ppt/slides/slide50.xml><?xml version="1.0" encoding="utf-8"?>
+<p:sld xmlns:a="http://schemas.openxmlformats.org/drawingml/2006/main" xmlns:r="http://schemas.openxmlformats.org/officeDocument/2006/relationships" xmlns:p="http://schemas.openxmlformats.org/presentationml/2006/main">
+  <p:cSld>
+    <p:spTree>
+      <p:nvGrpSpPr>
+        <p:cNvPr id="1" name=""/>
+        <p:cNvGrpSpPr/>
+        <p:nvPr/>
+      </p:nvGrpSpPr>
+      <p:grpSpPr>
+        <a:xfrm>
+          <a:off x="0" y="0"/>
+          <a:ext cx="0" cy="0"/>
+          <a:chOff x="0" y="0"/>
+          <a:chExt cx="0" cy="0"/>
+        </a:xfrm>
+      </p:grpSpPr>
+      <p:sp>
+        <p:nvSpPr>
+          <p:cNvPr id="2" name="Title 4">
+            <a:extLst>
+              <a:ext uri="{FF2B5EF4-FFF2-40B4-BE49-F238E27FC236}">
+                <a16:creationId xmlns:a16="http://schemas.microsoft.com/office/drawing/2014/main" id="{D4AE60AA-E70A-43F9-9BE3-359F15DB0A1E}"/>
+              </a:ext>
+            </a:extLst>
+          </p:cNvPr>
+          <p:cNvSpPr txBox="1">
+            <a:spLocks noGrp="1"/>
+          </p:cNvSpPr>
+          <p:nvPr>
+            <p:ph type="title"/>
+          </p:nvPr>
+        </p:nvSpPr>
+        <p:spPr>
+          <a:xfrm>
+            <a:off x="521208" y="691899"/>
+            <a:ext cx="6876288" cy="640080"/>
+          </a:xfrm>
+        </p:spPr>
+        <p:txBody>
+          <a:bodyPr/>
+          <a:lstStyle/>
+          <a:p>
+            <a:pPr lvl="0"/>
+            <a:r>
+              <a:rPr lang="en-US" sz="3600" dirty="0">
+                <a:solidFill>
+                  <a:srgbClr val="FFFFFF"/>
+                </a:solidFill>
+              </a:rPr>
+              <a:t>Volumes</a:t>
+            </a:r>
+            <a:endParaRPr lang="en-IN" sz="3600" dirty="0">
+              <a:solidFill>
+                <a:srgbClr val="FFFFFF"/>
+              </a:solidFill>
+            </a:endParaRPr>
+          </a:p>
+        </p:txBody>
+      </p:sp>
+      <p:cxnSp>
+        <p:nvCxnSpPr>
+          <p:cNvPr id="13" name="Straight Connector 25">
+            <a:extLst>
+              <a:ext uri="{FF2B5EF4-FFF2-40B4-BE49-F238E27FC236}">
+                <a16:creationId xmlns:a16="http://schemas.microsoft.com/office/drawing/2014/main" id="{97BCE729-6A8B-46DC-B5AC-3926C434F3DE}"/>
+              </a:ext>
+            </a:extLst>
+          </p:cNvPr>
+          <p:cNvCxnSpPr/>
+          <p:nvPr/>
+        </p:nvCxnSpPr>
+        <p:spPr>
+          <a:xfrm>
+            <a:off x="619762" y="1534162"/>
+            <a:ext cx="10891519" cy="0"/>
+          </a:xfrm>
+          <a:prstGeom prst="straightConnector1">
+            <a:avLst/>
+          </a:prstGeom>
+          <a:noFill/>
+          <a:ln w="19046" cap="flat">
+            <a:solidFill>
+              <a:srgbClr val="FFFFFF"/>
+            </a:solidFill>
+            <a:prstDash val="solid"/>
+            <a:miter/>
+          </a:ln>
+        </p:spPr>
+      </p:cxnSp>
+      <p:sp>
+        <p:nvSpPr>
+          <p:cNvPr id="9" name="TextBox 8">
+            <a:extLst>
+              <a:ext uri="{FF2B5EF4-FFF2-40B4-BE49-F238E27FC236}">
+                <a16:creationId xmlns:a16="http://schemas.microsoft.com/office/drawing/2014/main" id="{64F11AEA-BD37-4229-B9B9-E060EC5EAA51}"/>
+              </a:ext>
+            </a:extLst>
+          </p:cNvPr>
+          <p:cNvSpPr txBox="1"/>
+          <p:nvPr/>
+        </p:nvSpPr>
+        <p:spPr>
+          <a:xfrm>
+            <a:off x="831273" y="2648315"/>
+            <a:ext cx="9773394" cy="461646"/>
+          </a:xfrm>
+          <a:prstGeom prst="rect">
+            <a:avLst/>
+          </a:prstGeom>
+          <a:noFill/>
+        </p:spPr>
+        <p:txBody>
+          <a:bodyPr wrap="square" rtlCol="0">
+            <a:spAutoFit/>
+          </a:bodyPr>
+          <a:lstStyle/>
+          <a:p>
+            <a:r>
+              <a:rPr lang="en-US" sz="2400" b="1" dirty="0">
+                <a:solidFill>
+                  <a:schemeClr val="bg1"/>
+                </a:solidFill>
+              </a:rPr>
+              <a:t>How can data persist through out the life cycle of a POD ? </a:t>
+            </a:r>
+          </a:p>
+        </p:txBody>
+      </p:sp>
+      <p:sp>
+        <p:nvSpPr>
+          <p:cNvPr id="6" name="TextBox 5">
+            <a:extLst>
+              <a:ext uri="{FF2B5EF4-FFF2-40B4-BE49-F238E27FC236}">
+                <a16:creationId xmlns:a16="http://schemas.microsoft.com/office/drawing/2014/main" id="{CAF0E968-4832-452F-8087-2485BB9C0455}"/>
+              </a:ext>
+            </a:extLst>
+          </p:cNvPr>
+          <p:cNvSpPr txBox="1"/>
+          <p:nvPr/>
+        </p:nvSpPr>
+        <p:spPr>
+          <a:xfrm>
+            <a:off x="829293" y="3620114"/>
+            <a:ext cx="9773394" cy="461646"/>
+          </a:xfrm>
+          <a:prstGeom prst="rect">
+            <a:avLst/>
+          </a:prstGeom>
+          <a:noFill/>
+        </p:spPr>
+        <p:txBody>
+          <a:bodyPr wrap="square" rtlCol="0">
+            <a:spAutoFit/>
+          </a:bodyPr>
+          <a:lstStyle/>
+          <a:p>
+            <a:r>
+              <a:rPr lang="en-US" sz="2400" b="1" dirty="0">
+                <a:solidFill>
+                  <a:schemeClr val="bg1"/>
+                </a:solidFill>
+              </a:rPr>
+              <a:t>How stateful applications (like Databases) manage the data ? </a:t>
+            </a:r>
+          </a:p>
+        </p:txBody>
+      </p:sp>
+      <p:sp>
+        <p:nvSpPr>
+          <p:cNvPr id="7" name="TextBox 6">
+            <a:extLst>
+              <a:ext uri="{FF2B5EF4-FFF2-40B4-BE49-F238E27FC236}">
+                <a16:creationId xmlns:a16="http://schemas.microsoft.com/office/drawing/2014/main" id="{2B30AFAE-BB56-493A-A6CF-C1A0D2176F08}"/>
+              </a:ext>
+            </a:extLst>
+          </p:cNvPr>
+          <p:cNvSpPr txBox="1"/>
+          <p:nvPr/>
+        </p:nvSpPr>
+        <p:spPr>
+          <a:xfrm>
+            <a:off x="829294" y="4629516"/>
+            <a:ext cx="9773394" cy="461646"/>
+          </a:xfrm>
+          <a:prstGeom prst="rect">
+            <a:avLst/>
+          </a:prstGeom>
+          <a:noFill/>
+        </p:spPr>
+        <p:txBody>
+          <a:bodyPr wrap="square" rtlCol="0">
+            <a:spAutoFit/>
+          </a:bodyPr>
+          <a:lstStyle/>
+          <a:p>
+            <a:r>
+              <a:rPr lang="en-US" sz="2400" b="1" dirty="0">
+                <a:solidFill>
+                  <a:schemeClr val="bg1"/>
+                </a:solidFill>
+              </a:rPr>
+              <a:t>How can containers in a POD share data ? </a:t>
+            </a:r>
+          </a:p>
+        </p:txBody>
+      </p:sp>
+    </p:spTree>
+    <p:extLst>
+      <p:ext uri="{BB962C8B-B14F-4D97-AF65-F5344CB8AC3E}">
+        <p14:creationId xmlns:p14="http://schemas.microsoft.com/office/powerpoint/2010/main" val="3716712897"/>
+      </p:ext>
+    </p:extLst>
+  </p:cSld>
+  <p:clrMapOvr>
+    <a:masterClrMapping/>
+  </p:clrMapOvr>
+</p:sld>
+</file>
+
+<file path=ppt/slides/slide51.xml><?xml version="1.0" encoding="utf-8"?>
+<p:sld xmlns:a="http://schemas.openxmlformats.org/drawingml/2006/main" xmlns:r="http://schemas.openxmlformats.org/officeDocument/2006/relationships" xmlns:p="http://schemas.openxmlformats.org/presentationml/2006/main">
+  <p:cSld>
+    <p:spTree>
+      <p:nvGrpSpPr>
+        <p:cNvPr id="1" name=""/>
+        <p:cNvGrpSpPr/>
+        <p:nvPr/>
+      </p:nvGrpSpPr>
+      <p:grpSpPr>
+        <a:xfrm>
+          <a:off x="0" y="0"/>
+          <a:ext cx="0" cy="0"/>
+          <a:chOff x="0" y="0"/>
+          <a:chExt cx="0" cy="0"/>
+        </a:xfrm>
+      </p:grpSpPr>
+      <p:sp>
+        <p:nvSpPr>
+          <p:cNvPr id="2" name="Title 4">
+            <a:extLst>
+              <a:ext uri="{FF2B5EF4-FFF2-40B4-BE49-F238E27FC236}">
+                <a16:creationId xmlns:a16="http://schemas.microsoft.com/office/drawing/2014/main" id="{E95B6AA9-38D9-4A79-977A-C0804F552444}"/>
+              </a:ext>
+            </a:extLst>
+          </p:cNvPr>
+          <p:cNvSpPr txBox="1">
+            <a:spLocks noGrp="1"/>
+          </p:cNvSpPr>
+          <p:nvPr>
+            <p:ph type="title"/>
+          </p:nvPr>
+        </p:nvSpPr>
+        <p:spPr>
+          <a:xfrm>
+            <a:off x="521208" y="691899"/>
+            <a:ext cx="6876288" cy="640080"/>
+          </a:xfrm>
+        </p:spPr>
+        <p:txBody>
+          <a:bodyPr/>
+          <a:lstStyle/>
+          <a:p>
+            <a:pPr lvl="0"/>
+            <a:r>
+              <a:rPr lang="en-US" sz="3600" dirty="0">
+                <a:solidFill>
+                  <a:srgbClr val="FFFFFF"/>
+                </a:solidFill>
+              </a:rPr>
+              <a:t>Volumes in Kubernetes</a:t>
+            </a:r>
+            <a:endParaRPr lang="en-IN" sz="3600" dirty="0">
+              <a:solidFill>
+                <a:srgbClr val="FFFFFF"/>
+              </a:solidFill>
+            </a:endParaRPr>
+          </a:p>
+        </p:txBody>
+      </p:sp>
+      <p:cxnSp>
+        <p:nvCxnSpPr>
+          <p:cNvPr id="3" name="Straight Connector 9">
+            <a:extLst>
+              <a:ext uri="{FF2B5EF4-FFF2-40B4-BE49-F238E27FC236}">
+                <a16:creationId xmlns:a16="http://schemas.microsoft.com/office/drawing/2014/main" id="{7BB9670B-64B0-402A-A6CD-5F6B87AB1F5F}"/>
+              </a:ext>
+            </a:extLst>
+          </p:cNvPr>
+          <p:cNvCxnSpPr/>
+          <p:nvPr/>
+        </p:nvCxnSpPr>
+        <p:spPr>
+          <a:xfrm>
+            <a:off x="619762" y="1534162"/>
+            <a:ext cx="10891519" cy="0"/>
+          </a:xfrm>
+          <a:prstGeom prst="straightConnector1">
+            <a:avLst/>
+          </a:prstGeom>
+          <a:noFill/>
+          <a:ln w="19046" cap="flat">
+            <a:solidFill>
+              <a:srgbClr val="FFFFFF"/>
+            </a:solidFill>
+            <a:prstDash val="solid"/>
+            <a:miter/>
+          </a:ln>
+        </p:spPr>
+      </p:cxnSp>
+      <p:sp>
+        <p:nvSpPr>
+          <p:cNvPr id="8" name="TextBox 7">
+            <a:extLst>
+              <a:ext uri="{FF2B5EF4-FFF2-40B4-BE49-F238E27FC236}">
+                <a16:creationId xmlns:a16="http://schemas.microsoft.com/office/drawing/2014/main" id="{064DFA76-2825-43B9-BF85-EA5D7659DADF}"/>
+              </a:ext>
+            </a:extLst>
+          </p:cNvPr>
+          <p:cNvSpPr txBox="1"/>
+          <p:nvPr/>
+        </p:nvSpPr>
+        <p:spPr>
+          <a:xfrm>
+            <a:off x="718780" y="2649047"/>
+            <a:ext cx="6833926" cy="461665"/>
+          </a:xfrm>
+          <a:prstGeom prst="rect">
+            <a:avLst/>
+          </a:prstGeom>
+          <a:noFill/>
+        </p:spPr>
+        <p:txBody>
+          <a:bodyPr wrap="square" rtlCol="0">
+            <a:spAutoFit/>
+          </a:bodyPr>
+          <a:lstStyle/>
+          <a:p>
+            <a:r>
+              <a:rPr lang="en-US" sz="2400" b="1" dirty="0">
+                <a:solidFill>
+                  <a:schemeClr val="bg1"/>
+                </a:solidFill>
+              </a:rPr>
+              <a:t>Volumes bring persistence to PODs</a:t>
+            </a:r>
+          </a:p>
+        </p:txBody>
+      </p:sp>
+      <p:sp>
+        <p:nvSpPr>
+          <p:cNvPr id="9" name="TextBox 8">
+            <a:extLst>
+              <a:ext uri="{FF2B5EF4-FFF2-40B4-BE49-F238E27FC236}">
+                <a16:creationId xmlns:a16="http://schemas.microsoft.com/office/drawing/2014/main" id="{E71E1C16-2C7A-440E-BD70-20166C8CB1F3}"/>
+              </a:ext>
+            </a:extLst>
+          </p:cNvPr>
+          <p:cNvSpPr txBox="1"/>
+          <p:nvPr/>
+        </p:nvSpPr>
+        <p:spPr>
+          <a:xfrm>
+            <a:off x="752428" y="3656472"/>
+            <a:ext cx="10539028" cy="461665"/>
+          </a:xfrm>
+          <a:prstGeom prst="rect">
+            <a:avLst/>
+          </a:prstGeom>
+          <a:noFill/>
+        </p:spPr>
+        <p:txBody>
+          <a:bodyPr wrap="square" rtlCol="0">
+            <a:spAutoFit/>
+          </a:bodyPr>
+          <a:lstStyle/>
+          <a:p>
+            <a:r>
+              <a:rPr lang="en-US" sz="2400" b="1" dirty="0">
+                <a:solidFill>
+                  <a:schemeClr val="bg1"/>
+                </a:solidFill>
+              </a:rPr>
+              <a:t>Volumes in Kubernetes are associated with the lifecycle of a POD</a:t>
+            </a:r>
+          </a:p>
+        </p:txBody>
+      </p:sp>
+      <p:sp>
+        <p:nvSpPr>
+          <p:cNvPr id="12" name="TextBox 11">
+            <a:extLst>
+              <a:ext uri="{FF2B5EF4-FFF2-40B4-BE49-F238E27FC236}">
+                <a16:creationId xmlns:a16="http://schemas.microsoft.com/office/drawing/2014/main" id="{A2509838-949E-474D-9FD6-FA2554D79270}"/>
+              </a:ext>
+            </a:extLst>
+          </p:cNvPr>
+          <p:cNvSpPr txBox="1"/>
+          <p:nvPr/>
+        </p:nvSpPr>
+        <p:spPr>
+          <a:xfrm>
+            <a:off x="750449" y="4604518"/>
+            <a:ext cx="10539028" cy="461665"/>
+          </a:xfrm>
+          <a:prstGeom prst="rect">
+            <a:avLst/>
+          </a:prstGeom>
+          <a:noFill/>
+        </p:spPr>
+        <p:txBody>
+          <a:bodyPr wrap="square" rtlCol="0">
+            <a:spAutoFit/>
+          </a:bodyPr>
+          <a:lstStyle/>
+          <a:p>
+            <a:r>
+              <a:rPr lang="en-US" sz="2400" b="1" dirty="0">
+                <a:solidFill>
+                  <a:schemeClr val="bg1"/>
+                </a:solidFill>
+              </a:rPr>
+              <a:t>Support many types of volumes</a:t>
+            </a:r>
+          </a:p>
+        </p:txBody>
+      </p:sp>
+    </p:spTree>
+    <p:extLst>
+      <p:ext uri="{BB962C8B-B14F-4D97-AF65-F5344CB8AC3E}">
+        <p14:creationId xmlns:p14="http://schemas.microsoft.com/office/powerpoint/2010/main" val="3447806024"/>
+      </p:ext>
+    </p:extLst>
+  </p:cSld>
+  <p:clrMapOvr>
+    <a:masterClrMapping/>
+  </p:clrMapOvr>
+</p:sld>
+</file>
+
+<file path=ppt/slides/slide52.xml><?xml version="1.0" encoding="utf-8"?>
+<p:sld xmlns:a="http://schemas.openxmlformats.org/drawingml/2006/main" xmlns:r="http://schemas.openxmlformats.org/officeDocument/2006/relationships" xmlns:p="http://schemas.openxmlformats.org/presentationml/2006/main">
+  <p:cSld>
+    <p:spTree>
+      <p:nvGrpSpPr>
+        <p:cNvPr id="1" name=""/>
+        <p:cNvGrpSpPr/>
+        <p:nvPr/>
+      </p:nvGrpSpPr>
+      <p:grpSpPr>
+        <a:xfrm>
+          <a:off x="0" y="0"/>
+          <a:ext cx="0" cy="0"/>
+          <a:chOff x="0" y="0"/>
+          <a:chExt cx="0" cy="0"/>
+        </a:xfrm>
+      </p:grpSpPr>
+      <p:sp>
+        <p:nvSpPr>
+          <p:cNvPr id="2" name="Title 4">
+            <a:extLst>
+              <a:ext uri="{FF2B5EF4-FFF2-40B4-BE49-F238E27FC236}">
+                <a16:creationId xmlns:a16="http://schemas.microsoft.com/office/drawing/2014/main" id="{E95B6AA9-38D9-4A79-977A-C0804F552444}"/>
+              </a:ext>
+            </a:extLst>
+          </p:cNvPr>
+          <p:cNvSpPr txBox="1">
+            <a:spLocks noGrp="1"/>
+          </p:cNvSpPr>
+          <p:nvPr>
+            <p:ph type="title"/>
+          </p:nvPr>
+        </p:nvSpPr>
+        <p:spPr>
+          <a:xfrm>
+            <a:off x="521208" y="691899"/>
+            <a:ext cx="6876288" cy="640080"/>
+          </a:xfrm>
+        </p:spPr>
+        <p:txBody>
+          <a:bodyPr/>
+          <a:lstStyle/>
+          <a:p>
+            <a:pPr lvl="0"/>
+            <a:r>
+              <a:rPr lang="en-US" sz="3600" dirty="0">
+                <a:solidFill>
+                  <a:srgbClr val="FFFFFF"/>
+                </a:solidFill>
+              </a:rPr>
+              <a:t>Volume types</a:t>
+            </a:r>
+            <a:endParaRPr lang="en-IN" sz="3600" dirty="0">
+              <a:solidFill>
+                <a:srgbClr val="FFFFFF"/>
+              </a:solidFill>
+            </a:endParaRPr>
+          </a:p>
+        </p:txBody>
+      </p:sp>
+      <p:cxnSp>
+        <p:nvCxnSpPr>
+          <p:cNvPr id="3" name="Straight Connector 9">
+            <a:extLst>
+              <a:ext uri="{FF2B5EF4-FFF2-40B4-BE49-F238E27FC236}">
+                <a16:creationId xmlns:a16="http://schemas.microsoft.com/office/drawing/2014/main" id="{7BB9670B-64B0-402A-A6CD-5F6B87AB1F5F}"/>
+              </a:ext>
+            </a:extLst>
+          </p:cNvPr>
+          <p:cNvCxnSpPr/>
+          <p:nvPr/>
+        </p:nvCxnSpPr>
+        <p:spPr>
+          <a:xfrm>
+            <a:off x="619762" y="1534162"/>
+            <a:ext cx="10891519" cy="0"/>
+          </a:xfrm>
+          <a:prstGeom prst="straightConnector1">
+            <a:avLst/>
+          </a:prstGeom>
+          <a:noFill/>
+          <a:ln w="19046" cap="flat">
+            <a:solidFill>
+              <a:srgbClr val="FFFFFF"/>
+            </a:solidFill>
+            <a:prstDash val="solid"/>
+            <a:miter/>
+          </a:ln>
+        </p:spPr>
+      </p:cxnSp>
+      <p:sp>
+        <p:nvSpPr>
+          <p:cNvPr id="8" name="TextBox 7">
+            <a:extLst>
+              <a:ext uri="{FF2B5EF4-FFF2-40B4-BE49-F238E27FC236}">
+                <a16:creationId xmlns:a16="http://schemas.microsoft.com/office/drawing/2014/main" id="{064DFA76-2825-43B9-BF85-EA5D7659DADF}"/>
+              </a:ext>
+            </a:extLst>
+          </p:cNvPr>
+          <p:cNvSpPr txBox="1"/>
+          <p:nvPr/>
+        </p:nvSpPr>
+        <p:spPr>
+          <a:xfrm>
+            <a:off x="3925114" y="2649047"/>
+            <a:ext cx="2938820" cy="461665"/>
+          </a:xfrm>
+          <a:prstGeom prst="rect">
+            <a:avLst/>
+          </a:prstGeom>
+          <a:noFill/>
+        </p:spPr>
+        <p:txBody>
+          <a:bodyPr wrap="square" rtlCol="0">
+            <a:spAutoFit/>
+          </a:bodyPr>
+          <a:lstStyle/>
+          <a:p>
+            <a:r>
+              <a:rPr lang="en-US" sz="2400" b="1" dirty="0">
+                <a:solidFill>
+                  <a:schemeClr val="bg1"/>
+                </a:solidFill>
+              </a:rPr>
+              <a:t>Volume Types</a:t>
+            </a:r>
+          </a:p>
+        </p:txBody>
+      </p:sp>
+      <p:sp>
+        <p:nvSpPr>
+          <p:cNvPr id="9" name="TextBox 8">
+            <a:extLst>
+              <a:ext uri="{FF2B5EF4-FFF2-40B4-BE49-F238E27FC236}">
+                <a16:creationId xmlns:a16="http://schemas.microsoft.com/office/drawing/2014/main" id="{E71E1C16-2C7A-440E-BD70-20166C8CB1F3}"/>
+              </a:ext>
+            </a:extLst>
+          </p:cNvPr>
+          <p:cNvSpPr txBox="1"/>
+          <p:nvPr/>
+        </p:nvSpPr>
+        <p:spPr>
+          <a:xfrm>
+            <a:off x="2414973" y="3668349"/>
+            <a:ext cx="2014523" cy="461664"/>
+          </a:xfrm>
+          <a:prstGeom prst="rect">
+            <a:avLst/>
+          </a:prstGeom>
+          <a:noFill/>
+        </p:spPr>
+        <p:txBody>
+          <a:bodyPr wrap="square" rtlCol="0">
+            <a:spAutoFit/>
+          </a:bodyPr>
+          <a:lstStyle/>
+          <a:p>
+            <a:r>
+              <a:rPr lang="en-US" sz="2400" b="1" dirty="0">
+                <a:solidFill>
+                  <a:schemeClr val="bg1"/>
+                </a:solidFill>
+              </a:rPr>
+              <a:t>Ephemeral</a:t>
+            </a:r>
+          </a:p>
+        </p:txBody>
+      </p:sp>
+      <p:sp>
+        <p:nvSpPr>
+          <p:cNvPr id="12" name="TextBox 11">
+            <a:extLst>
+              <a:ext uri="{FF2B5EF4-FFF2-40B4-BE49-F238E27FC236}">
+                <a16:creationId xmlns:a16="http://schemas.microsoft.com/office/drawing/2014/main" id="{A2509838-949E-474D-9FD6-FA2554D79270}"/>
+              </a:ext>
+            </a:extLst>
+          </p:cNvPr>
+          <p:cNvSpPr txBox="1"/>
+          <p:nvPr/>
+        </p:nvSpPr>
+        <p:spPr>
+          <a:xfrm>
+            <a:off x="6284342" y="3630741"/>
+            <a:ext cx="2598393" cy="461664"/>
+          </a:xfrm>
+          <a:prstGeom prst="rect">
+            <a:avLst/>
+          </a:prstGeom>
+          <a:noFill/>
+        </p:spPr>
+        <p:txBody>
+          <a:bodyPr wrap="square" rtlCol="0">
+            <a:spAutoFit/>
+          </a:bodyPr>
+          <a:lstStyle/>
+          <a:p>
+            <a:r>
+              <a:rPr lang="en-US" sz="2400" b="1" dirty="0">
+                <a:solidFill>
+                  <a:schemeClr val="bg1"/>
+                </a:solidFill>
+              </a:rPr>
+              <a:t>Durable</a:t>
+            </a:r>
+          </a:p>
+        </p:txBody>
+      </p:sp>
+    </p:spTree>
+    <p:extLst>
+      <p:ext uri="{BB962C8B-B14F-4D97-AF65-F5344CB8AC3E}">
+        <p14:creationId xmlns:p14="http://schemas.microsoft.com/office/powerpoint/2010/main" val="4275675659"/>
+      </p:ext>
+    </p:extLst>
+  </p:cSld>
+  <p:clrMapOvr>
+    <a:masterClrMapping/>
+  </p:clrMapOvr>
+</p:sld>
+</file>
+
+<file path=ppt/slides/slide53.xml><?xml version="1.0" encoding="utf-8"?>
+<p:sld xmlns:a="http://schemas.openxmlformats.org/drawingml/2006/main" xmlns:r="http://schemas.openxmlformats.org/officeDocument/2006/relationships" xmlns:p="http://schemas.openxmlformats.org/presentationml/2006/main">
+  <p:cSld>
+    <p:spTree>
+      <p:nvGrpSpPr>
+        <p:cNvPr id="1" name=""/>
+        <p:cNvGrpSpPr/>
+        <p:nvPr/>
+      </p:nvGrpSpPr>
+      <p:grpSpPr>
+        <a:xfrm>
+          <a:off x="0" y="0"/>
+          <a:ext cx="0" cy="0"/>
+          <a:chOff x="0" y="0"/>
+          <a:chExt cx="0" cy="0"/>
+        </a:xfrm>
+      </p:grpSpPr>
+      <p:sp>
+        <p:nvSpPr>
+          <p:cNvPr id="2" name="Title 4">
+            <a:extLst>
+              <a:ext uri="{FF2B5EF4-FFF2-40B4-BE49-F238E27FC236}">
+                <a16:creationId xmlns:a16="http://schemas.microsoft.com/office/drawing/2014/main" id="{E95B6AA9-38D9-4A79-977A-C0804F552444}"/>
+              </a:ext>
+            </a:extLst>
+          </p:cNvPr>
+          <p:cNvSpPr txBox="1">
+            <a:spLocks noGrp="1"/>
+          </p:cNvSpPr>
+          <p:nvPr>
+            <p:ph type="title"/>
+          </p:nvPr>
+        </p:nvSpPr>
+        <p:spPr>
+          <a:xfrm>
+            <a:off x="521208" y="691899"/>
+            <a:ext cx="6876288" cy="640080"/>
+          </a:xfrm>
+        </p:spPr>
+        <p:txBody>
+          <a:bodyPr/>
+          <a:lstStyle/>
+          <a:p>
+            <a:pPr lvl="0"/>
+            <a:r>
+              <a:rPr lang="en-US" sz="3600" dirty="0">
+                <a:solidFill>
+                  <a:srgbClr val="FFFFFF"/>
+                </a:solidFill>
+              </a:rPr>
+              <a:t>Volume types</a:t>
+            </a:r>
+            <a:endParaRPr lang="en-IN" sz="3600" dirty="0">
+              <a:solidFill>
+                <a:srgbClr val="FFFFFF"/>
+              </a:solidFill>
+            </a:endParaRPr>
+          </a:p>
+        </p:txBody>
+      </p:sp>
+      <p:cxnSp>
+        <p:nvCxnSpPr>
+          <p:cNvPr id="3" name="Straight Connector 9">
+            <a:extLst>
+              <a:ext uri="{FF2B5EF4-FFF2-40B4-BE49-F238E27FC236}">
+                <a16:creationId xmlns:a16="http://schemas.microsoft.com/office/drawing/2014/main" id="{7BB9670B-64B0-402A-A6CD-5F6B87AB1F5F}"/>
+              </a:ext>
+            </a:extLst>
+          </p:cNvPr>
+          <p:cNvCxnSpPr/>
+          <p:nvPr/>
+        </p:nvCxnSpPr>
+        <p:spPr>
+          <a:xfrm>
+            <a:off x="619762" y="1534162"/>
+            <a:ext cx="10891519" cy="0"/>
+          </a:xfrm>
+          <a:prstGeom prst="straightConnector1">
+            <a:avLst/>
+          </a:prstGeom>
+          <a:noFill/>
+          <a:ln w="19046" cap="flat">
+            <a:solidFill>
+              <a:srgbClr val="FFFFFF"/>
+            </a:solidFill>
+            <a:prstDash val="solid"/>
+            <a:miter/>
+          </a:ln>
+        </p:spPr>
+      </p:cxnSp>
+      <p:pic>
+        <p:nvPicPr>
+          <p:cNvPr id="7" name="Picture 6">
+            <a:extLst>
+              <a:ext uri="{FF2B5EF4-FFF2-40B4-BE49-F238E27FC236}">
+                <a16:creationId xmlns:a16="http://schemas.microsoft.com/office/drawing/2014/main" id="{F86C5D37-A20F-403D-9991-6E3B885F539C}"/>
+              </a:ext>
+            </a:extLst>
+          </p:cNvPr>
+          <p:cNvPicPr>
+            <a:picLocks noChangeAspect="1"/>
+          </p:cNvPicPr>
+          <p:nvPr/>
+        </p:nvPicPr>
+        <p:blipFill>
+          <a:blip r:embed="rId3"/>
+          <a:stretch>
+            <a:fillRect/>
+          </a:stretch>
+        </p:blipFill>
+        <p:spPr>
+          <a:xfrm>
+            <a:off x="1258784" y="2110821"/>
+            <a:ext cx="9239003" cy="3850586"/>
+          </a:xfrm>
+          <a:prstGeom prst="rect">
+            <a:avLst/>
+          </a:prstGeom>
+        </p:spPr>
+      </p:pic>
+    </p:spTree>
+    <p:extLst>
+      <p:ext uri="{BB962C8B-B14F-4D97-AF65-F5344CB8AC3E}">
+        <p14:creationId xmlns:p14="http://schemas.microsoft.com/office/powerpoint/2010/main" val="4013825205"/>
+      </p:ext>
+    </p:extLst>
+  </p:cSld>
+  <p:clrMapOvr>
+    <a:masterClrMapping/>
+  </p:clrMapOvr>
+</p:sld>
+</file>
+
+<file path=ppt/slides/slide54.xml><?xml version="1.0" encoding="utf-8"?>
+<p:sld xmlns:a="http://schemas.openxmlformats.org/drawingml/2006/main" xmlns:r="http://schemas.openxmlformats.org/officeDocument/2006/relationships" xmlns:p="http://schemas.openxmlformats.org/presentationml/2006/main">
+  <p:cSld>
+    <p:spTree>
+      <p:nvGrpSpPr>
+        <p:cNvPr id="1" name=""/>
+        <p:cNvGrpSpPr/>
+        <p:nvPr/>
+      </p:nvGrpSpPr>
+      <p:grpSpPr>
+        <a:xfrm>
+          <a:off x="0" y="0"/>
+          <a:ext cx="0" cy="0"/>
+          <a:chOff x="0" y="0"/>
+          <a:chExt cx="0" cy="0"/>
+        </a:xfrm>
+      </p:grpSpPr>
+      <p:sp>
+        <p:nvSpPr>
+          <p:cNvPr id="2" name="Title 4">
+            <a:extLst>
+              <a:ext uri="{FF2B5EF4-FFF2-40B4-BE49-F238E27FC236}">
+                <a16:creationId xmlns:a16="http://schemas.microsoft.com/office/drawing/2014/main" id="{E95B6AA9-38D9-4A79-977A-C0804F552444}"/>
+              </a:ext>
+            </a:extLst>
+          </p:cNvPr>
+          <p:cNvSpPr txBox="1">
+            <a:spLocks noGrp="1"/>
+          </p:cNvSpPr>
+          <p:nvPr>
+            <p:ph type="title"/>
+          </p:nvPr>
+        </p:nvSpPr>
+        <p:spPr>
+          <a:xfrm>
+            <a:off x="521208" y="691899"/>
+            <a:ext cx="6876288" cy="640080"/>
+          </a:xfrm>
+        </p:spPr>
+        <p:txBody>
+          <a:bodyPr/>
+          <a:lstStyle/>
+          <a:p>
+            <a:pPr lvl="0"/>
+            <a:r>
+              <a:rPr lang="en-US" sz="3600" dirty="0" err="1">
+                <a:solidFill>
+                  <a:srgbClr val="FFFFFF"/>
+                </a:solidFill>
+              </a:rPr>
+              <a:t>emptyDir</a:t>
+            </a:r>
+            <a:endParaRPr lang="en-IN" sz="3600" dirty="0">
+              <a:solidFill>
+                <a:srgbClr val="FFFFFF"/>
+              </a:solidFill>
+            </a:endParaRPr>
+          </a:p>
+        </p:txBody>
+      </p:sp>
+      <p:cxnSp>
+        <p:nvCxnSpPr>
+          <p:cNvPr id="3" name="Straight Connector 9">
+            <a:extLst>
+              <a:ext uri="{FF2B5EF4-FFF2-40B4-BE49-F238E27FC236}">
+                <a16:creationId xmlns:a16="http://schemas.microsoft.com/office/drawing/2014/main" id="{7BB9670B-64B0-402A-A6CD-5F6B87AB1F5F}"/>
+              </a:ext>
+            </a:extLst>
+          </p:cNvPr>
+          <p:cNvCxnSpPr/>
+          <p:nvPr/>
+        </p:nvCxnSpPr>
+        <p:spPr>
+          <a:xfrm>
+            <a:off x="619762" y="1534162"/>
+            <a:ext cx="10891519" cy="0"/>
+          </a:xfrm>
+          <a:prstGeom prst="straightConnector1">
+            <a:avLst/>
+          </a:prstGeom>
+          <a:noFill/>
+          <a:ln w="19046" cap="flat">
+            <a:solidFill>
+              <a:srgbClr val="FFFFFF"/>
+            </a:solidFill>
+            <a:prstDash val="solid"/>
+            <a:miter/>
+          </a:ln>
+        </p:spPr>
+      </p:cxnSp>
+      <p:sp>
+        <p:nvSpPr>
+          <p:cNvPr id="8" name="TextBox 7">
+            <a:extLst>
+              <a:ext uri="{FF2B5EF4-FFF2-40B4-BE49-F238E27FC236}">
+                <a16:creationId xmlns:a16="http://schemas.microsoft.com/office/drawing/2014/main" id="{064DFA76-2825-43B9-BF85-EA5D7659DADF}"/>
+              </a:ext>
+            </a:extLst>
+          </p:cNvPr>
+          <p:cNvSpPr txBox="1"/>
+          <p:nvPr/>
+        </p:nvSpPr>
+        <p:spPr>
+          <a:xfrm>
+            <a:off x="843148" y="2672025"/>
+            <a:ext cx="9607138" cy="461664"/>
+          </a:xfrm>
+          <a:prstGeom prst="rect">
+            <a:avLst/>
+          </a:prstGeom>
+          <a:noFill/>
+        </p:spPr>
+        <p:txBody>
+          <a:bodyPr wrap="square" rtlCol="0">
+            <a:spAutoFit/>
+          </a:bodyPr>
+          <a:lstStyle/>
+          <a:p>
+            <a:r>
+              <a:rPr lang="en-US" sz="2400" b="1" dirty="0">
+                <a:solidFill>
+                  <a:schemeClr val="bg1"/>
+                </a:solidFill>
+              </a:rPr>
+              <a:t>Creates and Empty Directory when a POD is assigned to a Node</a:t>
+            </a:r>
+          </a:p>
+        </p:txBody>
+      </p:sp>
+      <p:sp>
+        <p:nvSpPr>
+          <p:cNvPr id="7" name="TextBox 6">
+            <a:extLst>
+              <a:ext uri="{FF2B5EF4-FFF2-40B4-BE49-F238E27FC236}">
+                <a16:creationId xmlns:a16="http://schemas.microsoft.com/office/drawing/2014/main" id="{F427DF60-EBB2-4414-9A6D-CC6C9F846107}"/>
+              </a:ext>
+            </a:extLst>
+          </p:cNvPr>
+          <p:cNvSpPr txBox="1"/>
+          <p:nvPr/>
+        </p:nvSpPr>
+        <p:spPr>
+          <a:xfrm>
+            <a:off x="853046" y="3513192"/>
+            <a:ext cx="9607138" cy="461664"/>
+          </a:xfrm>
+          <a:prstGeom prst="rect">
+            <a:avLst/>
+          </a:prstGeom>
+          <a:noFill/>
+        </p:spPr>
+        <p:txBody>
+          <a:bodyPr wrap="square" rtlCol="0">
+            <a:spAutoFit/>
+          </a:bodyPr>
+          <a:lstStyle/>
+          <a:p>
+            <a:r>
+              <a:rPr lang="en-US" sz="2400" b="1" dirty="0">
+                <a:solidFill>
+                  <a:schemeClr val="bg1"/>
+                </a:solidFill>
+              </a:rPr>
+              <a:t>Data stays as long as the POD is alive</a:t>
+            </a:r>
+          </a:p>
+        </p:txBody>
+      </p:sp>
+      <p:sp>
+        <p:nvSpPr>
+          <p:cNvPr id="10" name="TextBox 9">
+            <a:extLst>
+              <a:ext uri="{FF2B5EF4-FFF2-40B4-BE49-F238E27FC236}">
+                <a16:creationId xmlns:a16="http://schemas.microsoft.com/office/drawing/2014/main" id="{D251C21A-CE8F-4784-8E3C-303F24FAC260}"/>
+              </a:ext>
+            </a:extLst>
+          </p:cNvPr>
+          <p:cNvSpPr txBox="1"/>
+          <p:nvPr/>
+        </p:nvSpPr>
+        <p:spPr>
+          <a:xfrm>
+            <a:off x="874819" y="4294982"/>
+            <a:ext cx="9607138" cy="461664"/>
+          </a:xfrm>
+          <a:prstGeom prst="rect">
+            <a:avLst/>
+          </a:prstGeom>
+          <a:noFill/>
+        </p:spPr>
+        <p:txBody>
+          <a:bodyPr wrap="square" rtlCol="0">
+            <a:spAutoFit/>
+          </a:bodyPr>
+          <a:lstStyle/>
+          <a:p>
+            <a:r>
+              <a:rPr lang="en-US" sz="2400" b="1" dirty="0" err="1">
+                <a:solidFill>
+                  <a:schemeClr val="bg1"/>
+                </a:solidFill>
+              </a:rPr>
+              <a:t>emptyDir</a:t>
+            </a:r>
+            <a:r>
+              <a:rPr lang="en-US" sz="2400" b="1" dirty="0">
+                <a:solidFill>
+                  <a:schemeClr val="bg1"/>
+                </a:solidFill>
+              </a:rPr>
+              <a:t> is removed when the POD is removed from the node</a:t>
+            </a:r>
+          </a:p>
+        </p:txBody>
+      </p:sp>
+    </p:spTree>
+    <p:extLst>
+      <p:ext uri="{BB962C8B-B14F-4D97-AF65-F5344CB8AC3E}">
+        <p14:creationId xmlns:p14="http://schemas.microsoft.com/office/powerpoint/2010/main" val="1729164199"/>
+      </p:ext>
+    </p:extLst>
+  </p:cSld>
+  <p:clrMapOvr>
+    <a:masterClrMapping/>
+  </p:clrMapOvr>
+</p:sld>
+</file>
+
+<file path=ppt/slides/slide55.xml><?xml version="1.0" encoding="utf-8"?>
+<p:sld xmlns:a="http://schemas.openxmlformats.org/drawingml/2006/main" xmlns:r="http://schemas.openxmlformats.org/officeDocument/2006/relationships" xmlns:p="http://schemas.openxmlformats.org/presentationml/2006/main">
+  <p:cSld>
+    <p:spTree>
+      <p:nvGrpSpPr>
+        <p:cNvPr id="1" name=""/>
+        <p:cNvGrpSpPr/>
+        <p:nvPr/>
+      </p:nvGrpSpPr>
+      <p:grpSpPr>
+        <a:xfrm>
+          <a:off x="0" y="0"/>
+          <a:ext cx="0" cy="0"/>
+          <a:chOff x="0" y="0"/>
+          <a:chExt cx="0" cy="0"/>
+        </a:xfrm>
+      </p:grpSpPr>
+      <p:sp>
+        <p:nvSpPr>
+          <p:cNvPr id="2" name="Title 4">
+            <a:extLst>
+              <a:ext uri="{FF2B5EF4-FFF2-40B4-BE49-F238E27FC236}">
+                <a16:creationId xmlns:a16="http://schemas.microsoft.com/office/drawing/2014/main" id="{E95B6AA9-38D9-4A79-977A-C0804F552444}"/>
+              </a:ext>
+            </a:extLst>
+          </p:cNvPr>
+          <p:cNvSpPr txBox="1">
+            <a:spLocks noGrp="1"/>
+          </p:cNvSpPr>
+          <p:nvPr>
+            <p:ph type="title"/>
+          </p:nvPr>
+        </p:nvSpPr>
+        <p:spPr>
+          <a:xfrm>
+            <a:off x="521208" y="691899"/>
+            <a:ext cx="6876288" cy="640080"/>
+          </a:xfrm>
+        </p:spPr>
+        <p:txBody>
+          <a:bodyPr/>
+          <a:lstStyle/>
+          <a:p>
+            <a:pPr lvl="0"/>
+            <a:r>
+              <a:rPr lang="en-US" sz="3600" dirty="0" err="1">
+                <a:solidFill>
+                  <a:srgbClr val="FFFFFF"/>
+                </a:solidFill>
+              </a:rPr>
+              <a:t>emptyDir</a:t>
+            </a:r>
+            <a:r>
+              <a:rPr lang="en-US" sz="3600" dirty="0">
+                <a:solidFill>
+                  <a:srgbClr val="FFFFFF"/>
+                </a:solidFill>
+              </a:rPr>
+              <a:t> </a:t>
+            </a:r>
+            <a:endParaRPr lang="en-IN" sz="3600" dirty="0">
+              <a:solidFill>
+                <a:srgbClr val="FFFFFF"/>
+              </a:solidFill>
+            </a:endParaRPr>
+          </a:p>
+        </p:txBody>
+      </p:sp>
+      <p:cxnSp>
+        <p:nvCxnSpPr>
+          <p:cNvPr id="3" name="Straight Connector 9">
+            <a:extLst>
+              <a:ext uri="{FF2B5EF4-FFF2-40B4-BE49-F238E27FC236}">
+                <a16:creationId xmlns:a16="http://schemas.microsoft.com/office/drawing/2014/main" id="{7BB9670B-64B0-402A-A6CD-5F6B87AB1F5F}"/>
+              </a:ext>
+            </a:extLst>
+          </p:cNvPr>
+          <p:cNvCxnSpPr/>
+          <p:nvPr/>
+        </p:nvCxnSpPr>
+        <p:spPr>
+          <a:xfrm>
+            <a:off x="619762" y="1534162"/>
+            <a:ext cx="10891519" cy="0"/>
+          </a:xfrm>
+          <a:prstGeom prst="straightConnector1">
+            <a:avLst/>
+          </a:prstGeom>
+          <a:noFill/>
+          <a:ln w="19046" cap="flat">
+            <a:solidFill>
+              <a:srgbClr val="FFFFFF"/>
+            </a:solidFill>
+            <a:prstDash val="solid"/>
+            <a:miter/>
+          </a:ln>
+        </p:spPr>
+      </p:cxnSp>
+      <p:sp>
+        <p:nvSpPr>
+          <p:cNvPr id="8" name="TextBox 7">
+            <a:extLst>
+              <a:ext uri="{FF2B5EF4-FFF2-40B4-BE49-F238E27FC236}">
+                <a16:creationId xmlns:a16="http://schemas.microsoft.com/office/drawing/2014/main" id="{064DFA76-2825-43B9-BF85-EA5D7659DADF}"/>
+              </a:ext>
+            </a:extLst>
+          </p:cNvPr>
+          <p:cNvSpPr txBox="1"/>
+          <p:nvPr/>
+        </p:nvSpPr>
+        <p:spPr>
+          <a:xfrm>
+            <a:off x="843148" y="2672025"/>
+            <a:ext cx="9607138" cy="461664"/>
+          </a:xfrm>
+          <a:prstGeom prst="rect">
+            <a:avLst/>
+          </a:prstGeom>
+          <a:noFill/>
+        </p:spPr>
+        <p:txBody>
+          <a:bodyPr wrap="square" rtlCol="0">
+            <a:spAutoFit/>
+          </a:bodyPr>
+          <a:lstStyle/>
+          <a:p>
+            <a:r>
+              <a:rPr lang="en-US" sz="2400" b="1" dirty="0">
+                <a:solidFill>
+                  <a:schemeClr val="bg1"/>
+                </a:solidFill>
+              </a:rPr>
+              <a:t>Use cases:- </a:t>
+            </a:r>
+          </a:p>
+        </p:txBody>
+      </p:sp>
+      <p:sp>
+        <p:nvSpPr>
+          <p:cNvPr id="7" name="TextBox 6">
+            <a:extLst>
+              <a:ext uri="{FF2B5EF4-FFF2-40B4-BE49-F238E27FC236}">
+                <a16:creationId xmlns:a16="http://schemas.microsoft.com/office/drawing/2014/main" id="{F427DF60-EBB2-4414-9A6D-CC6C9F846107}"/>
+              </a:ext>
+            </a:extLst>
+          </p:cNvPr>
+          <p:cNvSpPr txBox="1"/>
+          <p:nvPr/>
+        </p:nvSpPr>
+        <p:spPr>
+          <a:xfrm>
+            <a:off x="853046" y="3513192"/>
+            <a:ext cx="9607138" cy="461664"/>
+          </a:xfrm>
+          <a:prstGeom prst="rect">
+            <a:avLst/>
+          </a:prstGeom>
+          <a:noFill/>
+        </p:spPr>
+        <p:txBody>
+          <a:bodyPr wrap="square" rtlCol="0">
+            <a:spAutoFit/>
+          </a:bodyPr>
+          <a:lstStyle/>
+          <a:p>
+            <a:r>
+              <a:rPr lang="en-US" sz="2400" b="1" dirty="0">
+                <a:solidFill>
+                  <a:schemeClr val="bg1"/>
+                </a:solidFill>
+              </a:rPr>
+              <a:t>Temporary scratch space</a:t>
+            </a:r>
+          </a:p>
+        </p:txBody>
+      </p:sp>
+      <p:sp>
+        <p:nvSpPr>
+          <p:cNvPr id="10" name="TextBox 9">
+            <a:extLst>
+              <a:ext uri="{FF2B5EF4-FFF2-40B4-BE49-F238E27FC236}">
+                <a16:creationId xmlns:a16="http://schemas.microsoft.com/office/drawing/2014/main" id="{D251C21A-CE8F-4784-8E3C-303F24FAC260}"/>
+              </a:ext>
+            </a:extLst>
+          </p:cNvPr>
+          <p:cNvSpPr txBox="1"/>
+          <p:nvPr/>
+        </p:nvSpPr>
+        <p:spPr>
+          <a:xfrm>
+            <a:off x="874819" y="4247482"/>
+            <a:ext cx="4409700" cy="461664"/>
+          </a:xfrm>
+          <a:prstGeom prst="rect">
+            <a:avLst/>
+          </a:prstGeom>
+          <a:noFill/>
+        </p:spPr>
+        <p:txBody>
+          <a:bodyPr wrap="square" rtlCol="0">
+            <a:spAutoFit/>
+          </a:bodyPr>
+          <a:lstStyle/>
+          <a:p>
+            <a:r>
+              <a:rPr lang="en-US" sz="2400" b="1" dirty="0">
+                <a:solidFill>
+                  <a:schemeClr val="bg1"/>
+                </a:solidFill>
+              </a:rPr>
+              <a:t>Local cache</a:t>
+            </a:r>
+          </a:p>
+        </p:txBody>
+      </p:sp>
+      <p:pic>
+        <p:nvPicPr>
+          <p:cNvPr id="4" name="Picture 3">
+            <a:extLst>
+              <a:ext uri="{FF2B5EF4-FFF2-40B4-BE49-F238E27FC236}">
+                <a16:creationId xmlns:a16="http://schemas.microsoft.com/office/drawing/2014/main" id="{560B18A5-F630-4612-BBA8-AA4078820137}"/>
+              </a:ext>
+            </a:extLst>
+          </p:cNvPr>
+          <p:cNvPicPr>
+            <a:picLocks noChangeAspect="1"/>
+          </p:cNvPicPr>
+          <p:nvPr/>
+        </p:nvPicPr>
+        <p:blipFill>
+          <a:blip r:embed="rId3"/>
+          <a:stretch>
+            <a:fillRect/>
+          </a:stretch>
+        </p:blipFill>
+        <p:spPr>
+          <a:xfrm>
+            <a:off x="6634409" y="1850781"/>
+            <a:ext cx="4219575" cy="4248150"/>
+          </a:xfrm>
+          <a:prstGeom prst="rect">
+            <a:avLst/>
+          </a:prstGeom>
+        </p:spPr>
+      </p:pic>
+    </p:spTree>
+    <p:extLst>
+      <p:ext uri="{BB962C8B-B14F-4D97-AF65-F5344CB8AC3E}">
+        <p14:creationId xmlns:p14="http://schemas.microsoft.com/office/powerpoint/2010/main" val="2350101502"/>
+      </p:ext>
+    </p:extLst>
+  </p:cSld>
+  <p:clrMapOvr>
+    <a:masterClrMapping/>
+  </p:clrMapOvr>
+</p:sld>
+</file>
+
+<file path=ppt/slides/slide56.xml><?xml version="1.0" encoding="utf-8"?>
+<p:sld xmlns:a="http://schemas.openxmlformats.org/drawingml/2006/main" xmlns:r="http://schemas.openxmlformats.org/officeDocument/2006/relationships" xmlns:p="http://schemas.openxmlformats.org/presentationml/2006/main">
+  <p:cSld>
+    <p:spTree>
+      <p:nvGrpSpPr>
+        <p:cNvPr id="1" name=""/>
+        <p:cNvGrpSpPr/>
+        <p:nvPr/>
+      </p:nvGrpSpPr>
+      <p:grpSpPr>
+        <a:xfrm>
+          <a:off x="0" y="0"/>
+          <a:ext cx="0" cy="0"/>
+          <a:chOff x="0" y="0"/>
+          <a:chExt cx="0" cy="0"/>
+        </a:xfrm>
+      </p:grpSpPr>
+      <p:sp>
+        <p:nvSpPr>
+          <p:cNvPr id="2" name="Title 4">
+            <a:extLst>
+              <a:ext uri="{FF2B5EF4-FFF2-40B4-BE49-F238E27FC236}">
+                <a16:creationId xmlns:a16="http://schemas.microsoft.com/office/drawing/2014/main" id="{E95B6AA9-38D9-4A79-977A-C0804F552444}"/>
+              </a:ext>
+            </a:extLst>
+          </p:cNvPr>
+          <p:cNvSpPr txBox="1">
+            <a:spLocks noGrp="1"/>
+          </p:cNvSpPr>
+          <p:nvPr>
+            <p:ph type="title"/>
+          </p:nvPr>
+        </p:nvSpPr>
+        <p:spPr>
+          <a:xfrm>
+            <a:off x="521208" y="691899"/>
+            <a:ext cx="6876288" cy="640080"/>
+          </a:xfrm>
+        </p:spPr>
+        <p:txBody>
+          <a:bodyPr/>
+          <a:lstStyle/>
+          <a:p>
+            <a:pPr lvl="0"/>
+            <a:r>
+              <a:rPr lang="en-US" sz="3600" dirty="0" err="1">
+                <a:solidFill>
+                  <a:srgbClr val="FFFFFF"/>
+                </a:solidFill>
+              </a:rPr>
+              <a:t>hostPath</a:t>
+            </a:r>
+            <a:r>
+              <a:rPr lang="en-US" sz="3600" dirty="0">
+                <a:solidFill>
+                  <a:srgbClr val="FFFFFF"/>
+                </a:solidFill>
+              </a:rPr>
+              <a:t> </a:t>
+            </a:r>
+            <a:endParaRPr lang="en-IN" sz="3600" dirty="0">
+              <a:solidFill>
+                <a:srgbClr val="FFFFFF"/>
+              </a:solidFill>
+            </a:endParaRPr>
+          </a:p>
+        </p:txBody>
+      </p:sp>
+      <p:cxnSp>
+        <p:nvCxnSpPr>
+          <p:cNvPr id="3" name="Straight Connector 9">
+            <a:extLst>
+              <a:ext uri="{FF2B5EF4-FFF2-40B4-BE49-F238E27FC236}">
+                <a16:creationId xmlns:a16="http://schemas.microsoft.com/office/drawing/2014/main" id="{7BB9670B-64B0-402A-A6CD-5F6B87AB1F5F}"/>
+              </a:ext>
+            </a:extLst>
+          </p:cNvPr>
+          <p:cNvCxnSpPr/>
+          <p:nvPr/>
+        </p:nvCxnSpPr>
+        <p:spPr>
+          <a:xfrm>
+            <a:off x="619762" y="1534162"/>
+            <a:ext cx="10891519" cy="0"/>
+          </a:xfrm>
+          <a:prstGeom prst="straightConnector1">
+            <a:avLst/>
+          </a:prstGeom>
+          <a:noFill/>
+          <a:ln w="19046" cap="flat">
+            <a:solidFill>
+              <a:srgbClr val="FFFFFF"/>
+            </a:solidFill>
+            <a:prstDash val="solid"/>
+            <a:miter/>
+          </a:ln>
+        </p:spPr>
+      </p:cxnSp>
+      <p:sp>
+        <p:nvSpPr>
+          <p:cNvPr id="8" name="TextBox 7">
+            <a:extLst>
+              <a:ext uri="{FF2B5EF4-FFF2-40B4-BE49-F238E27FC236}">
+                <a16:creationId xmlns:a16="http://schemas.microsoft.com/office/drawing/2014/main" id="{064DFA76-2825-43B9-BF85-EA5D7659DADF}"/>
+              </a:ext>
+            </a:extLst>
+          </p:cNvPr>
+          <p:cNvSpPr txBox="1"/>
+          <p:nvPr/>
+        </p:nvSpPr>
+        <p:spPr>
+          <a:xfrm>
+            <a:off x="843148" y="2672024"/>
+            <a:ext cx="6424551" cy="830997"/>
+          </a:xfrm>
+          <a:prstGeom prst="rect">
+            <a:avLst/>
+          </a:prstGeom>
+          <a:noFill/>
+        </p:spPr>
+        <p:txBody>
+          <a:bodyPr wrap="square" rtlCol="0">
+            <a:spAutoFit/>
+          </a:bodyPr>
+          <a:lstStyle/>
+          <a:p>
+            <a:r>
+              <a:rPr lang="en-US" sz="2400" b="1" dirty="0">
+                <a:solidFill>
+                  <a:schemeClr val="bg1"/>
+                </a:solidFill>
+              </a:rPr>
+              <a:t>Mounts a directory in the host’s file system into the POD</a:t>
+            </a:r>
+          </a:p>
+        </p:txBody>
+      </p:sp>
+      <p:sp>
+        <p:nvSpPr>
+          <p:cNvPr id="7" name="TextBox 6">
+            <a:extLst>
+              <a:ext uri="{FF2B5EF4-FFF2-40B4-BE49-F238E27FC236}">
+                <a16:creationId xmlns:a16="http://schemas.microsoft.com/office/drawing/2014/main" id="{F427DF60-EBB2-4414-9A6D-CC6C9F846107}"/>
+              </a:ext>
+            </a:extLst>
+          </p:cNvPr>
+          <p:cNvSpPr txBox="1"/>
+          <p:nvPr/>
+        </p:nvSpPr>
+        <p:spPr>
+          <a:xfrm>
+            <a:off x="853046" y="3976328"/>
+            <a:ext cx="7020294" cy="461664"/>
+          </a:xfrm>
+          <a:prstGeom prst="rect">
+            <a:avLst/>
+          </a:prstGeom>
+          <a:noFill/>
+        </p:spPr>
+        <p:txBody>
+          <a:bodyPr wrap="square" rtlCol="0">
+            <a:spAutoFit/>
+          </a:bodyPr>
+          <a:lstStyle/>
+          <a:p>
+            <a:r>
+              <a:rPr lang="en-US" sz="2400" b="1" dirty="0">
+                <a:solidFill>
+                  <a:schemeClr val="bg1"/>
+                </a:solidFill>
+              </a:rPr>
+              <a:t>Remain even if the POD is removed</a:t>
+            </a:r>
+          </a:p>
+        </p:txBody>
+      </p:sp>
+      <p:pic>
+        <p:nvPicPr>
+          <p:cNvPr id="9" name="Picture 8">
+            <a:extLst>
+              <a:ext uri="{FF2B5EF4-FFF2-40B4-BE49-F238E27FC236}">
+                <a16:creationId xmlns:a16="http://schemas.microsoft.com/office/drawing/2014/main" id="{BB9D20DC-1976-4C7D-8976-CE1D05B16B4F}"/>
+              </a:ext>
+            </a:extLst>
+          </p:cNvPr>
+          <p:cNvPicPr>
+            <a:picLocks noChangeAspect="1"/>
+          </p:cNvPicPr>
+          <p:nvPr/>
+        </p:nvPicPr>
+        <p:blipFill>
+          <a:blip r:embed="rId3"/>
+          <a:stretch>
+            <a:fillRect/>
+          </a:stretch>
+        </p:blipFill>
+        <p:spPr>
+          <a:xfrm>
+            <a:off x="7173325" y="2123715"/>
+            <a:ext cx="4076700" cy="3705225"/>
+          </a:xfrm>
+          <a:prstGeom prst="rect">
+            <a:avLst/>
+          </a:prstGeom>
+        </p:spPr>
+      </p:pic>
+    </p:spTree>
+    <p:extLst>
+      <p:ext uri="{BB962C8B-B14F-4D97-AF65-F5344CB8AC3E}">
+        <p14:creationId xmlns:p14="http://schemas.microsoft.com/office/powerpoint/2010/main" val="1682761381"/>
+      </p:ext>
+    </p:extLst>
+  </p:cSld>
+  <p:clrMapOvr>
+    <a:masterClrMapping/>
+  </p:clrMapOvr>
+</p:sld>
+</file>
+
+<file path=ppt/slides/slide57.xml><?xml version="1.0" encoding="utf-8"?>
+<p:sld xmlns:a="http://schemas.openxmlformats.org/drawingml/2006/main" xmlns:r="http://schemas.openxmlformats.org/officeDocument/2006/relationships" xmlns:p="http://schemas.openxmlformats.org/presentationml/2006/main">
+  <p:cSld>
+    <p:spTree>
+      <p:nvGrpSpPr>
+        <p:cNvPr id="1" name=""/>
+        <p:cNvGrpSpPr/>
+        <p:nvPr/>
+      </p:nvGrpSpPr>
+      <p:grpSpPr>
+        <a:xfrm>
+          <a:off x="0" y="0"/>
+          <a:ext cx="0" cy="0"/>
+          <a:chOff x="0" y="0"/>
+          <a:chExt cx="0" cy="0"/>
+        </a:xfrm>
+      </p:grpSpPr>
+      <p:sp>
+        <p:nvSpPr>
+          <p:cNvPr id="2" name="Title 4">
+            <a:extLst>
+              <a:ext uri="{FF2B5EF4-FFF2-40B4-BE49-F238E27FC236}">
+                <a16:creationId xmlns:a16="http://schemas.microsoft.com/office/drawing/2014/main" id="{E95B6AA9-38D9-4A79-977A-C0804F552444}"/>
+              </a:ext>
+            </a:extLst>
+          </p:cNvPr>
+          <p:cNvSpPr txBox="1">
+            <a:spLocks noGrp="1"/>
+          </p:cNvSpPr>
+          <p:nvPr>
+            <p:ph type="title"/>
+          </p:nvPr>
+        </p:nvSpPr>
+        <p:spPr>
+          <a:xfrm>
+            <a:off x="521208" y="691899"/>
+            <a:ext cx="6876288" cy="640080"/>
+          </a:xfrm>
+        </p:spPr>
+        <p:txBody>
+          <a:bodyPr/>
+          <a:lstStyle/>
+          <a:p>
+            <a:pPr lvl="0"/>
+            <a:r>
+              <a:rPr lang="en-US" sz="3600" dirty="0">
+                <a:solidFill>
+                  <a:srgbClr val="FFFFFF"/>
+                </a:solidFill>
+              </a:rPr>
+              <a:t>secrets </a:t>
+            </a:r>
+            <a:endParaRPr lang="en-IN" sz="3600" dirty="0">
+              <a:solidFill>
+                <a:srgbClr val="FFFFFF"/>
+              </a:solidFill>
+            </a:endParaRPr>
+          </a:p>
+        </p:txBody>
+      </p:sp>
+      <p:cxnSp>
+        <p:nvCxnSpPr>
+          <p:cNvPr id="3" name="Straight Connector 9">
+            <a:extLst>
+              <a:ext uri="{FF2B5EF4-FFF2-40B4-BE49-F238E27FC236}">
+                <a16:creationId xmlns:a16="http://schemas.microsoft.com/office/drawing/2014/main" id="{7BB9670B-64B0-402A-A6CD-5F6B87AB1F5F}"/>
+              </a:ext>
+            </a:extLst>
+          </p:cNvPr>
+          <p:cNvCxnSpPr/>
+          <p:nvPr/>
+        </p:nvCxnSpPr>
+        <p:spPr>
+          <a:xfrm>
+            <a:off x="619762" y="1534162"/>
+            <a:ext cx="10891519" cy="0"/>
+          </a:xfrm>
+          <a:prstGeom prst="straightConnector1">
+            <a:avLst/>
+          </a:prstGeom>
+          <a:noFill/>
+          <a:ln w="19046" cap="flat">
+            <a:solidFill>
+              <a:srgbClr val="FFFFFF"/>
+            </a:solidFill>
+            <a:prstDash val="solid"/>
+            <a:miter/>
+          </a:ln>
+        </p:spPr>
+      </p:cxnSp>
+      <p:sp>
+        <p:nvSpPr>
+          <p:cNvPr id="10" name="TextBox 9">
+            <a:extLst>
+              <a:ext uri="{FF2B5EF4-FFF2-40B4-BE49-F238E27FC236}">
+                <a16:creationId xmlns:a16="http://schemas.microsoft.com/office/drawing/2014/main" id="{7061B29C-5BCE-4650-A847-8FE2509E7F95}"/>
+              </a:ext>
+            </a:extLst>
+          </p:cNvPr>
+          <p:cNvSpPr txBox="1"/>
+          <p:nvPr/>
+        </p:nvSpPr>
+        <p:spPr>
+          <a:xfrm>
+            <a:off x="881019" y="2315696"/>
+            <a:ext cx="9794898" cy="461665"/>
+          </a:xfrm>
+          <a:prstGeom prst="rect">
+            <a:avLst/>
+          </a:prstGeom>
+          <a:noFill/>
+        </p:spPr>
+        <p:txBody>
+          <a:bodyPr wrap="square" rtlCol="0">
+            <a:spAutoFit/>
+          </a:bodyPr>
+          <a:lstStyle/>
+          <a:p>
+            <a:r>
+              <a:rPr lang="en-US" sz="2400" b="1" dirty="0">
+                <a:solidFill>
+                  <a:schemeClr val="bg1"/>
+                </a:solidFill>
+              </a:rPr>
+              <a:t>Secret is a Kubernetes object that stores sensitive data safely</a:t>
+            </a:r>
+          </a:p>
+        </p:txBody>
+      </p:sp>
+      <p:sp>
+        <p:nvSpPr>
+          <p:cNvPr id="11" name="TextBox 10">
+            <a:extLst>
+              <a:ext uri="{FF2B5EF4-FFF2-40B4-BE49-F238E27FC236}">
+                <a16:creationId xmlns:a16="http://schemas.microsoft.com/office/drawing/2014/main" id="{14A5EBA9-A232-456A-976B-B5935EDF22ED}"/>
+              </a:ext>
+            </a:extLst>
+          </p:cNvPr>
+          <p:cNvSpPr txBox="1"/>
+          <p:nvPr/>
+        </p:nvSpPr>
+        <p:spPr>
+          <a:xfrm>
+            <a:off x="843149" y="2965867"/>
+            <a:ext cx="4310742" cy="2831544"/>
+          </a:xfrm>
+          <a:prstGeom prst="rect">
+            <a:avLst/>
+          </a:prstGeom>
+          <a:noFill/>
+        </p:spPr>
+        <p:txBody>
+          <a:bodyPr wrap="square" rtlCol="0">
+            <a:spAutoFit/>
+          </a:bodyPr>
+          <a:lstStyle/>
+          <a:p>
+            <a:endParaRPr lang="en-US" sz="2000" b="1" dirty="0">
+              <a:solidFill>
+                <a:schemeClr val="bg1"/>
+              </a:solidFill>
+            </a:endParaRPr>
+          </a:p>
+          <a:p>
+            <a:r>
+              <a:rPr lang="en-US" sz="2000" b="1" dirty="0">
+                <a:solidFill>
+                  <a:schemeClr val="bg1"/>
+                </a:solidFill>
+              </a:rPr>
+              <a:t>Exp:- </a:t>
+            </a:r>
+          </a:p>
+          <a:p>
+            <a:endParaRPr lang="en-US" sz="2000" b="1" dirty="0">
+              <a:solidFill>
+                <a:schemeClr val="bg1"/>
+              </a:solidFill>
+            </a:endParaRPr>
+          </a:p>
+          <a:p>
+            <a:r>
+              <a:rPr lang="en-US" sz="2000" b="1" dirty="0">
+                <a:solidFill>
+                  <a:schemeClr val="bg1"/>
+                </a:solidFill>
+              </a:rPr>
+              <a:t>SSH keys</a:t>
+            </a:r>
+          </a:p>
+          <a:p>
+            <a:r>
+              <a:rPr lang="en-US" sz="2000" b="1" dirty="0">
+                <a:solidFill>
+                  <a:schemeClr val="bg1"/>
+                </a:solidFill>
+              </a:rPr>
+              <a:t>Database passwords</a:t>
+            </a:r>
+          </a:p>
+          <a:p>
+            <a:r>
+              <a:rPr lang="en-US" sz="2000" b="1" dirty="0">
+                <a:solidFill>
+                  <a:schemeClr val="bg1"/>
+                </a:solidFill>
+              </a:rPr>
+              <a:t>OAuth tokens</a:t>
+            </a:r>
+          </a:p>
+          <a:p>
+            <a:r>
+              <a:rPr lang="en-US" sz="2000" b="1" dirty="0">
+                <a:solidFill>
+                  <a:schemeClr val="bg1"/>
+                </a:solidFill>
+              </a:rPr>
+              <a:t>API keys</a:t>
+            </a:r>
+          </a:p>
+          <a:p>
+            <a:r>
+              <a:rPr lang="en-US" sz="2000" b="1" dirty="0">
+                <a:solidFill>
+                  <a:schemeClr val="bg1"/>
+                </a:solidFill>
+              </a:rPr>
+              <a:t>Image registry keys</a:t>
+            </a:r>
+          </a:p>
+          <a:p>
+            <a:endParaRPr lang="en-IN" dirty="0"/>
+          </a:p>
+        </p:txBody>
+      </p:sp>
+      <p:pic>
+        <p:nvPicPr>
+          <p:cNvPr id="12" name="Picture 11">
+            <a:extLst>
+              <a:ext uri="{FF2B5EF4-FFF2-40B4-BE49-F238E27FC236}">
+                <a16:creationId xmlns:a16="http://schemas.microsoft.com/office/drawing/2014/main" id="{95A205D8-C997-4A63-977E-51DE22985EF4}"/>
+              </a:ext>
+            </a:extLst>
+          </p:cNvPr>
+          <p:cNvPicPr>
+            <a:picLocks noChangeAspect="1"/>
+          </p:cNvPicPr>
+          <p:nvPr/>
+        </p:nvPicPr>
+        <p:blipFill>
+          <a:blip r:embed="rId3"/>
+          <a:stretch>
+            <a:fillRect/>
+          </a:stretch>
+        </p:blipFill>
+        <p:spPr>
+          <a:xfrm>
+            <a:off x="6341484" y="3558892"/>
+            <a:ext cx="3000375" cy="2114550"/>
+          </a:xfrm>
+          <a:prstGeom prst="rect">
+            <a:avLst/>
+          </a:prstGeom>
+        </p:spPr>
+      </p:pic>
+    </p:spTree>
+    <p:extLst>
+      <p:ext uri="{BB962C8B-B14F-4D97-AF65-F5344CB8AC3E}">
+        <p14:creationId xmlns:p14="http://schemas.microsoft.com/office/powerpoint/2010/main" val="1044490030"/>
+      </p:ext>
+    </p:extLst>
+  </p:cSld>
+  <p:clrMapOvr>
+    <a:masterClrMapping/>
+  </p:clrMapOvr>
+</p:sld>
+</file>
+
+<file path=ppt/slides/slide58.xml><?xml version="1.0" encoding="utf-8"?>
+<p:sld xmlns:a="http://schemas.openxmlformats.org/drawingml/2006/main" xmlns:r="http://schemas.openxmlformats.org/officeDocument/2006/relationships" xmlns:p="http://schemas.openxmlformats.org/presentationml/2006/main">
+  <p:cSld>
+    <p:spTree>
+      <p:nvGrpSpPr>
+        <p:cNvPr id="1" name=""/>
+        <p:cNvGrpSpPr/>
+        <p:nvPr/>
+      </p:nvGrpSpPr>
+      <p:grpSpPr>
+        <a:xfrm>
+          <a:off x="0" y="0"/>
+          <a:ext cx="0" cy="0"/>
+          <a:chOff x="0" y="0"/>
+          <a:chExt cx="0" cy="0"/>
+        </a:xfrm>
+      </p:grpSpPr>
+      <p:sp>
+        <p:nvSpPr>
+          <p:cNvPr id="2" name="Title 4">
+            <a:extLst>
+              <a:ext uri="{FF2B5EF4-FFF2-40B4-BE49-F238E27FC236}">
+                <a16:creationId xmlns:a16="http://schemas.microsoft.com/office/drawing/2014/main" id="{E95B6AA9-38D9-4A79-977A-C0804F552444}"/>
+              </a:ext>
+            </a:extLst>
+          </p:cNvPr>
+          <p:cNvSpPr txBox="1">
+            <a:spLocks noGrp="1"/>
+          </p:cNvSpPr>
+          <p:nvPr>
+            <p:ph type="title"/>
+          </p:nvPr>
+        </p:nvSpPr>
+        <p:spPr>
+          <a:xfrm>
+            <a:off x="521208" y="691899"/>
+            <a:ext cx="6876288" cy="640080"/>
+          </a:xfrm>
+        </p:spPr>
+        <p:txBody>
+          <a:bodyPr/>
+          <a:lstStyle/>
+          <a:p>
+            <a:pPr lvl="0"/>
+            <a:r>
+              <a:rPr lang="en-US" sz="3600" dirty="0">
+                <a:solidFill>
+                  <a:srgbClr val="FFFFFF"/>
+                </a:solidFill>
+              </a:rPr>
+              <a:t>Access secrets </a:t>
+            </a:r>
+            <a:endParaRPr lang="en-IN" sz="3600" dirty="0">
+              <a:solidFill>
+                <a:srgbClr val="FFFFFF"/>
+              </a:solidFill>
+            </a:endParaRPr>
+          </a:p>
+        </p:txBody>
+      </p:sp>
+      <p:cxnSp>
+        <p:nvCxnSpPr>
+          <p:cNvPr id="3" name="Straight Connector 9">
+            <a:extLst>
+              <a:ext uri="{FF2B5EF4-FFF2-40B4-BE49-F238E27FC236}">
+                <a16:creationId xmlns:a16="http://schemas.microsoft.com/office/drawing/2014/main" id="{7BB9670B-64B0-402A-A6CD-5F6B87AB1F5F}"/>
+              </a:ext>
+            </a:extLst>
+          </p:cNvPr>
+          <p:cNvCxnSpPr/>
+          <p:nvPr/>
+        </p:nvCxnSpPr>
+        <p:spPr>
+          <a:xfrm>
+            <a:off x="619762" y="1534162"/>
+            <a:ext cx="10891519" cy="0"/>
+          </a:xfrm>
+          <a:prstGeom prst="straightConnector1">
+            <a:avLst/>
+          </a:prstGeom>
+          <a:noFill/>
+          <a:ln w="19046" cap="flat">
+            <a:solidFill>
+              <a:srgbClr val="FFFFFF"/>
+            </a:solidFill>
+            <a:prstDash val="solid"/>
+            <a:miter/>
+          </a:ln>
+        </p:spPr>
+      </p:cxnSp>
+      <p:sp>
+        <p:nvSpPr>
+          <p:cNvPr id="10" name="TextBox 9">
+            <a:extLst>
+              <a:ext uri="{FF2B5EF4-FFF2-40B4-BE49-F238E27FC236}">
+                <a16:creationId xmlns:a16="http://schemas.microsoft.com/office/drawing/2014/main" id="{7061B29C-5BCE-4650-A847-8FE2509E7F95}"/>
+              </a:ext>
+            </a:extLst>
+          </p:cNvPr>
+          <p:cNvSpPr txBox="1"/>
+          <p:nvPr/>
+        </p:nvSpPr>
+        <p:spPr>
+          <a:xfrm>
+            <a:off x="619762" y="2731330"/>
+            <a:ext cx="4569755" cy="461664"/>
+          </a:xfrm>
+          <a:prstGeom prst="rect">
+            <a:avLst/>
+          </a:prstGeom>
+          <a:noFill/>
+        </p:spPr>
+        <p:txBody>
+          <a:bodyPr wrap="square" rtlCol="0">
+            <a:spAutoFit/>
+          </a:bodyPr>
+          <a:lstStyle/>
+          <a:p>
+            <a:r>
+              <a:rPr lang="en-US" sz="2400" b="1" dirty="0">
+                <a:solidFill>
+                  <a:schemeClr val="bg1"/>
+                </a:solidFill>
+              </a:rPr>
+              <a:t>    Through Files Inside a Volume</a:t>
+            </a:r>
+          </a:p>
+        </p:txBody>
+      </p:sp>
+      <p:sp>
+        <p:nvSpPr>
+          <p:cNvPr id="7" name="TextBox 6">
+            <a:extLst>
+              <a:ext uri="{FF2B5EF4-FFF2-40B4-BE49-F238E27FC236}">
+                <a16:creationId xmlns:a16="http://schemas.microsoft.com/office/drawing/2014/main" id="{0D628005-2632-4F3C-8C8E-47C73C893264}"/>
+              </a:ext>
+            </a:extLst>
+          </p:cNvPr>
+          <p:cNvSpPr txBox="1"/>
+          <p:nvPr/>
+        </p:nvSpPr>
+        <p:spPr>
+          <a:xfrm>
+            <a:off x="665285" y="3833757"/>
+            <a:ext cx="4569755" cy="461664"/>
+          </a:xfrm>
+          <a:prstGeom prst="rect">
+            <a:avLst/>
+          </a:prstGeom>
+          <a:noFill/>
+        </p:spPr>
+        <p:txBody>
+          <a:bodyPr wrap="square" rtlCol="0">
+            <a:spAutoFit/>
+          </a:bodyPr>
+          <a:lstStyle/>
+          <a:p>
+            <a:r>
+              <a:rPr lang="en-IN" sz="2400" b="1" dirty="0"/>
+              <a:t>    </a:t>
+            </a:r>
+            <a:r>
+              <a:rPr lang="en-IN" sz="2400" b="1" dirty="0">
+                <a:solidFill>
+                  <a:schemeClr val="bg1"/>
+                </a:solidFill>
+              </a:rPr>
+              <a:t>Through Environment Variables</a:t>
+            </a:r>
+          </a:p>
+        </p:txBody>
+      </p:sp>
+    </p:spTree>
+    <p:extLst>
+      <p:ext uri="{BB962C8B-B14F-4D97-AF65-F5344CB8AC3E}">
+        <p14:creationId xmlns:p14="http://schemas.microsoft.com/office/powerpoint/2010/main" val="2873645621"/>
+      </p:ext>
+    </p:extLst>
+  </p:cSld>
+  <p:clrMapOvr>
+    <a:masterClrMapping/>
+  </p:clrMapOvr>
+</p:sld>
+</file>
+
+<file path=ppt/slides/slide59.xml><?xml version="1.0" encoding="utf-8"?>
+<p:sld xmlns:a="http://schemas.openxmlformats.org/drawingml/2006/main" xmlns:r="http://schemas.openxmlformats.org/officeDocument/2006/relationships" xmlns:p="http://schemas.openxmlformats.org/presentationml/2006/main">
+  <p:cSld>
+    <p:spTree>
+      <p:nvGrpSpPr>
+        <p:cNvPr id="1" name=""/>
+        <p:cNvGrpSpPr/>
+        <p:nvPr/>
+      </p:nvGrpSpPr>
+      <p:grpSpPr>
+        <a:xfrm>
+          <a:off x="0" y="0"/>
+          <a:ext cx="0" cy="0"/>
+          <a:chOff x="0" y="0"/>
+          <a:chExt cx="0" cy="0"/>
+        </a:xfrm>
+      </p:grpSpPr>
+      <p:sp>
+        <p:nvSpPr>
+          <p:cNvPr id="2" name="Title 4">
+            <a:extLst>
+              <a:ext uri="{FF2B5EF4-FFF2-40B4-BE49-F238E27FC236}">
+                <a16:creationId xmlns:a16="http://schemas.microsoft.com/office/drawing/2014/main" id="{E95B6AA9-38D9-4A79-977A-C0804F552444}"/>
+              </a:ext>
+            </a:extLst>
+          </p:cNvPr>
+          <p:cNvSpPr txBox="1">
+            <a:spLocks noGrp="1"/>
+          </p:cNvSpPr>
+          <p:nvPr>
+            <p:ph type="title"/>
+          </p:nvPr>
+        </p:nvSpPr>
+        <p:spPr>
+          <a:xfrm>
+            <a:off x="521208" y="691899"/>
+            <a:ext cx="6876288" cy="640080"/>
+          </a:xfrm>
+        </p:spPr>
+        <p:txBody>
+          <a:bodyPr/>
+          <a:lstStyle/>
+          <a:p>
+            <a:pPr lvl="0"/>
+            <a:r>
+              <a:rPr lang="en-US" sz="3600" dirty="0" err="1">
+                <a:solidFill>
+                  <a:srgbClr val="FFFFFF"/>
+                </a:solidFill>
+              </a:rPr>
+              <a:t>ConfigMap</a:t>
+            </a:r>
+            <a:endParaRPr lang="en-IN" sz="3600" dirty="0">
+              <a:solidFill>
+                <a:srgbClr val="FFFFFF"/>
+              </a:solidFill>
+            </a:endParaRPr>
+          </a:p>
+        </p:txBody>
+      </p:sp>
+      <p:cxnSp>
+        <p:nvCxnSpPr>
+          <p:cNvPr id="3" name="Straight Connector 9">
+            <a:extLst>
+              <a:ext uri="{FF2B5EF4-FFF2-40B4-BE49-F238E27FC236}">
+                <a16:creationId xmlns:a16="http://schemas.microsoft.com/office/drawing/2014/main" id="{7BB9670B-64B0-402A-A6CD-5F6B87AB1F5F}"/>
+              </a:ext>
+            </a:extLst>
+          </p:cNvPr>
+          <p:cNvCxnSpPr/>
+          <p:nvPr/>
+        </p:nvCxnSpPr>
+        <p:spPr>
+          <a:xfrm>
+            <a:off x="619762" y="1534162"/>
+            <a:ext cx="10891519" cy="0"/>
+          </a:xfrm>
+          <a:prstGeom prst="straightConnector1">
+            <a:avLst/>
+          </a:prstGeom>
+          <a:noFill/>
+          <a:ln w="19046" cap="flat">
+            <a:solidFill>
+              <a:srgbClr val="FFFFFF"/>
+            </a:solidFill>
+            <a:prstDash val="solid"/>
+            <a:miter/>
+          </a:ln>
+        </p:spPr>
+      </p:cxnSp>
+      <p:sp>
+        <p:nvSpPr>
+          <p:cNvPr id="10" name="TextBox 9">
+            <a:extLst>
+              <a:ext uri="{FF2B5EF4-FFF2-40B4-BE49-F238E27FC236}">
+                <a16:creationId xmlns:a16="http://schemas.microsoft.com/office/drawing/2014/main" id="{7061B29C-5BCE-4650-A847-8FE2509E7F95}"/>
+              </a:ext>
+            </a:extLst>
+          </p:cNvPr>
+          <p:cNvSpPr txBox="1"/>
+          <p:nvPr/>
+        </p:nvSpPr>
+        <p:spPr>
+          <a:xfrm>
+            <a:off x="619762" y="2648203"/>
+            <a:ext cx="11029932" cy="589072"/>
+          </a:xfrm>
+          <a:prstGeom prst="rect">
+            <a:avLst/>
+          </a:prstGeom>
+          <a:noFill/>
+        </p:spPr>
+        <p:txBody>
+          <a:bodyPr wrap="square" rtlCol="0">
+            <a:spAutoFit/>
+          </a:bodyPr>
+          <a:lstStyle/>
+          <a:p>
+            <a:pPr>
+              <a:lnSpc>
+                <a:spcPct val="150000"/>
+              </a:lnSpc>
+            </a:pPr>
+            <a:r>
+              <a:rPr lang="en-US" sz="2400" b="1" dirty="0">
+                <a:solidFill>
+                  <a:schemeClr val="bg1"/>
+                </a:solidFill>
+              </a:rPr>
+              <a:t>Dictionary of configuration settings to </a:t>
+            </a:r>
+            <a:r>
+              <a:rPr lang="en-IN" sz="2400" b="1" dirty="0">
+                <a:solidFill>
+                  <a:schemeClr val="bg1"/>
+                </a:solidFill>
+              </a:rPr>
+              <a:t>manage your containerized applications</a:t>
+            </a:r>
+            <a:endParaRPr lang="en-US" sz="2400" b="1" dirty="0">
+              <a:solidFill>
+                <a:schemeClr val="bg1"/>
+              </a:solidFill>
+            </a:endParaRPr>
+          </a:p>
+        </p:txBody>
+      </p:sp>
+      <p:sp>
+        <p:nvSpPr>
+          <p:cNvPr id="7" name="TextBox 6">
+            <a:extLst>
+              <a:ext uri="{FF2B5EF4-FFF2-40B4-BE49-F238E27FC236}">
+                <a16:creationId xmlns:a16="http://schemas.microsoft.com/office/drawing/2014/main" id="{0D628005-2632-4F3C-8C8E-47C73C893264}"/>
+              </a:ext>
+            </a:extLst>
+          </p:cNvPr>
+          <p:cNvSpPr txBox="1"/>
+          <p:nvPr/>
+        </p:nvSpPr>
+        <p:spPr>
+          <a:xfrm>
+            <a:off x="1092796" y="3370624"/>
+            <a:ext cx="8502465" cy="461665"/>
+          </a:xfrm>
+          <a:prstGeom prst="rect">
+            <a:avLst/>
+          </a:prstGeom>
+          <a:noFill/>
+        </p:spPr>
+        <p:txBody>
+          <a:bodyPr wrap="square" rtlCol="0">
+            <a:spAutoFit/>
+          </a:bodyPr>
+          <a:lstStyle/>
+          <a:p>
+            <a:r>
+              <a:rPr lang="en-IN" sz="2400" b="1" dirty="0">
+                <a:solidFill>
+                  <a:schemeClr val="bg1"/>
+                </a:solidFill>
+              </a:rPr>
+              <a:t>Exp: - </a:t>
+            </a:r>
+            <a:r>
+              <a:rPr lang="en-US" sz="2400" b="1" dirty="0">
+                <a:solidFill>
+                  <a:schemeClr val="bg1"/>
+                </a:solidFill>
+              </a:rPr>
+              <a:t>connection strings, analytics keys, and service URLs</a:t>
+            </a:r>
+            <a:endParaRPr lang="en-IN" sz="2400" b="1" dirty="0">
+              <a:solidFill>
+                <a:schemeClr val="bg1"/>
+              </a:solidFill>
+            </a:endParaRPr>
+          </a:p>
+        </p:txBody>
+      </p:sp>
+      <p:sp>
+        <p:nvSpPr>
+          <p:cNvPr id="4" name="TextBox 3">
+            <a:extLst>
+              <a:ext uri="{FF2B5EF4-FFF2-40B4-BE49-F238E27FC236}">
+                <a16:creationId xmlns:a16="http://schemas.microsoft.com/office/drawing/2014/main" id="{09251729-9DB2-4550-B0A2-7BB0A36664DB}"/>
+              </a:ext>
+            </a:extLst>
+          </p:cNvPr>
+          <p:cNvSpPr txBox="1"/>
+          <p:nvPr/>
+        </p:nvSpPr>
+        <p:spPr>
+          <a:xfrm>
+            <a:off x="724396" y="4405749"/>
+            <a:ext cx="10497787" cy="461665"/>
+          </a:xfrm>
+          <a:prstGeom prst="rect">
+            <a:avLst/>
+          </a:prstGeom>
+          <a:noFill/>
+        </p:spPr>
+        <p:txBody>
+          <a:bodyPr wrap="square" rtlCol="0">
+            <a:spAutoFit/>
+          </a:bodyPr>
+          <a:lstStyle/>
+          <a:p>
+            <a:r>
+              <a:rPr lang="en-US" sz="2400" b="1" dirty="0">
+                <a:solidFill>
+                  <a:schemeClr val="bg1"/>
+                </a:solidFill>
+              </a:rPr>
+              <a:t>Helps keep your application code separate from your configuration </a:t>
+            </a:r>
+            <a:endParaRPr lang="en-IN" sz="2400" b="1" dirty="0">
+              <a:solidFill>
+                <a:schemeClr val="bg1"/>
+              </a:solidFill>
+            </a:endParaRPr>
+          </a:p>
+        </p:txBody>
+      </p:sp>
+    </p:spTree>
+    <p:extLst>
+      <p:ext uri="{BB962C8B-B14F-4D97-AF65-F5344CB8AC3E}">
+        <p14:creationId xmlns:p14="http://schemas.microsoft.com/office/powerpoint/2010/main" val="2497621317"/>
       </p:ext>
     </p:extLst>
   </p:cSld>
@@ -23860,6 +30126,925 @@
     <p:extLst>
       <p:ext uri="{BB962C8B-B14F-4D97-AF65-F5344CB8AC3E}">
         <p14:creationId xmlns:p14="http://schemas.microsoft.com/office/powerpoint/2010/main" val="2861832484"/>
+      </p:ext>
+    </p:extLst>
+  </p:cSld>
+  <p:clrMapOvr>
+    <a:masterClrMapping/>
+  </p:clrMapOvr>
+</p:sld>
+</file>
+
+<file path=ppt/slides/slide60.xml><?xml version="1.0" encoding="utf-8"?>
+<p:sld xmlns:a="http://schemas.openxmlformats.org/drawingml/2006/main" xmlns:r="http://schemas.openxmlformats.org/officeDocument/2006/relationships" xmlns:p="http://schemas.openxmlformats.org/presentationml/2006/main">
+  <p:cSld>
+    <p:spTree>
+      <p:nvGrpSpPr>
+        <p:cNvPr id="1" name=""/>
+        <p:cNvGrpSpPr/>
+        <p:nvPr/>
+      </p:nvGrpSpPr>
+      <p:grpSpPr>
+        <a:xfrm>
+          <a:off x="0" y="0"/>
+          <a:ext cx="0" cy="0"/>
+          <a:chOff x="0" y="0"/>
+          <a:chExt cx="0" cy="0"/>
+        </a:xfrm>
+      </p:grpSpPr>
+      <p:sp>
+        <p:nvSpPr>
+          <p:cNvPr id="2" name="Title 4">
+            <a:extLst>
+              <a:ext uri="{FF2B5EF4-FFF2-40B4-BE49-F238E27FC236}">
+                <a16:creationId xmlns:a16="http://schemas.microsoft.com/office/drawing/2014/main" id="{E95B6AA9-38D9-4A79-977A-C0804F552444}"/>
+              </a:ext>
+            </a:extLst>
+          </p:cNvPr>
+          <p:cNvSpPr txBox="1">
+            <a:spLocks noGrp="1"/>
+          </p:cNvSpPr>
+          <p:nvPr>
+            <p:ph type="title"/>
+          </p:nvPr>
+        </p:nvSpPr>
+        <p:spPr>
+          <a:xfrm>
+            <a:off x="521208" y="691899"/>
+            <a:ext cx="6876288" cy="640080"/>
+          </a:xfrm>
+        </p:spPr>
+        <p:txBody>
+          <a:bodyPr/>
+          <a:lstStyle/>
+          <a:p>
+            <a:pPr lvl="0"/>
+            <a:r>
+              <a:rPr lang="en-US" sz="3600" dirty="0" err="1">
+                <a:solidFill>
+                  <a:srgbClr val="FFFFFF"/>
+                </a:solidFill>
+              </a:rPr>
+              <a:t>ConfigMap</a:t>
+            </a:r>
+            <a:endParaRPr lang="en-IN" sz="3600" dirty="0">
+              <a:solidFill>
+                <a:srgbClr val="FFFFFF"/>
+              </a:solidFill>
+            </a:endParaRPr>
+          </a:p>
+        </p:txBody>
+      </p:sp>
+      <p:cxnSp>
+        <p:nvCxnSpPr>
+          <p:cNvPr id="3" name="Straight Connector 9">
+            <a:extLst>
+              <a:ext uri="{FF2B5EF4-FFF2-40B4-BE49-F238E27FC236}">
+                <a16:creationId xmlns:a16="http://schemas.microsoft.com/office/drawing/2014/main" id="{7BB9670B-64B0-402A-A6CD-5F6B87AB1F5F}"/>
+              </a:ext>
+            </a:extLst>
+          </p:cNvPr>
+          <p:cNvCxnSpPr/>
+          <p:nvPr/>
+        </p:nvCxnSpPr>
+        <p:spPr>
+          <a:xfrm>
+            <a:off x="619762" y="1534162"/>
+            <a:ext cx="10891519" cy="0"/>
+          </a:xfrm>
+          <a:prstGeom prst="straightConnector1">
+            <a:avLst/>
+          </a:prstGeom>
+          <a:noFill/>
+          <a:ln w="19046" cap="flat">
+            <a:solidFill>
+              <a:srgbClr val="FFFFFF"/>
+            </a:solidFill>
+            <a:prstDash val="solid"/>
+            <a:miter/>
+          </a:ln>
+        </p:spPr>
+      </p:cxnSp>
+      <p:sp>
+        <p:nvSpPr>
+          <p:cNvPr id="10" name="TextBox 9">
+            <a:extLst>
+              <a:ext uri="{FF2B5EF4-FFF2-40B4-BE49-F238E27FC236}">
+                <a16:creationId xmlns:a16="http://schemas.microsoft.com/office/drawing/2014/main" id="{7061B29C-5BCE-4650-A847-8FE2509E7F95}"/>
+              </a:ext>
+            </a:extLst>
+          </p:cNvPr>
+          <p:cNvSpPr txBox="1"/>
+          <p:nvPr/>
+        </p:nvSpPr>
+        <p:spPr>
+          <a:xfrm>
+            <a:off x="619762" y="2648203"/>
+            <a:ext cx="11029932" cy="589072"/>
+          </a:xfrm>
+          <a:prstGeom prst="rect">
+            <a:avLst/>
+          </a:prstGeom>
+          <a:noFill/>
+        </p:spPr>
+        <p:txBody>
+          <a:bodyPr wrap="square" rtlCol="0">
+            <a:spAutoFit/>
+          </a:bodyPr>
+          <a:lstStyle/>
+          <a:p>
+            <a:pPr>
+              <a:lnSpc>
+                <a:spcPct val="150000"/>
+              </a:lnSpc>
+            </a:pPr>
+            <a:r>
+              <a:rPr lang="en-US" sz="2400" b="1" dirty="0">
+                <a:solidFill>
+                  <a:schemeClr val="bg1"/>
+                </a:solidFill>
+              </a:rPr>
+              <a:t>Dictionary of configuration settings to </a:t>
+            </a:r>
+            <a:r>
+              <a:rPr lang="en-IN" sz="2400" b="1" dirty="0">
+                <a:solidFill>
+                  <a:schemeClr val="bg1"/>
+                </a:solidFill>
+              </a:rPr>
+              <a:t>manage your containerized applications</a:t>
+            </a:r>
+            <a:endParaRPr lang="en-US" sz="2400" b="1" dirty="0">
+              <a:solidFill>
+                <a:schemeClr val="bg1"/>
+              </a:solidFill>
+            </a:endParaRPr>
+          </a:p>
+        </p:txBody>
+      </p:sp>
+      <p:sp>
+        <p:nvSpPr>
+          <p:cNvPr id="7" name="TextBox 6">
+            <a:extLst>
+              <a:ext uri="{FF2B5EF4-FFF2-40B4-BE49-F238E27FC236}">
+                <a16:creationId xmlns:a16="http://schemas.microsoft.com/office/drawing/2014/main" id="{0D628005-2632-4F3C-8C8E-47C73C893264}"/>
+              </a:ext>
+            </a:extLst>
+          </p:cNvPr>
+          <p:cNvSpPr txBox="1"/>
+          <p:nvPr/>
+        </p:nvSpPr>
+        <p:spPr>
+          <a:xfrm>
+            <a:off x="1092796" y="3370624"/>
+            <a:ext cx="8502465" cy="461665"/>
+          </a:xfrm>
+          <a:prstGeom prst="rect">
+            <a:avLst/>
+          </a:prstGeom>
+          <a:noFill/>
+        </p:spPr>
+        <p:txBody>
+          <a:bodyPr wrap="square" rtlCol="0">
+            <a:spAutoFit/>
+          </a:bodyPr>
+          <a:lstStyle/>
+          <a:p>
+            <a:r>
+              <a:rPr lang="en-IN" sz="2400" b="1" dirty="0">
+                <a:solidFill>
+                  <a:schemeClr val="bg1"/>
+                </a:solidFill>
+              </a:rPr>
+              <a:t>Exp: - </a:t>
+            </a:r>
+            <a:r>
+              <a:rPr lang="en-US" sz="2400" b="1" dirty="0">
+                <a:solidFill>
+                  <a:schemeClr val="bg1"/>
+                </a:solidFill>
+              </a:rPr>
+              <a:t>connection strings, analytics keys, and service URLs</a:t>
+            </a:r>
+            <a:endParaRPr lang="en-IN" sz="2400" b="1" dirty="0">
+              <a:solidFill>
+                <a:schemeClr val="bg1"/>
+              </a:solidFill>
+            </a:endParaRPr>
+          </a:p>
+        </p:txBody>
+      </p:sp>
+      <p:sp>
+        <p:nvSpPr>
+          <p:cNvPr id="4" name="TextBox 3">
+            <a:extLst>
+              <a:ext uri="{FF2B5EF4-FFF2-40B4-BE49-F238E27FC236}">
+                <a16:creationId xmlns:a16="http://schemas.microsoft.com/office/drawing/2014/main" id="{09251729-9DB2-4550-B0A2-7BB0A36664DB}"/>
+              </a:ext>
+            </a:extLst>
+          </p:cNvPr>
+          <p:cNvSpPr txBox="1"/>
+          <p:nvPr/>
+        </p:nvSpPr>
+        <p:spPr>
+          <a:xfrm>
+            <a:off x="724396" y="4405749"/>
+            <a:ext cx="10497787" cy="461665"/>
+          </a:xfrm>
+          <a:prstGeom prst="rect">
+            <a:avLst/>
+          </a:prstGeom>
+          <a:noFill/>
+        </p:spPr>
+        <p:txBody>
+          <a:bodyPr wrap="square" rtlCol="0">
+            <a:spAutoFit/>
+          </a:bodyPr>
+          <a:lstStyle/>
+          <a:p>
+            <a:r>
+              <a:rPr lang="en-US" sz="2400" b="1" dirty="0">
+                <a:solidFill>
+                  <a:schemeClr val="bg1"/>
+                </a:solidFill>
+              </a:rPr>
+              <a:t>Helps keep your application code separate from your configuration </a:t>
+            </a:r>
+            <a:endParaRPr lang="en-IN" sz="2400" b="1" dirty="0">
+              <a:solidFill>
+                <a:schemeClr val="bg1"/>
+              </a:solidFill>
+            </a:endParaRPr>
+          </a:p>
+        </p:txBody>
+      </p:sp>
+      <p:sp>
+        <p:nvSpPr>
+          <p:cNvPr id="8" name="TextBox 7">
+            <a:extLst>
+              <a:ext uri="{FF2B5EF4-FFF2-40B4-BE49-F238E27FC236}">
+                <a16:creationId xmlns:a16="http://schemas.microsoft.com/office/drawing/2014/main" id="{F14C0215-E0BC-4C14-960A-CA437F2A0131}"/>
+              </a:ext>
+            </a:extLst>
+          </p:cNvPr>
+          <p:cNvSpPr txBox="1"/>
+          <p:nvPr/>
+        </p:nvSpPr>
+        <p:spPr>
+          <a:xfrm>
+            <a:off x="758044" y="5258793"/>
+            <a:ext cx="10497787" cy="461665"/>
+          </a:xfrm>
+          <a:prstGeom prst="rect">
+            <a:avLst/>
+          </a:prstGeom>
+          <a:noFill/>
+        </p:spPr>
+        <p:txBody>
+          <a:bodyPr wrap="square" rtlCol="0">
+            <a:spAutoFit/>
+          </a:bodyPr>
+          <a:lstStyle/>
+          <a:p>
+            <a:r>
+              <a:rPr lang="en-US" sz="2400" b="1" dirty="0">
+                <a:solidFill>
+                  <a:schemeClr val="bg1"/>
+                </a:solidFill>
+              </a:rPr>
+              <a:t>Improves Portability of your application</a:t>
+            </a:r>
+            <a:endParaRPr lang="en-IN" sz="2400" b="1" dirty="0">
+              <a:solidFill>
+                <a:schemeClr val="bg1"/>
+              </a:solidFill>
+            </a:endParaRPr>
+          </a:p>
+        </p:txBody>
+      </p:sp>
+    </p:spTree>
+    <p:extLst>
+      <p:ext uri="{BB962C8B-B14F-4D97-AF65-F5344CB8AC3E}">
+        <p14:creationId xmlns:p14="http://schemas.microsoft.com/office/powerpoint/2010/main" val="4182752956"/>
+      </p:ext>
+    </p:extLst>
+  </p:cSld>
+  <p:clrMapOvr>
+    <a:masterClrMapping/>
+  </p:clrMapOvr>
+</p:sld>
+</file>
+
+<file path=ppt/slides/slide61.xml><?xml version="1.0" encoding="utf-8"?>
+<p:sld xmlns:a="http://schemas.openxmlformats.org/drawingml/2006/main" xmlns:r="http://schemas.openxmlformats.org/officeDocument/2006/relationships" xmlns:p="http://schemas.openxmlformats.org/presentationml/2006/main">
+  <p:cSld>
+    <p:spTree>
+      <p:nvGrpSpPr>
+        <p:cNvPr id="1" name=""/>
+        <p:cNvGrpSpPr/>
+        <p:nvPr/>
+      </p:nvGrpSpPr>
+      <p:grpSpPr>
+        <a:xfrm>
+          <a:off x="0" y="0"/>
+          <a:ext cx="0" cy="0"/>
+          <a:chOff x="0" y="0"/>
+          <a:chExt cx="0" cy="0"/>
+        </a:xfrm>
+      </p:grpSpPr>
+      <p:sp>
+        <p:nvSpPr>
+          <p:cNvPr id="2" name="Title 4">
+            <a:extLst>
+              <a:ext uri="{FF2B5EF4-FFF2-40B4-BE49-F238E27FC236}">
+                <a16:creationId xmlns:a16="http://schemas.microsoft.com/office/drawing/2014/main" id="{E95B6AA9-38D9-4A79-977A-C0804F552444}"/>
+              </a:ext>
+            </a:extLst>
+          </p:cNvPr>
+          <p:cNvSpPr txBox="1">
+            <a:spLocks noGrp="1"/>
+          </p:cNvSpPr>
+          <p:nvPr>
+            <p:ph type="title"/>
+          </p:nvPr>
+        </p:nvSpPr>
+        <p:spPr>
+          <a:xfrm>
+            <a:off x="521208" y="691899"/>
+            <a:ext cx="6876288" cy="640080"/>
+          </a:xfrm>
+        </p:spPr>
+        <p:txBody>
+          <a:bodyPr/>
+          <a:lstStyle/>
+          <a:p>
+            <a:pPr lvl="0"/>
+            <a:r>
+              <a:rPr lang="en-US" sz="3600" dirty="0" err="1">
+                <a:solidFill>
+                  <a:srgbClr val="FFFFFF"/>
+                </a:solidFill>
+              </a:rPr>
+              <a:t>ConfigMap</a:t>
+            </a:r>
+            <a:endParaRPr lang="en-IN" sz="3600" dirty="0">
+              <a:solidFill>
+                <a:srgbClr val="FFFFFF"/>
+              </a:solidFill>
+            </a:endParaRPr>
+          </a:p>
+        </p:txBody>
+      </p:sp>
+      <p:cxnSp>
+        <p:nvCxnSpPr>
+          <p:cNvPr id="3" name="Straight Connector 9">
+            <a:extLst>
+              <a:ext uri="{FF2B5EF4-FFF2-40B4-BE49-F238E27FC236}">
+                <a16:creationId xmlns:a16="http://schemas.microsoft.com/office/drawing/2014/main" id="{7BB9670B-64B0-402A-A6CD-5F6B87AB1F5F}"/>
+              </a:ext>
+            </a:extLst>
+          </p:cNvPr>
+          <p:cNvCxnSpPr/>
+          <p:nvPr/>
+        </p:nvCxnSpPr>
+        <p:spPr>
+          <a:xfrm>
+            <a:off x="619762" y="1534162"/>
+            <a:ext cx="10891519" cy="0"/>
+          </a:xfrm>
+          <a:prstGeom prst="straightConnector1">
+            <a:avLst/>
+          </a:prstGeom>
+          <a:noFill/>
+          <a:ln w="19046" cap="flat">
+            <a:solidFill>
+              <a:srgbClr val="FFFFFF"/>
+            </a:solidFill>
+            <a:prstDash val="solid"/>
+            <a:miter/>
+          </a:ln>
+        </p:spPr>
+      </p:cxnSp>
+      <p:pic>
+        <p:nvPicPr>
+          <p:cNvPr id="5" name="Picture 4">
+            <a:extLst>
+              <a:ext uri="{FF2B5EF4-FFF2-40B4-BE49-F238E27FC236}">
+                <a16:creationId xmlns:a16="http://schemas.microsoft.com/office/drawing/2014/main" id="{30ADD393-47A0-455D-BD4D-31CE298EFFA4}"/>
+              </a:ext>
+            </a:extLst>
+          </p:cNvPr>
+          <p:cNvPicPr>
+            <a:picLocks noChangeAspect="1"/>
+          </p:cNvPicPr>
+          <p:nvPr/>
+        </p:nvPicPr>
+        <p:blipFill>
+          <a:blip r:embed="rId3"/>
+          <a:stretch>
+            <a:fillRect/>
+          </a:stretch>
+        </p:blipFill>
+        <p:spPr>
+          <a:xfrm>
+            <a:off x="2327564" y="2481220"/>
+            <a:ext cx="7857506" cy="2691549"/>
+          </a:xfrm>
+          <a:prstGeom prst="rect">
+            <a:avLst/>
+          </a:prstGeom>
+        </p:spPr>
+      </p:pic>
+    </p:spTree>
+    <p:extLst>
+      <p:ext uri="{BB962C8B-B14F-4D97-AF65-F5344CB8AC3E}">
+        <p14:creationId xmlns:p14="http://schemas.microsoft.com/office/powerpoint/2010/main" val="3209124576"/>
+      </p:ext>
+    </p:extLst>
+  </p:cSld>
+  <p:clrMapOvr>
+    <a:masterClrMapping/>
+  </p:clrMapOvr>
+</p:sld>
+</file>
+
+<file path=ppt/slides/slide62.xml><?xml version="1.0" encoding="utf-8"?>
+<p:sld xmlns:a="http://schemas.openxmlformats.org/drawingml/2006/main" xmlns:r="http://schemas.openxmlformats.org/officeDocument/2006/relationships" xmlns:p="http://schemas.openxmlformats.org/presentationml/2006/main">
+  <p:cSld>
+    <p:spTree>
+      <p:nvGrpSpPr>
+        <p:cNvPr id="1" name=""/>
+        <p:cNvGrpSpPr/>
+        <p:nvPr/>
+      </p:nvGrpSpPr>
+      <p:grpSpPr>
+        <a:xfrm>
+          <a:off x="0" y="0"/>
+          <a:ext cx="0" cy="0"/>
+          <a:chOff x="0" y="0"/>
+          <a:chExt cx="0" cy="0"/>
+        </a:xfrm>
+      </p:grpSpPr>
+      <p:sp>
+        <p:nvSpPr>
+          <p:cNvPr id="2" name="Title 4">
+            <a:extLst>
+              <a:ext uri="{FF2B5EF4-FFF2-40B4-BE49-F238E27FC236}">
+                <a16:creationId xmlns:a16="http://schemas.microsoft.com/office/drawing/2014/main" id="{E95B6AA9-38D9-4A79-977A-C0804F552444}"/>
+              </a:ext>
+            </a:extLst>
+          </p:cNvPr>
+          <p:cNvSpPr txBox="1">
+            <a:spLocks noGrp="1"/>
+          </p:cNvSpPr>
+          <p:nvPr>
+            <p:ph type="title"/>
+          </p:nvPr>
+        </p:nvSpPr>
+        <p:spPr>
+          <a:xfrm>
+            <a:off x="521208" y="691899"/>
+            <a:ext cx="6876288" cy="640080"/>
+          </a:xfrm>
+        </p:spPr>
+        <p:txBody>
+          <a:bodyPr/>
+          <a:lstStyle/>
+          <a:p>
+            <a:pPr lvl="0"/>
+            <a:r>
+              <a:rPr lang="en-US" sz="3600" dirty="0" err="1">
+                <a:solidFill>
+                  <a:srgbClr val="FFFFFF"/>
+                </a:solidFill>
+              </a:rPr>
+              <a:t>ConfigMap</a:t>
+            </a:r>
+            <a:r>
+              <a:rPr lang="en-US" sz="3600" dirty="0">
+                <a:solidFill>
+                  <a:srgbClr val="FFFFFF"/>
+                </a:solidFill>
+              </a:rPr>
+              <a:t> from Literals</a:t>
+            </a:r>
+            <a:endParaRPr lang="en-IN" sz="3600" dirty="0">
+              <a:solidFill>
+                <a:srgbClr val="FFFFFF"/>
+              </a:solidFill>
+            </a:endParaRPr>
+          </a:p>
+        </p:txBody>
+      </p:sp>
+      <p:cxnSp>
+        <p:nvCxnSpPr>
+          <p:cNvPr id="3" name="Straight Connector 9">
+            <a:extLst>
+              <a:ext uri="{FF2B5EF4-FFF2-40B4-BE49-F238E27FC236}">
+                <a16:creationId xmlns:a16="http://schemas.microsoft.com/office/drawing/2014/main" id="{7BB9670B-64B0-402A-A6CD-5F6B87AB1F5F}"/>
+              </a:ext>
+            </a:extLst>
+          </p:cNvPr>
+          <p:cNvCxnSpPr/>
+          <p:nvPr/>
+        </p:nvCxnSpPr>
+        <p:spPr>
+          <a:xfrm>
+            <a:off x="619762" y="1534162"/>
+            <a:ext cx="10891519" cy="0"/>
+          </a:xfrm>
+          <a:prstGeom prst="straightConnector1">
+            <a:avLst/>
+          </a:prstGeom>
+          <a:noFill/>
+          <a:ln w="19046" cap="flat">
+            <a:solidFill>
+              <a:srgbClr val="FFFFFF"/>
+            </a:solidFill>
+            <a:prstDash val="solid"/>
+            <a:miter/>
+          </a:ln>
+        </p:spPr>
+      </p:cxnSp>
+      <p:sp>
+        <p:nvSpPr>
+          <p:cNvPr id="7" name="TextBox 6">
+            <a:extLst>
+              <a:ext uri="{FF2B5EF4-FFF2-40B4-BE49-F238E27FC236}">
+                <a16:creationId xmlns:a16="http://schemas.microsoft.com/office/drawing/2014/main" id="{24C74EAD-E02F-4B3D-9D98-F82F31EDB755}"/>
+              </a:ext>
+            </a:extLst>
+          </p:cNvPr>
+          <p:cNvSpPr txBox="1"/>
+          <p:nvPr/>
+        </p:nvSpPr>
+        <p:spPr>
+          <a:xfrm>
+            <a:off x="619762" y="3194498"/>
+            <a:ext cx="6777734" cy="830997"/>
+          </a:xfrm>
+          <a:prstGeom prst="rect">
+            <a:avLst/>
+          </a:prstGeom>
+          <a:noFill/>
+        </p:spPr>
+        <p:txBody>
+          <a:bodyPr wrap="square" rtlCol="0">
+            <a:spAutoFit/>
+          </a:bodyPr>
+          <a:lstStyle/>
+          <a:p>
+            <a:r>
+              <a:rPr lang="en-US" sz="2400" b="1" dirty="0" err="1">
+                <a:solidFill>
+                  <a:schemeClr val="bg1"/>
+                </a:solidFill>
+              </a:rPr>
+              <a:t>kubectl</a:t>
+            </a:r>
+            <a:r>
+              <a:rPr lang="en-US" sz="2400" b="1" dirty="0">
+                <a:solidFill>
+                  <a:schemeClr val="bg1"/>
+                </a:solidFill>
+              </a:rPr>
+              <a:t> create </a:t>
+            </a:r>
+            <a:r>
+              <a:rPr lang="en-US" sz="2400" b="1" dirty="0" err="1">
+                <a:solidFill>
+                  <a:schemeClr val="bg1"/>
+                </a:solidFill>
+              </a:rPr>
+              <a:t>configmap</a:t>
+            </a:r>
+            <a:r>
+              <a:rPr lang="en-US" sz="2400" b="1" dirty="0">
+                <a:solidFill>
+                  <a:schemeClr val="bg1"/>
+                </a:solidFill>
+              </a:rPr>
+              <a:t> example-literal-config</a:t>
+            </a:r>
+          </a:p>
+          <a:p>
+            <a:r>
+              <a:rPr lang="en-US" sz="2400" b="1" dirty="0">
+                <a:solidFill>
+                  <a:schemeClr val="bg1"/>
+                </a:solidFill>
+              </a:rPr>
+              <a:t>--from-literal=</a:t>
+            </a:r>
+            <a:r>
+              <a:rPr lang="en-US" sz="2400" b="1" dirty="0" err="1">
+                <a:solidFill>
+                  <a:schemeClr val="bg1"/>
+                </a:solidFill>
+              </a:rPr>
+              <a:t>mem.max</a:t>
+            </a:r>
+            <a:r>
+              <a:rPr lang="en-US" sz="2400" b="1" dirty="0">
+                <a:solidFill>
+                  <a:schemeClr val="bg1"/>
+                </a:solidFill>
+              </a:rPr>
+              <a:t>=100MB</a:t>
+            </a:r>
+            <a:endParaRPr lang="en-IN" sz="2400" b="1" dirty="0">
+              <a:solidFill>
+                <a:schemeClr val="bg1"/>
+              </a:solidFill>
+            </a:endParaRPr>
+          </a:p>
+        </p:txBody>
+      </p:sp>
+      <p:pic>
+        <p:nvPicPr>
+          <p:cNvPr id="5" name="Picture 4">
+            <a:extLst>
+              <a:ext uri="{FF2B5EF4-FFF2-40B4-BE49-F238E27FC236}">
+                <a16:creationId xmlns:a16="http://schemas.microsoft.com/office/drawing/2014/main" id="{3329E41A-7E7F-49EF-9659-E24716420C42}"/>
+              </a:ext>
+            </a:extLst>
+          </p:cNvPr>
+          <p:cNvPicPr>
+            <a:picLocks noChangeAspect="1"/>
+          </p:cNvPicPr>
+          <p:nvPr/>
+        </p:nvPicPr>
+        <p:blipFill>
+          <a:blip r:embed="rId3"/>
+          <a:stretch>
+            <a:fillRect/>
+          </a:stretch>
+        </p:blipFill>
+        <p:spPr>
+          <a:xfrm>
+            <a:off x="6770296" y="1971316"/>
+            <a:ext cx="4801942" cy="3647629"/>
+          </a:xfrm>
+          <a:prstGeom prst="rect">
+            <a:avLst/>
+          </a:prstGeom>
+        </p:spPr>
+      </p:pic>
+    </p:spTree>
+    <p:extLst>
+      <p:ext uri="{BB962C8B-B14F-4D97-AF65-F5344CB8AC3E}">
+        <p14:creationId xmlns:p14="http://schemas.microsoft.com/office/powerpoint/2010/main" val="3380450585"/>
+      </p:ext>
+    </p:extLst>
+  </p:cSld>
+  <p:clrMapOvr>
+    <a:masterClrMapping/>
+  </p:clrMapOvr>
+</p:sld>
+</file>
+
+<file path=ppt/slides/slide63.xml><?xml version="1.0" encoding="utf-8"?>
+<p:sld xmlns:a="http://schemas.openxmlformats.org/drawingml/2006/main" xmlns:r="http://schemas.openxmlformats.org/officeDocument/2006/relationships" xmlns:p="http://schemas.openxmlformats.org/presentationml/2006/main">
+  <p:cSld>
+    <p:spTree>
+      <p:nvGrpSpPr>
+        <p:cNvPr id="1" name=""/>
+        <p:cNvGrpSpPr/>
+        <p:nvPr/>
+      </p:nvGrpSpPr>
+      <p:grpSpPr>
+        <a:xfrm>
+          <a:off x="0" y="0"/>
+          <a:ext cx="0" cy="0"/>
+          <a:chOff x="0" y="0"/>
+          <a:chExt cx="0" cy="0"/>
+        </a:xfrm>
+      </p:grpSpPr>
+      <p:sp>
+        <p:nvSpPr>
+          <p:cNvPr id="2" name="Title 4">
+            <a:extLst>
+              <a:ext uri="{FF2B5EF4-FFF2-40B4-BE49-F238E27FC236}">
+                <a16:creationId xmlns:a16="http://schemas.microsoft.com/office/drawing/2014/main" id="{E95B6AA9-38D9-4A79-977A-C0804F552444}"/>
+              </a:ext>
+            </a:extLst>
+          </p:cNvPr>
+          <p:cNvSpPr txBox="1">
+            <a:spLocks noGrp="1"/>
+          </p:cNvSpPr>
+          <p:nvPr>
+            <p:ph type="title"/>
+          </p:nvPr>
+        </p:nvSpPr>
+        <p:spPr>
+          <a:xfrm>
+            <a:off x="521208" y="691899"/>
+            <a:ext cx="6876288" cy="640080"/>
+          </a:xfrm>
+        </p:spPr>
+        <p:txBody>
+          <a:bodyPr/>
+          <a:lstStyle/>
+          <a:p>
+            <a:pPr lvl="0"/>
+            <a:r>
+              <a:rPr lang="en-US" sz="3600" dirty="0" err="1">
+                <a:solidFill>
+                  <a:srgbClr val="FFFFFF"/>
+                </a:solidFill>
+              </a:rPr>
+              <a:t>ConfigMap</a:t>
+            </a:r>
+            <a:r>
+              <a:rPr lang="en-US" sz="3600" dirty="0">
+                <a:solidFill>
+                  <a:srgbClr val="FFFFFF"/>
+                </a:solidFill>
+              </a:rPr>
+              <a:t> from file</a:t>
+            </a:r>
+            <a:endParaRPr lang="en-IN" sz="3600" dirty="0">
+              <a:solidFill>
+                <a:srgbClr val="FFFFFF"/>
+              </a:solidFill>
+            </a:endParaRPr>
+          </a:p>
+        </p:txBody>
+      </p:sp>
+      <p:cxnSp>
+        <p:nvCxnSpPr>
+          <p:cNvPr id="3" name="Straight Connector 9">
+            <a:extLst>
+              <a:ext uri="{FF2B5EF4-FFF2-40B4-BE49-F238E27FC236}">
+                <a16:creationId xmlns:a16="http://schemas.microsoft.com/office/drawing/2014/main" id="{7BB9670B-64B0-402A-A6CD-5F6B87AB1F5F}"/>
+              </a:ext>
+            </a:extLst>
+          </p:cNvPr>
+          <p:cNvCxnSpPr/>
+          <p:nvPr/>
+        </p:nvCxnSpPr>
+        <p:spPr>
+          <a:xfrm>
+            <a:off x="619762" y="1534162"/>
+            <a:ext cx="10891519" cy="0"/>
+          </a:xfrm>
+          <a:prstGeom prst="straightConnector1">
+            <a:avLst/>
+          </a:prstGeom>
+          <a:noFill/>
+          <a:ln w="19046" cap="flat">
+            <a:solidFill>
+              <a:srgbClr val="FFFFFF"/>
+            </a:solidFill>
+            <a:prstDash val="solid"/>
+            <a:miter/>
+          </a:ln>
+        </p:spPr>
+      </p:cxnSp>
+      <p:pic>
+        <p:nvPicPr>
+          <p:cNvPr id="4" name="Picture 3">
+            <a:extLst>
+              <a:ext uri="{FF2B5EF4-FFF2-40B4-BE49-F238E27FC236}">
+                <a16:creationId xmlns:a16="http://schemas.microsoft.com/office/drawing/2014/main" id="{5C18DC93-456C-4209-AFCB-2B3B0613FBFE}"/>
+              </a:ext>
+            </a:extLst>
+          </p:cNvPr>
+          <p:cNvPicPr>
+            <a:picLocks noChangeAspect="1"/>
+          </p:cNvPicPr>
+          <p:nvPr/>
+        </p:nvPicPr>
+        <p:blipFill>
+          <a:blip r:embed="rId3"/>
+          <a:stretch>
+            <a:fillRect/>
+          </a:stretch>
+        </p:blipFill>
+        <p:spPr>
+          <a:xfrm>
+            <a:off x="7492498" y="2235290"/>
+            <a:ext cx="3238059" cy="3580409"/>
+          </a:xfrm>
+          <a:prstGeom prst="rect">
+            <a:avLst/>
+          </a:prstGeom>
+        </p:spPr>
+      </p:pic>
+      <p:sp>
+        <p:nvSpPr>
+          <p:cNvPr id="7" name="TextBox 6">
+            <a:extLst>
+              <a:ext uri="{FF2B5EF4-FFF2-40B4-BE49-F238E27FC236}">
+                <a16:creationId xmlns:a16="http://schemas.microsoft.com/office/drawing/2014/main" id="{24C74EAD-E02F-4B3D-9D98-F82F31EDB755}"/>
+              </a:ext>
+            </a:extLst>
+          </p:cNvPr>
+          <p:cNvSpPr txBox="1"/>
+          <p:nvPr/>
+        </p:nvSpPr>
+        <p:spPr>
+          <a:xfrm>
+            <a:off x="619762" y="3194498"/>
+            <a:ext cx="6480851" cy="830997"/>
+          </a:xfrm>
+          <a:prstGeom prst="rect">
+            <a:avLst/>
+          </a:prstGeom>
+          <a:noFill/>
+        </p:spPr>
+        <p:txBody>
+          <a:bodyPr wrap="square" rtlCol="0">
+            <a:spAutoFit/>
+          </a:bodyPr>
+          <a:lstStyle/>
+          <a:p>
+            <a:r>
+              <a:rPr lang="en-US" sz="2400" b="1" dirty="0" err="1">
+                <a:solidFill>
+                  <a:schemeClr val="bg1"/>
+                </a:solidFill>
+              </a:rPr>
+              <a:t>kubectl</a:t>
+            </a:r>
+            <a:r>
+              <a:rPr lang="en-US" sz="2400" b="1" dirty="0">
+                <a:solidFill>
+                  <a:schemeClr val="bg1"/>
+                </a:solidFill>
+              </a:rPr>
+              <a:t> create </a:t>
+            </a:r>
+            <a:r>
+              <a:rPr lang="en-US" sz="2400" b="1" dirty="0" err="1">
+                <a:solidFill>
+                  <a:schemeClr val="bg1"/>
+                </a:solidFill>
+              </a:rPr>
+              <a:t>configmap</a:t>
+            </a:r>
+            <a:r>
+              <a:rPr lang="en-US" sz="2400" b="1" dirty="0">
+                <a:solidFill>
+                  <a:schemeClr val="bg1"/>
+                </a:solidFill>
+              </a:rPr>
+              <a:t> example-</a:t>
+            </a:r>
+            <a:r>
+              <a:rPr lang="en-US" sz="2400" b="1" dirty="0" err="1">
+                <a:solidFill>
+                  <a:schemeClr val="bg1"/>
+                </a:solidFill>
+              </a:rPr>
+              <a:t>redis</a:t>
+            </a:r>
+            <a:r>
+              <a:rPr lang="en-US" sz="2400" b="1" dirty="0">
+                <a:solidFill>
+                  <a:schemeClr val="bg1"/>
+                </a:solidFill>
+              </a:rPr>
+              <a:t>-config</a:t>
+            </a:r>
+          </a:p>
+          <a:p>
+            <a:r>
+              <a:rPr lang="en-US" sz="2400" b="1" dirty="0">
+                <a:solidFill>
+                  <a:schemeClr val="bg1"/>
+                </a:solidFill>
+              </a:rPr>
+              <a:t>--from-file=</a:t>
+            </a:r>
+            <a:r>
+              <a:rPr lang="en-US" sz="2400" b="1" dirty="0" err="1">
+                <a:solidFill>
+                  <a:schemeClr val="bg1"/>
+                </a:solidFill>
+              </a:rPr>
+              <a:t>redis</a:t>
+            </a:r>
+            <a:r>
+              <a:rPr lang="en-US" sz="2400" b="1" dirty="0">
+                <a:solidFill>
+                  <a:schemeClr val="bg1"/>
+                </a:solidFill>
+              </a:rPr>
+              <a:t>-config</a:t>
+            </a:r>
+            <a:endParaRPr lang="en-IN" sz="2400" b="1" dirty="0">
+              <a:solidFill>
+                <a:schemeClr val="bg1"/>
+              </a:solidFill>
+            </a:endParaRPr>
+          </a:p>
+        </p:txBody>
+      </p:sp>
+    </p:spTree>
+    <p:extLst>
+      <p:ext uri="{BB962C8B-B14F-4D97-AF65-F5344CB8AC3E}">
+        <p14:creationId xmlns:p14="http://schemas.microsoft.com/office/powerpoint/2010/main" val="4083667354"/>
       </p:ext>
     </p:extLst>
   </p:cSld>
